--- a/proposal/0415/0415.pptx
+++ b/proposal/0415/0415.pptx
@@ -5,7 +5,7 @@
     <p:sldMasterId id="2147483648" r:id="rId1"/>
   </p:sldMasterIdLst>
   <p:notesMasterIdLst>
-    <p:notesMasterId r:id="rId24"/>
+    <p:notesMasterId r:id="rId25"/>
   </p:notesMasterIdLst>
   <p:sldIdLst>
     <p:sldId id="256" r:id="rId2"/>
@@ -13,23 +13,24 @@
     <p:sldId id="263" r:id="rId4"/>
     <p:sldId id="258" r:id="rId5"/>
     <p:sldId id="267" r:id="rId6"/>
-    <p:sldId id="290" r:id="rId7"/>
-    <p:sldId id="291" r:id="rId8"/>
-    <p:sldId id="292" r:id="rId9"/>
-    <p:sldId id="299" r:id="rId10"/>
-    <p:sldId id="293" r:id="rId11"/>
-    <p:sldId id="295" r:id="rId12"/>
-    <p:sldId id="281" r:id="rId13"/>
-    <p:sldId id="283" r:id="rId14"/>
-    <p:sldId id="284" r:id="rId15"/>
-    <p:sldId id="285" r:id="rId16"/>
-    <p:sldId id="286" r:id="rId17"/>
-    <p:sldId id="297" r:id="rId18"/>
-    <p:sldId id="296" r:id="rId19"/>
-    <p:sldId id="298" r:id="rId20"/>
-    <p:sldId id="269" r:id="rId21"/>
-    <p:sldId id="289" r:id="rId22"/>
-    <p:sldId id="288" r:id="rId23"/>
+    <p:sldId id="291" r:id="rId7"/>
+    <p:sldId id="292" r:id="rId8"/>
+    <p:sldId id="300" r:id="rId9"/>
+    <p:sldId id="290" r:id="rId10"/>
+    <p:sldId id="299" r:id="rId11"/>
+    <p:sldId id="293" r:id="rId12"/>
+    <p:sldId id="295" r:id="rId13"/>
+    <p:sldId id="281" r:id="rId14"/>
+    <p:sldId id="283" r:id="rId15"/>
+    <p:sldId id="284" r:id="rId16"/>
+    <p:sldId id="285" r:id="rId17"/>
+    <p:sldId id="286" r:id="rId18"/>
+    <p:sldId id="297" r:id="rId19"/>
+    <p:sldId id="296" r:id="rId20"/>
+    <p:sldId id="298" r:id="rId21"/>
+    <p:sldId id="269" r:id="rId22"/>
+    <p:sldId id="289" r:id="rId23"/>
+    <p:sldId id="288" r:id="rId24"/>
   </p:sldIdLst>
   <p:sldSz cx="12192000" cy="6858000"/>
   <p:notesSz cx="6858000" cy="9144000"/>
@@ -3958,7 +3959,7 @@
           <p:cNvPr id="2" name="標題 1">
             <a:extLst>
               <a:ext uri="{FF2B5EF4-FFF2-40B4-BE49-F238E27FC236}">
-                <a16:creationId xmlns:a16="http://schemas.microsoft.com/office/drawing/2014/main" id="{7CF262D2-08E1-37D8-8C67-896A278133C1}"/>
+                <a16:creationId xmlns:a16="http://schemas.microsoft.com/office/drawing/2014/main" id="{199D0CE8-E858-4B55-8D07-9D7F11B989C6}"/>
               </a:ext>
             </a:extLst>
           </p:cNvPr>
@@ -3966,7 +3967,7 @@
             <a:spLocks noGrp="1"/>
           </p:cNvSpPr>
           <p:nvPr>
-            <p:ph type="title"/>
+            <p:ph type="ctrTitle"/>
           </p:nvPr>
         </p:nvSpPr>
         <p:spPr/>
@@ -3979,138 +3980,9 @@
                 <a:latin typeface="微軟正黑體" panose="020B0604030504040204" pitchFamily="34" charset="-120"/>
                 <a:ea typeface="微軟正黑體" panose="020B0604030504040204" pitchFamily="34" charset="-120"/>
               </a:rPr>
-              <a:t>匈牙利算法 </a:t>
-            </a:r>
-            <a:r>
-              <a:rPr lang="en-US" altLang="zh-TW" dirty="0">
-                <a:latin typeface="微軟正黑體" panose="020B0604030504040204" pitchFamily="34" charset="-120"/>
-                <a:ea typeface="微軟正黑體" panose="020B0604030504040204" pitchFamily="34" charset="-120"/>
-              </a:rPr>
-              <a:t>- </a:t>
-            </a:r>
-            <a:r>
-              <a:rPr lang="zh-TW" altLang="en-US" dirty="0">
-                <a:latin typeface="微軟正黑體" panose="020B0604030504040204" pitchFamily="34" charset="-120"/>
-                <a:ea typeface="微軟正黑體" panose="020B0604030504040204" pitchFamily="34" charset="-120"/>
-              </a:rPr>
-              <a:t>基本概念</a:t>
-            </a:r>
-          </a:p>
-        </p:txBody>
-      </p:sp>
-      <p:sp>
-        <p:nvSpPr>
-          <p:cNvPr id="3" name="內容版面配置區 2">
-            <a:extLst>
-              <a:ext uri="{FF2B5EF4-FFF2-40B4-BE49-F238E27FC236}">
-                <a16:creationId xmlns:a16="http://schemas.microsoft.com/office/drawing/2014/main" id="{49CC8F17-D4D7-A3AB-A01B-47207BD7B621}"/>
-              </a:ext>
-            </a:extLst>
-          </p:cNvPr>
-          <p:cNvSpPr>
-            <a:spLocks noGrp="1"/>
-          </p:cNvSpPr>
-          <p:nvPr>
-            <p:ph idx="1"/>
-          </p:nvPr>
-        </p:nvSpPr>
-        <p:spPr>
-          <a:xfrm>
-            <a:off x="838200" y="1825625"/>
-            <a:ext cx="4376057" cy="4760232"/>
-          </a:xfrm>
-        </p:spPr>
-        <p:txBody>
-          <a:bodyPr>
-            <a:normAutofit/>
-          </a:bodyPr>
-          <a:lstStyle/>
-          <a:p>
-            <a:pPr marL="0" indent="0">
-              <a:buNone/>
-            </a:pPr>
-            <a:r>
-              <a:rPr lang="zh-TW" altLang="en-US" sz="2400" b="1" dirty="0">
-                <a:latin typeface="微軟正黑體" panose="020B0604030504040204" pitchFamily="34" charset="-120"/>
-                <a:ea typeface="微軟正黑體" panose="020B0604030504040204" pitchFamily="34" charset="-120"/>
-              </a:rPr>
-              <a:t>本質：求解 </a:t>
-            </a:r>
-            <a:r>
-              <a:rPr lang="en-US" altLang="zh-TW" sz="2400" b="1" dirty="0">
-                <a:latin typeface="微軟正黑體" panose="020B0604030504040204" pitchFamily="34" charset="-120"/>
-                <a:ea typeface="微軟正黑體" panose="020B0604030504040204" pitchFamily="34" charset="-120"/>
-              </a:rPr>
-              <a:t>assignment problem</a:t>
-            </a:r>
-            <a:r>
-              <a:rPr lang="zh-TW" altLang="en-US" sz="2400" b="1" dirty="0">
-                <a:latin typeface="微軟正黑體" panose="020B0604030504040204" pitchFamily="34" charset="-120"/>
-                <a:ea typeface="微軟正黑體" panose="020B0604030504040204" pitchFamily="34" charset="-120"/>
-              </a:rPr>
-              <a:t>（匹配問題），將 </a:t>
-            </a:r>
-            <a:r>
-              <a:rPr lang="en-US" altLang="zh-TW" sz="2400" b="1" dirty="0">
-                <a:latin typeface="微軟正黑體" panose="020B0604030504040204" pitchFamily="34" charset="-120"/>
-                <a:ea typeface="微軟正黑體" panose="020B0604030504040204" pitchFamily="34" charset="-120"/>
-              </a:rPr>
-              <a:t>cost </a:t>
-            </a:r>
-            <a:r>
-              <a:rPr lang="zh-TW" altLang="en-US" sz="2400" b="1" dirty="0">
-                <a:latin typeface="微軟正黑體" panose="020B0604030504040204" pitchFamily="34" charset="-120"/>
-                <a:ea typeface="微軟正黑體" panose="020B0604030504040204" pitchFamily="34" charset="-120"/>
-              </a:rPr>
-              <a:t>最小的配對方式找出來。</a:t>
-            </a:r>
-            <a:endParaRPr lang="en-US" altLang="zh-TW" sz="2400" b="1" dirty="0">
-              <a:latin typeface="微軟正黑體" panose="020B0604030504040204" pitchFamily="34" charset="-120"/>
-              <a:ea typeface="微軟正黑體" panose="020B0604030504040204" pitchFamily="34" charset="-120"/>
-            </a:endParaRPr>
-          </a:p>
-          <a:p>
-            <a:endParaRPr lang="en-US" altLang="zh-TW" sz="2400" b="1" dirty="0">
-              <a:latin typeface="微軟正黑體" panose="020B0604030504040204" pitchFamily="34" charset="-120"/>
-              <a:ea typeface="微軟正黑體" panose="020B0604030504040204" pitchFamily="34" charset="-120"/>
-            </a:endParaRPr>
-          </a:p>
-          <a:p>
-            <a:pPr marL="0" indent="0">
-              <a:buNone/>
-            </a:pPr>
-            <a:r>
-              <a:rPr lang="zh-TW" altLang="en-US" sz="2400" dirty="0">
-                <a:latin typeface="微軟正黑體" panose="020B0604030504040204" pitchFamily="34" charset="-120"/>
-                <a:ea typeface="微軟正黑體" panose="020B0604030504040204" pitchFamily="34" charset="-120"/>
-              </a:rPr>
-              <a:t>將所有上一幀的預測點，與當前幀的偵測點建立</a:t>
-            </a:r>
-            <a:r>
-              <a:rPr lang="en-US" altLang="zh-TW" sz="2400" dirty="0">
-                <a:latin typeface="微軟正黑體" panose="020B0604030504040204" pitchFamily="34" charset="-120"/>
-                <a:ea typeface="微軟正黑體" panose="020B0604030504040204" pitchFamily="34" charset="-120"/>
-              </a:rPr>
-              <a:t>cost matrix</a:t>
-            </a:r>
-            <a:r>
-              <a:rPr lang="zh-TW" altLang="en-US" sz="2400" dirty="0">
-                <a:latin typeface="微軟正黑體" panose="020B0604030504040204" pitchFamily="34" charset="-120"/>
-                <a:ea typeface="微軟正黑體" panose="020B0604030504040204" pitchFamily="34" charset="-120"/>
-              </a:rPr>
-              <a:t>，用匈牙利算法找出</a:t>
-            </a:r>
-            <a:r>
-              <a:rPr lang="zh-TW" altLang="en-US" sz="2400" b="1" dirty="0">
-                <a:latin typeface="微軟正黑體" panose="020B0604030504040204" pitchFamily="34" charset="-120"/>
-                <a:ea typeface="微軟正黑體" panose="020B0604030504040204" pitchFamily="34" charset="-120"/>
-              </a:rPr>
-              <a:t>最小總成本配對。</a:t>
-            </a:r>
-            <a:endParaRPr lang="en-US" altLang="zh-TW" sz="2400" b="1" dirty="0">
-              <a:latin typeface="微軟正黑體" panose="020B0604030504040204" pitchFamily="34" charset="-120"/>
-              <a:ea typeface="微軟正黑體" panose="020B0604030504040204" pitchFamily="34" charset="-120"/>
-            </a:endParaRPr>
+              <a:t>匈牙利算法</a:t>
+            </a:r>
+            <a:endParaRPr lang="zh-TW" altLang="en-US" dirty="0"/>
           </a:p>
         </p:txBody>
       </p:sp>
@@ -4119,7 +3991,7 @@
           <p:cNvPr id="4" name="投影片編號版面配置區 3">
             <a:extLst>
               <a:ext uri="{FF2B5EF4-FFF2-40B4-BE49-F238E27FC236}">
-                <a16:creationId xmlns:a16="http://schemas.microsoft.com/office/drawing/2014/main" id="{BBB4725B-9AA5-0F9B-D16B-FBFA6FA5D4EA}"/>
+                <a16:creationId xmlns:a16="http://schemas.microsoft.com/office/drawing/2014/main" id="{816A9AE2-143A-4462-98E7-88E3B84B6576}"/>
               </a:ext>
             </a:extLst>
           </p:cNvPr>
@@ -4136,53 +4008,29 @@
           <a:lstStyle/>
           <a:p>
             <a:fld id="{8E39447E-DB70-4483-8A6C-6AFEA1EAB15C}" type="slidenum">
-              <a:rPr lang="zh-TW" altLang="en-US" smtClean="0"/>
-              <a:pPr/>
+              <a:rPr lang="zh-TW" altLang="en-US" sz="2000" smtClean="0">
+                <a:solidFill>
+                  <a:schemeClr val="tx1"/>
+                </a:solidFill>
+                <a:latin typeface="微軟正黑體" panose="020B0604030504040204" pitchFamily="34" charset="-120"/>
+                <a:ea typeface="微軟正黑體" panose="020B0604030504040204" pitchFamily="34" charset="-120"/>
+              </a:rPr>
               <a:t>10</a:t>
             </a:fld>
-            <a:endParaRPr lang="zh-TW" altLang="en-US" dirty="0"/>
+            <a:endParaRPr lang="zh-TW" altLang="en-US" sz="2000">
+              <a:solidFill>
+                <a:schemeClr val="tx1"/>
+              </a:solidFill>
+              <a:latin typeface="微軟正黑體" panose="020B0604030504040204" pitchFamily="34" charset="-120"/>
+              <a:ea typeface="微軟正黑體" panose="020B0604030504040204" pitchFamily="34" charset="-120"/>
+            </a:endParaRPr>
           </a:p>
         </p:txBody>
       </p:sp>
-      <p:pic>
-        <p:nvPicPr>
-          <p:cNvPr id="9" name="圖片 8">
-            <a:extLst>
-              <a:ext uri="{FF2B5EF4-FFF2-40B4-BE49-F238E27FC236}">
-                <a16:creationId xmlns:a16="http://schemas.microsoft.com/office/drawing/2014/main" id="{87191130-DA81-73E7-5A99-F512CACC7D6B}"/>
-              </a:ext>
-            </a:extLst>
-          </p:cNvPr>
-          <p:cNvPicPr>
-            <a:picLocks noChangeAspect="1"/>
-          </p:cNvPicPr>
-          <p:nvPr/>
-        </p:nvPicPr>
-        <p:blipFill>
-          <a:blip r:embed="rId2">
-            <a:extLst>
-              <a:ext uri="{28A0092B-C50C-407E-A947-70E740481C1C}">
-                <a14:useLocalDpi xmlns:a14="http://schemas.microsoft.com/office/drawing/2010/main" val="0"/>
-              </a:ext>
-            </a:extLst>
-          </a:blip>
-          <a:srcRect/>
-          <a:stretch/>
-        </p:blipFill>
-        <p:spPr>
-          <a:xfrm>
-            <a:off x="5249615" y="2176738"/>
-            <a:ext cx="6721970" cy="3070176"/>
-          </a:xfrm>
-          <a:prstGeom prst="rect">
-            <a:avLst/>
-          </a:prstGeom>
-        </p:spPr>
-      </p:pic>
     </p:spTree>
     <p:extLst>
       <p:ext uri="{BB962C8B-B14F-4D97-AF65-F5344CB8AC3E}">
-        <p14:creationId xmlns:p14="http://schemas.microsoft.com/office/powerpoint/2010/main" val="2962095838"/>
+        <p14:creationId xmlns:p14="http://schemas.microsoft.com/office/powerpoint/2010/main" val="4151889795"/>
       </p:ext>
     </p:extLst>
   </p:cSld>
@@ -4231,24 +4079,280 @@
           <a:lstStyle/>
           <a:p>
             <a:r>
+              <a:rPr lang="zh-TW" altLang="en-US" dirty="0">
+                <a:latin typeface="微軟正黑體" panose="020B0604030504040204" pitchFamily="34" charset="-120"/>
+                <a:ea typeface="微軟正黑體" panose="020B0604030504040204" pitchFamily="34" charset="-120"/>
+              </a:rPr>
+              <a:t>匈牙利算法 </a:t>
+            </a:r>
+            <a:r>
               <a:rPr lang="en-US" altLang="zh-TW" dirty="0">
                 <a:latin typeface="微軟正黑體" panose="020B0604030504040204" pitchFamily="34" charset="-120"/>
                 <a:ea typeface="微軟正黑體" panose="020B0604030504040204" pitchFamily="34" charset="-120"/>
               </a:rPr>
-              <a:t>Cost Matrix</a:t>
+              <a:t>- </a:t>
             </a:r>
             <a:r>
               <a:rPr lang="zh-TW" altLang="en-US" dirty="0">
                 <a:latin typeface="微軟正黑體" panose="020B0604030504040204" pitchFamily="34" charset="-120"/>
                 <a:ea typeface="微軟正黑體" panose="020B0604030504040204" pitchFamily="34" charset="-120"/>
               </a:rPr>
-              <a:t>建立方法</a:t>
+              <a:t>基本概念</a:t>
             </a:r>
           </a:p>
         </p:txBody>
       </p:sp>
-      <mc:AlternateContent xmlns:mc="http://schemas.openxmlformats.org/markup-compatibility/2006">
-        <mc:Choice xmlns:a14="http://schemas.microsoft.com/office/drawing/2010/main" Requires="a14">
+      <p:sp>
+        <p:nvSpPr>
+          <p:cNvPr id="3" name="內容版面配置區 2">
+            <a:extLst>
+              <a:ext uri="{FF2B5EF4-FFF2-40B4-BE49-F238E27FC236}">
+                <a16:creationId xmlns:a16="http://schemas.microsoft.com/office/drawing/2014/main" id="{49CC8F17-D4D7-A3AB-A01B-47207BD7B621}"/>
+              </a:ext>
+            </a:extLst>
+          </p:cNvPr>
+          <p:cNvSpPr>
+            <a:spLocks noGrp="1"/>
+          </p:cNvSpPr>
+          <p:nvPr>
+            <p:ph idx="1"/>
+          </p:nvPr>
+        </p:nvSpPr>
+        <p:spPr>
+          <a:xfrm>
+            <a:off x="838200" y="1825625"/>
+            <a:ext cx="4376057" cy="4760232"/>
+          </a:xfrm>
+        </p:spPr>
+        <p:txBody>
+          <a:bodyPr>
+            <a:normAutofit/>
+          </a:bodyPr>
+          <a:lstStyle/>
+          <a:p>
+            <a:pPr marL="0" indent="0">
+              <a:buNone/>
+            </a:pPr>
+            <a:r>
+              <a:rPr lang="zh-TW" altLang="en-US" sz="2400" b="1" dirty="0">
+                <a:latin typeface="微軟正黑體" panose="020B0604030504040204" pitchFamily="34" charset="-120"/>
+                <a:ea typeface="微軟正黑體" panose="020B0604030504040204" pitchFamily="34" charset="-120"/>
+              </a:rPr>
+              <a:t>本質：求解 </a:t>
+            </a:r>
+            <a:r>
+              <a:rPr lang="en-US" altLang="zh-TW" sz="2400" b="1" dirty="0">
+                <a:latin typeface="微軟正黑體" panose="020B0604030504040204" pitchFamily="34" charset="-120"/>
+                <a:ea typeface="微軟正黑體" panose="020B0604030504040204" pitchFamily="34" charset="-120"/>
+              </a:rPr>
+              <a:t>assignment problem</a:t>
+            </a:r>
+            <a:r>
+              <a:rPr lang="zh-TW" altLang="en-US" sz="2400" b="1" dirty="0">
+                <a:latin typeface="微軟正黑體" panose="020B0604030504040204" pitchFamily="34" charset="-120"/>
+                <a:ea typeface="微軟正黑體" panose="020B0604030504040204" pitchFamily="34" charset="-120"/>
+              </a:rPr>
+              <a:t>（匹配問題），將 </a:t>
+            </a:r>
+            <a:r>
+              <a:rPr lang="en-US" altLang="zh-TW" sz="2400" b="1" dirty="0">
+                <a:latin typeface="微軟正黑體" panose="020B0604030504040204" pitchFamily="34" charset="-120"/>
+                <a:ea typeface="微軟正黑體" panose="020B0604030504040204" pitchFamily="34" charset="-120"/>
+              </a:rPr>
+              <a:t>cost </a:t>
+            </a:r>
+            <a:r>
+              <a:rPr lang="zh-TW" altLang="en-US" sz="2400" b="1" dirty="0">
+                <a:latin typeface="微軟正黑體" panose="020B0604030504040204" pitchFamily="34" charset="-120"/>
+                <a:ea typeface="微軟正黑體" panose="020B0604030504040204" pitchFamily="34" charset="-120"/>
+              </a:rPr>
+              <a:t>最小的配對方式找出來。</a:t>
+            </a:r>
+            <a:endParaRPr lang="en-US" altLang="zh-TW" sz="2400" b="1" dirty="0">
+              <a:latin typeface="微軟正黑體" panose="020B0604030504040204" pitchFamily="34" charset="-120"/>
+              <a:ea typeface="微軟正黑體" panose="020B0604030504040204" pitchFamily="34" charset="-120"/>
+            </a:endParaRPr>
+          </a:p>
+          <a:p>
+            <a:endParaRPr lang="en-US" altLang="zh-TW" sz="2400" b="1" dirty="0">
+              <a:latin typeface="微軟正黑體" panose="020B0604030504040204" pitchFamily="34" charset="-120"/>
+              <a:ea typeface="微軟正黑體" panose="020B0604030504040204" pitchFamily="34" charset="-120"/>
+            </a:endParaRPr>
+          </a:p>
+          <a:p>
+            <a:pPr marL="0" indent="0">
+              <a:buNone/>
+            </a:pPr>
+            <a:r>
+              <a:rPr lang="zh-TW" altLang="en-US" sz="2400" dirty="0">
+                <a:latin typeface="微軟正黑體" panose="020B0604030504040204" pitchFamily="34" charset="-120"/>
+                <a:ea typeface="微軟正黑體" panose="020B0604030504040204" pitchFamily="34" charset="-120"/>
+              </a:rPr>
+              <a:t>將所有上一幀的預測點，與當前幀的偵測點建立</a:t>
+            </a:r>
+            <a:r>
+              <a:rPr lang="en-US" altLang="zh-TW" sz="2400" dirty="0">
+                <a:latin typeface="微軟正黑體" panose="020B0604030504040204" pitchFamily="34" charset="-120"/>
+                <a:ea typeface="微軟正黑體" panose="020B0604030504040204" pitchFamily="34" charset="-120"/>
+              </a:rPr>
+              <a:t>cost matrix</a:t>
+            </a:r>
+            <a:r>
+              <a:rPr lang="zh-TW" altLang="en-US" sz="2400" dirty="0">
+                <a:latin typeface="微軟正黑體" panose="020B0604030504040204" pitchFamily="34" charset="-120"/>
+                <a:ea typeface="微軟正黑體" panose="020B0604030504040204" pitchFamily="34" charset="-120"/>
+              </a:rPr>
+              <a:t>，用匈牙利算法找出</a:t>
+            </a:r>
+            <a:r>
+              <a:rPr lang="zh-TW" altLang="en-US" sz="2400" b="1" dirty="0">
+                <a:latin typeface="微軟正黑體" panose="020B0604030504040204" pitchFamily="34" charset="-120"/>
+                <a:ea typeface="微軟正黑體" panose="020B0604030504040204" pitchFamily="34" charset="-120"/>
+              </a:rPr>
+              <a:t>最小總成本配對。</a:t>
+            </a:r>
+            <a:endParaRPr lang="en-US" altLang="zh-TW" sz="2400" b="1" dirty="0">
+              <a:latin typeface="微軟正黑體" panose="020B0604030504040204" pitchFamily="34" charset="-120"/>
+              <a:ea typeface="微軟正黑體" panose="020B0604030504040204" pitchFamily="34" charset="-120"/>
+            </a:endParaRPr>
+          </a:p>
+        </p:txBody>
+      </p:sp>
+      <p:sp>
+        <p:nvSpPr>
+          <p:cNvPr id="4" name="投影片編號版面配置區 3">
+            <a:extLst>
+              <a:ext uri="{FF2B5EF4-FFF2-40B4-BE49-F238E27FC236}">
+                <a16:creationId xmlns:a16="http://schemas.microsoft.com/office/drawing/2014/main" id="{BBB4725B-9AA5-0F9B-D16B-FBFA6FA5D4EA}"/>
+              </a:ext>
+            </a:extLst>
+          </p:cNvPr>
+          <p:cNvSpPr>
+            <a:spLocks noGrp="1"/>
+          </p:cNvSpPr>
+          <p:nvPr>
+            <p:ph type="sldNum" sz="quarter" idx="12"/>
+          </p:nvPr>
+        </p:nvSpPr>
+        <p:spPr/>
+        <p:txBody>
+          <a:bodyPr/>
+          <a:lstStyle/>
+          <a:p>
+            <a:fld id="{8E39447E-DB70-4483-8A6C-6AFEA1EAB15C}" type="slidenum">
+              <a:rPr lang="zh-TW" altLang="en-US" smtClean="0"/>
+              <a:pPr/>
+              <a:t>11</a:t>
+            </a:fld>
+            <a:endParaRPr lang="zh-TW" altLang="en-US" dirty="0"/>
+          </a:p>
+        </p:txBody>
+      </p:sp>
+      <p:pic>
+        <p:nvPicPr>
+          <p:cNvPr id="9" name="圖片 8">
+            <a:extLst>
+              <a:ext uri="{FF2B5EF4-FFF2-40B4-BE49-F238E27FC236}">
+                <a16:creationId xmlns:a16="http://schemas.microsoft.com/office/drawing/2014/main" id="{87191130-DA81-73E7-5A99-F512CACC7D6B}"/>
+              </a:ext>
+            </a:extLst>
+          </p:cNvPr>
+          <p:cNvPicPr>
+            <a:picLocks noChangeAspect="1"/>
+          </p:cNvPicPr>
+          <p:nvPr/>
+        </p:nvPicPr>
+        <p:blipFill>
+          <a:blip r:embed="rId2">
+            <a:extLst>
+              <a:ext uri="{28A0092B-C50C-407E-A947-70E740481C1C}">
+                <a14:useLocalDpi xmlns:a14="http://schemas.microsoft.com/office/drawing/2010/main" val="0"/>
+              </a:ext>
+            </a:extLst>
+          </a:blip>
+          <a:srcRect/>
+          <a:stretch/>
+        </p:blipFill>
+        <p:spPr>
+          <a:xfrm>
+            <a:off x="5249615" y="2176738"/>
+            <a:ext cx="6721970" cy="3070176"/>
+          </a:xfrm>
+          <a:prstGeom prst="rect">
+            <a:avLst/>
+          </a:prstGeom>
+        </p:spPr>
+      </p:pic>
+    </p:spTree>
+    <p:extLst>
+      <p:ext uri="{BB962C8B-B14F-4D97-AF65-F5344CB8AC3E}">
+        <p14:creationId xmlns:p14="http://schemas.microsoft.com/office/powerpoint/2010/main" val="2962095838"/>
+      </p:ext>
+    </p:extLst>
+  </p:cSld>
+  <p:clrMapOvr>
+    <a:masterClrMapping/>
+  </p:clrMapOvr>
+</p:sld>
+</file>
+
+<file path=ppt/slides/slide12.xml><?xml version="1.0" encoding="utf-8"?>
+<p:sld xmlns:a="http://schemas.openxmlformats.org/drawingml/2006/main" xmlns:r="http://schemas.openxmlformats.org/officeDocument/2006/relationships" xmlns:p="http://schemas.openxmlformats.org/presentationml/2006/main">
+  <p:cSld>
+    <p:spTree>
+      <p:nvGrpSpPr>
+        <p:cNvPr id="1" name=""/>
+        <p:cNvGrpSpPr/>
+        <p:nvPr/>
+      </p:nvGrpSpPr>
+      <p:grpSpPr>
+        <a:xfrm>
+          <a:off x="0" y="0"/>
+          <a:ext cx="0" cy="0"/>
+          <a:chOff x="0" y="0"/>
+          <a:chExt cx="0" cy="0"/>
+        </a:xfrm>
+      </p:grpSpPr>
+      <p:sp>
+        <p:nvSpPr>
+          <p:cNvPr id="2" name="標題 1">
+            <a:extLst>
+              <a:ext uri="{FF2B5EF4-FFF2-40B4-BE49-F238E27FC236}">
+                <a16:creationId xmlns:a16="http://schemas.microsoft.com/office/drawing/2014/main" id="{7CF262D2-08E1-37D8-8C67-896A278133C1}"/>
+              </a:ext>
+            </a:extLst>
+          </p:cNvPr>
+          <p:cNvSpPr>
+            <a:spLocks noGrp="1"/>
+          </p:cNvSpPr>
+          <p:nvPr>
+            <p:ph type="title"/>
+          </p:nvPr>
+        </p:nvSpPr>
+        <p:spPr/>
+        <p:txBody>
+          <a:bodyPr/>
+          <a:lstStyle/>
+          <a:p>
+            <a:r>
+              <a:rPr lang="en-US" altLang="zh-TW" dirty="0">
+                <a:latin typeface="微軟正黑體" panose="020B0604030504040204" pitchFamily="34" charset="-120"/>
+                <a:ea typeface="微軟正黑體" panose="020B0604030504040204" pitchFamily="34" charset="-120"/>
+              </a:rPr>
+              <a:t>Cost Matrix</a:t>
+            </a:r>
+            <a:r>
+              <a:rPr lang="zh-TW" altLang="en-US" dirty="0">
+                <a:latin typeface="微軟正黑體" panose="020B0604030504040204" pitchFamily="34" charset="-120"/>
+                <a:ea typeface="微軟正黑體" panose="020B0604030504040204" pitchFamily="34" charset="-120"/>
+              </a:rPr>
+              <a:t>建立方法</a:t>
+            </a:r>
+          </a:p>
+        </p:txBody>
+      </p:sp>
+      <mc:AlternateContent xmlns:mc="http://schemas.openxmlformats.org/markup-compatibility/2006" xmlns:a14="http://schemas.microsoft.com/office/drawing/2010/main">
+        <mc:Choice Requires="a14">
           <p:sp>
             <p:nvSpPr>
               <p:cNvPr id="3" name="內容版面配置區 2">
@@ -4763,7 +4867,7 @@
             </p:txBody>
           </p:sp>
         </mc:Choice>
-        <mc:Fallback>
+        <mc:Fallback xmlns="">
           <p:sp>
             <p:nvSpPr>
               <p:cNvPr id="3" name="內容版面配置區 2">
@@ -4831,7 +4935,7 @@
             <a:fld id="{8E39447E-DB70-4483-8A6C-6AFEA1EAB15C}" type="slidenum">
               <a:rPr lang="zh-TW" altLang="en-US" smtClean="0"/>
               <a:pPr/>
-              <a:t>11</a:t>
+              <a:t>12</a:t>
             </a:fld>
             <a:endParaRPr lang="zh-TW" altLang="en-US" dirty="0"/>
           </a:p>
@@ -4885,7 +4989,7 @@
 </p:sld>
 </file>
 
-<file path=ppt/slides/slide12.xml><?xml version="1.0" encoding="utf-8"?>
+<file path=ppt/slides/slide13.xml><?xml version="1.0" encoding="utf-8"?>
 <p:sld xmlns:a="http://schemas.openxmlformats.org/drawingml/2006/main" xmlns:r="http://schemas.openxmlformats.org/officeDocument/2006/relationships" xmlns:p="http://schemas.openxmlformats.org/presentationml/2006/main">
   <p:cSld>
     <p:spTree>
@@ -4958,8 +5062,8 @@
           </a:p>
         </p:txBody>
       </p:sp>
-      <mc:AlternateContent xmlns:mc="http://schemas.openxmlformats.org/markup-compatibility/2006">
-        <mc:Choice xmlns:a14="http://schemas.microsoft.com/office/drawing/2010/main" Requires="a14">
+      <mc:AlternateContent xmlns:mc="http://schemas.openxmlformats.org/markup-compatibility/2006" xmlns:a14="http://schemas.microsoft.com/office/drawing/2010/main">
+        <mc:Choice Requires="a14">
           <p:sp>
             <p:nvSpPr>
               <p:cNvPr id="3" name="內容版面配置區 2">
@@ -5490,7 +5594,7 @@
             </p:txBody>
           </p:sp>
         </mc:Choice>
-        <mc:Fallback>
+        <mc:Fallback xmlns="">
           <p:sp>
             <p:nvSpPr>
               <p:cNvPr id="3" name="內容版面配置區 2">
@@ -5593,7 +5697,7 @@
 </p:sld>
 </file>
 
-<file path=ppt/slides/slide13.xml><?xml version="1.0" encoding="utf-8"?>
+<file path=ppt/slides/slide14.xml><?xml version="1.0" encoding="utf-8"?>
 <p:sld xmlns:a="http://schemas.openxmlformats.org/drawingml/2006/main" xmlns:r="http://schemas.openxmlformats.org/officeDocument/2006/relationships" xmlns:p="http://schemas.openxmlformats.org/presentationml/2006/main">
   <p:cSld>
     <p:spTree>
@@ -6323,7 +6427,7 @@
 </p:sld>
 </file>
 
-<file path=ppt/slides/slide14.xml><?xml version="1.0" encoding="utf-8"?>
+<file path=ppt/slides/slide15.xml><?xml version="1.0" encoding="utf-8"?>
 <p:sld xmlns:a="http://schemas.openxmlformats.org/drawingml/2006/main" xmlns:r="http://schemas.openxmlformats.org/officeDocument/2006/relationships" xmlns:p="http://schemas.openxmlformats.org/presentationml/2006/main">
   <p:cSld>
     <p:spTree>
@@ -7013,7 +7117,7 @@
 </p:sld>
 </file>
 
-<file path=ppt/slides/slide15.xml><?xml version="1.0" encoding="utf-8"?>
+<file path=ppt/slides/slide16.xml><?xml version="1.0" encoding="utf-8"?>
 <p:sld xmlns:a="http://schemas.openxmlformats.org/drawingml/2006/main" xmlns:r="http://schemas.openxmlformats.org/officeDocument/2006/relationships" xmlns:p="http://schemas.openxmlformats.org/presentationml/2006/main">
   <p:cSld>
     <p:spTree>
@@ -7086,8 +7190,8 @@
           </a:p>
         </p:txBody>
       </p:sp>
-      <mc:AlternateContent xmlns:mc="http://schemas.openxmlformats.org/markup-compatibility/2006">
-        <mc:Choice xmlns:a14="http://schemas.microsoft.com/office/drawing/2010/main" Requires="a14">
+      <mc:AlternateContent xmlns:mc="http://schemas.openxmlformats.org/markup-compatibility/2006" xmlns:a14="http://schemas.microsoft.com/office/drawing/2010/main">
+        <mc:Choice Requires="a14">
           <p:sp>
             <p:nvSpPr>
               <p:cNvPr id="3" name="內容版面配置區 2">
@@ -7668,7 +7772,7 @@
             </p:txBody>
           </p:sp>
         </mc:Choice>
-        <mc:Fallback>
+        <mc:Fallback xmlns="">
           <p:sp>
             <p:nvSpPr>
               <p:cNvPr id="3" name="內容版面配置區 2">
@@ -7857,7 +7961,7 @@
 </p:sld>
 </file>
 
-<file path=ppt/slides/slide16.xml><?xml version="1.0" encoding="utf-8"?>
+<file path=ppt/slides/slide17.xml><?xml version="1.0" encoding="utf-8"?>
 <p:sld xmlns:a="http://schemas.openxmlformats.org/drawingml/2006/main" xmlns:r="http://schemas.openxmlformats.org/officeDocument/2006/relationships" xmlns:p="http://schemas.openxmlformats.org/presentationml/2006/main">
   <p:cSld>
     <p:spTree>
@@ -7930,8 +8034,8 @@
           </a:p>
         </p:txBody>
       </p:sp>
-      <mc:AlternateContent xmlns:mc="http://schemas.openxmlformats.org/markup-compatibility/2006">
-        <mc:Choice xmlns:a14="http://schemas.microsoft.com/office/drawing/2010/main" Requires="a14">
+      <mc:AlternateContent xmlns:mc="http://schemas.openxmlformats.org/markup-compatibility/2006" xmlns:a14="http://schemas.microsoft.com/office/drawing/2010/main">
+        <mc:Choice Requires="a14">
           <p:sp>
             <p:nvSpPr>
               <p:cNvPr id="3" name="內容版面配置區 2">
@@ -8361,7 +8465,7 @@
             </p:txBody>
           </p:sp>
         </mc:Choice>
-        <mc:Fallback>
+        <mc:Fallback xmlns="">
           <p:sp>
             <p:nvSpPr>
               <p:cNvPr id="3" name="內容版面配置區 2">
@@ -8853,7 +8957,7 @@
 </p:sld>
 </file>
 
-<file path=ppt/slides/slide17.xml><?xml version="1.0" encoding="utf-8"?>
+<file path=ppt/slides/slide18.xml><?xml version="1.0" encoding="utf-8"?>
 <p:sld xmlns:a="http://schemas.openxmlformats.org/drawingml/2006/main" xmlns:r="http://schemas.openxmlformats.org/officeDocument/2006/relationships" xmlns:p="http://schemas.openxmlformats.org/presentationml/2006/main">
   <p:cSld>
     <p:spTree>
@@ -9044,7 +9148,7 @@
             <a:fld id="{8E39447E-DB70-4483-8A6C-6AFEA1EAB15C}" type="slidenum">
               <a:rPr lang="zh-TW" altLang="en-US" smtClean="0"/>
               <a:pPr/>
-              <a:t>17</a:t>
+              <a:t>18</a:t>
             </a:fld>
             <a:endParaRPr lang="zh-TW" altLang="en-US" dirty="0"/>
           </a:p>
@@ -9099,7 +9203,7 @@
 </p:sld>
 </file>
 
-<file path=ppt/slides/slide18.xml><?xml version="1.0" encoding="utf-8"?>
+<file path=ppt/slides/slide19.xml><?xml version="1.0" encoding="utf-8"?>
 <p:sld xmlns:a="http://schemas.openxmlformats.org/drawingml/2006/main" xmlns:r="http://schemas.openxmlformats.org/officeDocument/2006/relationships" xmlns:p="http://schemas.openxmlformats.org/presentationml/2006/main">
   <p:cSld>
     <p:spTree>
@@ -9536,7 +9640,7 @@
             <a:fld id="{8E39447E-DB70-4483-8A6C-6AFEA1EAB15C}" type="slidenum">
               <a:rPr lang="zh-TW" altLang="en-US" smtClean="0"/>
               <a:pPr/>
-              <a:t>18</a:t>
+              <a:t>19</a:t>
             </a:fld>
             <a:endParaRPr lang="zh-TW" altLang="en-US" dirty="0"/>
           </a:p>
@@ -9753,480 +9857,6 @@
 </p:sld>
 </file>
 
-<file path=ppt/slides/slide19.xml><?xml version="1.0" encoding="utf-8"?>
-<p:sld xmlns:a="http://schemas.openxmlformats.org/drawingml/2006/main" xmlns:r="http://schemas.openxmlformats.org/officeDocument/2006/relationships" xmlns:p="http://schemas.openxmlformats.org/presentationml/2006/main">
-  <p:cSld>
-    <p:spTree>
-      <p:nvGrpSpPr>
-        <p:cNvPr id="1" name=""/>
-        <p:cNvGrpSpPr/>
-        <p:nvPr/>
-      </p:nvGrpSpPr>
-      <p:grpSpPr>
-        <a:xfrm>
-          <a:off x="0" y="0"/>
-          <a:ext cx="0" cy="0"/>
-          <a:chOff x="0" y="0"/>
-          <a:chExt cx="0" cy="0"/>
-        </a:xfrm>
-      </p:grpSpPr>
-      <p:sp>
-        <p:nvSpPr>
-          <p:cNvPr id="2" name="標題 1">
-            <a:extLst>
-              <a:ext uri="{FF2B5EF4-FFF2-40B4-BE49-F238E27FC236}">
-                <a16:creationId xmlns:a16="http://schemas.microsoft.com/office/drawing/2014/main" id="{3951FAAB-20ED-D360-14DC-765104CC6FC0}"/>
-              </a:ext>
-            </a:extLst>
-          </p:cNvPr>
-          <p:cNvSpPr>
-            <a:spLocks noGrp="1"/>
-          </p:cNvSpPr>
-          <p:nvPr>
-            <p:ph type="title"/>
-          </p:nvPr>
-        </p:nvSpPr>
-        <p:spPr/>
-        <p:txBody>
-          <a:bodyPr/>
-          <a:lstStyle/>
-          <a:p>
-            <a:r>
-              <a:rPr lang="zh-TW" altLang="en-US" dirty="0">
-                <a:latin typeface="微軟正黑體" panose="020B0604030504040204" pitchFamily="34" charset="-120"/>
-                <a:ea typeface="微軟正黑體" panose="020B0604030504040204" pitchFamily="34" charset="-120"/>
-              </a:rPr>
-              <a:t>出現新目標</a:t>
-            </a:r>
-            <a:r>
-              <a:rPr lang="en-US" altLang="zh-TW" dirty="0">
-                <a:latin typeface="微軟正黑體" panose="020B0604030504040204" pitchFamily="34" charset="-120"/>
-                <a:ea typeface="微軟正黑體" panose="020B0604030504040204" pitchFamily="34" charset="-120"/>
-              </a:rPr>
-              <a:t>-</a:t>
-            </a:r>
-            <a:r>
-              <a:rPr lang="zh-TW" altLang="en-US" dirty="0">
-                <a:latin typeface="微軟正黑體" panose="020B0604030504040204" pitchFamily="34" charset="-120"/>
-                <a:ea typeface="微軟正黑體" panose="020B0604030504040204" pitchFamily="34" charset="-120"/>
-              </a:rPr>
-              <a:t>處理方法</a:t>
-            </a:r>
-          </a:p>
-        </p:txBody>
-      </p:sp>
-      <p:sp>
-        <p:nvSpPr>
-          <p:cNvPr id="3" name="內容版面配置區 2">
-            <a:extLst>
-              <a:ext uri="{FF2B5EF4-FFF2-40B4-BE49-F238E27FC236}">
-                <a16:creationId xmlns:a16="http://schemas.microsoft.com/office/drawing/2014/main" id="{CB0DC365-36B3-DF71-5D1E-C8D3F784235C}"/>
-              </a:ext>
-            </a:extLst>
-          </p:cNvPr>
-          <p:cNvSpPr>
-            <a:spLocks noGrp="1"/>
-          </p:cNvSpPr>
-          <p:nvPr>
-            <p:ph idx="1"/>
-          </p:nvPr>
-        </p:nvSpPr>
-        <p:spPr>
-          <a:xfrm>
-            <a:off x="838200" y="1825625"/>
-            <a:ext cx="9276441" cy="4351338"/>
-          </a:xfrm>
-        </p:spPr>
-        <p:txBody>
-          <a:bodyPr>
-            <a:normAutofit/>
-          </a:bodyPr>
-          <a:lstStyle/>
-          <a:p>
-            <a:pPr marL="514350" indent="-514350">
-              <a:buFont typeface="+mj-lt"/>
-              <a:buAutoNum type="arabicPeriod" startAt="2"/>
-            </a:pPr>
-            <a:r>
-              <a:rPr lang="zh-TW" altLang="en-US" b="1" dirty="0">
-                <a:latin typeface="微軟正黑體" panose="020B0604030504040204" pitchFamily="34" charset="-120"/>
-                <a:ea typeface="微軟正黑體" panose="020B0604030504040204" pitchFamily="34" charset="-120"/>
-              </a:rPr>
-              <a:t>出現新目標</a:t>
-            </a:r>
-            <a:r>
-              <a:rPr lang="en-US" altLang="zh-TW" dirty="0">
-                <a:latin typeface="微軟正黑體" panose="020B0604030504040204" pitchFamily="34" charset="-120"/>
-                <a:ea typeface="微軟正黑體" panose="020B0604030504040204" pitchFamily="34" charset="-120"/>
-              </a:rPr>
-              <a:t>(</a:t>
-            </a:r>
-            <a:r>
-              <a:rPr lang="zh-TW" altLang="en-US" dirty="0">
-                <a:latin typeface="微軟正黑體" panose="020B0604030504040204" pitchFamily="34" charset="-120"/>
-                <a:ea typeface="微軟正黑體" panose="020B0604030504040204" pitchFamily="34" charset="-120"/>
-              </a:rPr>
-              <a:t>比如</a:t>
-            </a:r>
-            <a:r>
-              <a:rPr lang="en-US" altLang="zh-TW" dirty="0">
-                <a:latin typeface="微軟正黑體" panose="020B0604030504040204" pitchFamily="34" charset="-120"/>
-                <a:ea typeface="微軟正黑體" panose="020B0604030504040204" pitchFamily="34" charset="-120"/>
-              </a:rPr>
-              <a:t>Tracker</a:t>
-            </a:r>
-            <a:r>
-              <a:rPr lang="zh-TW" altLang="en-US" dirty="0">
-                <a:latin typeface="微軟正黑體" panose="020B0604030504040204" pitchFamily="34" charset="-120"/>
-                <a:ea typeface="微軟正黑體" panose="020B0604030504040204" pitchFamily="34" charset="-120"/>
-              </a:rPr>
-              <a:t>只有</a:t>
-            </a:r>
-            <a:r>
-              <a:rPr lang="en-US" altLang="zh-TW" dirty="0">
-                <a:latin typeface="微軟正黑體" panose="020B0604030504040204" pitchFamily="34" charset="-120"/>
-                <a:ea typeface="微軟正黑體" panose="020B0604030504040204" pitchFamily="34" charset="-120"/>
-              </a:rPr>
-              <a:t>3</a:t>
-            </a:r>
-            <a:r>
-              <a:rPr lang="zh-TW" altLang="en-US" dirty="0">
-                <a:latin typeface="微軟正黑體" panose="020B0604030504040204" pitchFamily="34" charset="-120"/>
-                <a:ea typeface="微軟正黑體" panose="020B0604030504040204" pitchFamily="34" charset="-120"/>
-              </a:rPr>
-              <a:t>個，但</a:t>
-            </a:r>
-            <a:r>
-              <a:rPr lang="en-US" altLang="zh-TW" dirty="0">
-                <a:latin typeface="微軟正黑體" panose="020B0604030504040204" pitchFamily="34" charset="-120"/>
-                <a:ea typeface="微軟正黑體" panose="020B0604030504040204" pitchFamily="34" charset="-120"/>
-              </a:rPr>
-              <a:t>Detector</a:t>
-            </a:r>
-            <a:r>
-              <a:rPr lang="zh-TW" altLang="en-US" dirty="0">
-                <a:latin typeface="微軟正黑體" panose="020B0604030504040204" pitchFamily="34" charset="-120"/>
-                <a:ea typeface="微軟正黑體" panose="020B0604030504040204" pitchFamily="34" charset="-120"/>
-              </a:rPr>
-              <a:t>有</a:t>
-            </a:r>
-            <a:r>
-              <a:rPr lang="en-US" altLang="zh-TW" dirty="0">
-                <a:latin typeface="微軟正黑體" panose="020B0604030504040204" pitchFamily="34" charset="-120"/>
-                <a:ea typeface="微軟正黑體" panose="020B0604030504040204" pitchFamily="34" charset="-120"/>
-              </a:rPr>
-              <a:t>4</a:t>
-            </a:r>
-            <a:r>
-              <a:rPr lang="zh-TW" altLang="en-US" dirty="0">
-                <a:latin typeface="微軟正黑體" panose="020B0604030504040204" pitchFamily="34" charset="-120"/>
-                <a:ea typeface="微軟正黑體" panose="020B0604030504040204" pitchFamily="34" charset="-120"/>
-              </a:rPr>
-              <a:t>個</a:t>
-            </a:r>
-            <a:r>
-              <a:rPr lang="en-US" altLang="zh-TW" dirty="0">
-                <a:latin typeface="微軟正黑體" panose="020B0604030504040204" pitchFamily="34" charset="-120"/>
-                <a:ea typeface="微軟正黑體" panose="020B0604030504040204" pitchFamily="34" charset="-120"/>
-              </a:rPr>
-              <a:t>)</a:t>
-            </a:r>
-          </a:p>
-          <a:p>
-            <a:pPr marL="0" indent="0">
-              <a:buNone/>
-            </a:pPr>
-            <a:endParaRPr lang="en-US" altLang="zh-TW" sz="2400" dirty="0">
-              <a:latin typeface="微軟正黑體" panose="020B0604030504040204" pitchFamily="34" charset="-120"/>
-              <a:ea typeface="微軟正黑體" panose="020B0604030504040204" pitchFamily="34" charset="-120"/>
-            </a:endParaRPr>
-          </a:p>
-          <a:p>
-            <a:r>
-              <a:rPr lang="zh-TW" altLang="en-US" sz="2400" dirty="0">
-                <a:latin typeface="微軟正黑體" panose="020B0604030504040204" pitchFamily="34" charset="-120"/>
-                <a:ea typeface="微軟正黑體" panose="020B0604030504040204" pitchFamily="34" charset="-120"/>
-              </a:rPr>
-              <a:t>為了使用匈牙利算法，</a:t>
-            </a:r>
-            <a:r>
-              <a:rPr lang="en-US" altLang="zh-TW" sz="2400" dirty="0">
-                <a:latin typeface="微軟正黑體" panose="020B0604030504040204" pitchFamily="34" charset="-120"/>
-                <a:ea typeface="微軟正黑體" panose="020B0604030504040204" pitchFamily="34" charset="-120"/>
-              </a:rPr>
-              <a:t>Cost Matrix</a:t>
-            </a:r>
-            <a:r>
-              <a:rPr lang="zh-TW" altLang="en-US" sz="2400" dirty="0">
-                <a:latin typeface="微軟正黑體" panose="020B0604030504040204" pitchFamily="34" charset="-120"/>
-                <a:ea typeface="微軟正黑體" panose="020B0604030504040204" pitchFamily="34" charset="-120"/>
-              </a:rPr>
-              <a:t> 會</a:t>
-            </a:r>
-            <a:endParaRPr lang="en-US" altLang="zh-TW" sz="2400" dirty="0">
-              <a:latin typeface="微軟正黑體" panose="020B0604030504040204" pitchFamily="34" charset="-120"/>
-              <a:ea typeface="微軟正黑體" panose="020B0604030504040204" pitchFamily="34" charset="-120"/>
-            </a:endParaRPr>
-          </a:p>
-          <a:p>
-            <a:pPr marL="0" indent="0">
-              <a:buNone/>
-            </a:pPr>
-            <a:r>
-              <a:rPr lang="zh-TW" altLang="en-US" sz="2400" dirty="0">
-                <a:latin typeface="微軟正黑體" panose="020B0604030504040204" pitchFamily="34" charset="-120"/>
-                <a:ea typeface="微軟正黑體" panose="020B0604030504040204" pitchFamily="34" charset="-120"/>
-              </a:rPr>
-              <a:t>補上</a:t>
-            </a:r>
-            <a:r>
-              <a:rPr lang="en-US" altLang="zh-TW" sz="2400" dirty="0">
-                <a:latin typeface="微軟正黑體" panose="020B0604030504040204" pitchFamily="34" charset="-120"/>
-                <a:ea typeface="微軟正黑體" panose="020B0604030504040204" pitchFamily="34" charset="-120"/>
-              </a:rPr>
-              <a:t>Dummy row</a:t>
-            </a:r>
-          </a:p>
-          <a:p>
-            <a:pPr marL="0" indent="0">
-              <a:buNone/>
-            </a:pPr>
-            <a:endParaRPr lang="en-US" altLang="zh-TW" sz="2400" dirty="0">
-              <a:latin typeface="微軟正黑體" panose="020B0604030504040204" pitchFamily="34" charset="-120"/>
-              <a:ea typeface="微軟正黑體" panose="020B0604030504040204" pitchFamily="34" charset="-120"/>
-            </a:endParaRPr>
-          </a:p>
-          <a:p>
-            <a:pPr marL="0" indent="0">
-              <a:buNone/>
-            </a:pPr>
-            <a:r>
-              <a:rPr lang="zh-TW" altLang="en-US" sz="2400" dirty="0">
-                <a:latin typeface="微軟正黑體" panose="020B0604030504040204" pitchFamily="34" charset="-120"/>
-                <a:ea typeface="微軟正黑體" panose="020B0604030504040204" pitchFamily="34" charset="-120"/>
-              </a:rPr>
-              <a:t>新 </a:t>
-            </a:r>
-            <a:r>
-              <a:rPr lang="en-US" altLang="zh-TW" sz="2400" dirty="0">
-                <a:latin typeface="微軟正黑體" panose="020B0604030504040204" pitchFamily="34" charset="-120"/>
-                <a:ea typeface="微軟正黑體" panose="020B0604030504040204" pitchFamily="34" charset="-120"/>
-              </a:rPr>
-              <a:t>Detection </a:t>
-            </a:r>
-            <a:r>
-              <a:rPr lang="zh-TW" altLang="en-US" sz="2400" dirty="0">
-                <a:latin typeface="微軟正黑體" panose="020B0604030504040204" pitchFamily="34" charset="-120"/>
-                <a:ea typeface="微軟正黑體" panose="020B0604030504040204" pitchFamily="34" charset="-120"/>
-              </a:rPr>
-              <a:t>無法配對</a:t>
-            </a:r>
-            <a:endParaRPr lang="en-US" altLang="zh-TW" sz="2400" dirty="0">
-              <a:latin typeface="微軟正黑體" panose="020B0604030504040204" pitchFamily="34" charset="-120"/>
-              <a:ea typeface="微軟正黑體" panose="020B0604030504040204" pitchFamily="34" charset="-120"/>
-            </a:endParaRPr>
-          </a:p>
-          <a:p>
-            <a:pPr marL="0" indent="0">
-              <a:buNone/>
-            </a:pPr>
-            <a:r>
-              <a:rPr lang="zh-TW" altLang="en-US" sz="2400" dirty="0">
-                <a:latin typeface="微軟正黑體" panose="020B0604030504040204" pitchFamily="34" charset="-120"/>
-                <a:ea typeface="微軟正黑體" panose="020B0604030504040204" pitchFamily="34" charset="-120"/>
-              </a:rPr>
-              <a:t> → 新增 </a:t>
-            </a:r>
-            <a:r>
-              <a:rPr lang="en-US" altLang="zh-TW" sz="2400" dirty="0">
-                <a:latin typeface="微軟正黑體" panose="020B0604030504040204" pitchFamily="34" charset="-120"/>
-                <a:ea typeface="微軟正黑體" panose="020B0604030504040204" pitchFamily="34" charset="-120"/>
-              </a:rPr>
-              <a:t>Tracker</a:t>
-            </a:r>
-            <a:r>
-              <a:rPr lang="zh-TW" altLang="en-US" sz="2400" dirty="0">
-                <a:latin typeface="微軟正黑體" panose="020B0604030504040204" pitchFamily="34" charset="-120"/>
-                <a:ea typeface="微軟正黑體" panose="020B0604030504040204" pitchFamily="34" charset="-120"/>
-              </a:rPr>
-              <a:t>：</a:t>
-            </a:r>
-          </a:p>
-          <a:p>
-            <a:r>
-              <a:rPr lang="zh-TW" altLang="en-US" sz="2400" dirty="0">
-                <a:latin typeface="微軟正黑體" panose="020B0604030504040204" pitchFamily="34" charset="-120"/>
-                <a:ea typeface="微軟正黑體" panose="020B0604030504040204" pitchFamily="34" charset="-120"/>
-              </a:rPr>
-              <a:t>初始化 </a:t>
-            </a:r>
-            <a:r>
-              <a:rPr lang="en-US" altLang="zh-TW" sz="2400" dirty="0">
-                <a:latin typeface="微軟正黑體" panose="020B0604030504040204" pitchFamily="34" charset="-120"/>
-                <a:ea typeface="微軟正黑體" panose="020B0604030504040204" pitchFamily="34" charset="-120"/>
-              </a:rPr>
-              <a:t>Kalman Filter</a:t>
-            </a:r>
-          </a:p>
-          <a:p>
-            <a:r>
-              <a:rPr lang="zh-TW" altLang="en-US" sz="2400" dirty="0">
-                <a:latin typeface="微軟正黑體" panose="020B0604030504040204" pitchFamily="34" charset="-120"/>
-                <a:ea typeface="微軟正黑體" panose="020B0604030504040204" pitchFamily="34" charset="-120"/>
-              </a:rPr>
-              <a:t>設定唯一 </a:t>
-            </a:r>
-            <a:r>
-              <a:rPr lang="en-US" altLang="zh-TW" sz="2400" dirty="0">
-                <a:latin typeface="微軟正黑體" panose="020B0604030504040204" pitchFamily="34" charset="-120"/>
-                <a:ea typeface="微軟正黑體" panose="020B0604030504040204" pitchFamily="34" charset="-120"/>
-              </a:rPr>
-              <a:t>ID</a:t>
-            </a:r>
-            <a:r>
-              <a:rPr lang="zh-TW" altLang="en-US" sz="2400" dirty="0">
-                <a:latin typeface="微軟正黑體" panose="020B0604030504040204" pitchFamily="34" charset="-120"/>
-                <a:ea typeface="微軟正黑體" panose="020B0604030504040204" pitchFamily="34" charset="-120"/>
-              </a:rPr>
-              <a:t>、初始位置</a:t>
-            </a:r>
-            <a:endParaRPr lang="en-US" altLang="zh-TW" sz="2400" dirty="0">
-              <a:latin typeface="微軟正黑體" panose="020B0604030504040204" pitchFamily="34" charset="-120"/>
-              <a:ea typeface="微軟正黑體" panose="020B0604030504040204" pitchFamily="34" charset="-120"/>
-            </a:endParaRPr>
-          </a:p>
-          <a:p>
-            <a:pPr marL="0" indent="0">
-              <a:buNone/>
-            </a:pPr>
-            <a:endParaRPr lang="en-US" altLang="zh-TW" dirty="0">
-              <a:latin typeface="微軟正黑體" panose="020B0604030504040204" pitchFamily="34" charset="-120"/>
-              <a:ea typeface="微軟正黑體" panose="020B0604030504040204" pitchFamily="34" charset="-120"/>
-            </a:endParaRPr>
-          </a:p>
-          <a:p>
-            <a:pPr lvl="1"/>
-            <a:endParaRPr lang="en-US" altLang="zh-TW" dirty="0">
-              <a:latin typeface="微軟正黑體" panose="020B0604030504040204" pitchFamily="34" charset="-120"/>
-              <a:ea typeface="微軟正黑體" panose="020B0604030504040204" pitchFamily="34" charset="-120"/>
-            </a:endParaRPr>
-          </a:p>
-        </p:txBody>
-      </p:sp>
-      <p:sp>
-        <p:nvSpPr>
-          <p:cNvPr id="4" name="投影片編號版面配置區 3">
-            <a:extLst>
-              <a:ext uri="{FF2B5EF4-FFF2-40B4-BE49-F238E27FC236}">
-                <a16:creationId xmlns:a16="http://schemas.microsoft.com/office/drawing/2014/main" id="{3D45B9EA-921A-782D-82BA-9B665EC41736}"/>
-              </a:ext>
-            </a:extLst>
-          </p:cNvPr>
-          <p:cNvSpPr>
-            <a:spLocks noGrp="1"/>
-          </p:cNvSpPr>
-          <p:nvPr>
-            <p:ph type="sldNum" sz="quarter" idx="12"/>
-          </p:nvPr>
-        </p:nvSpPr>
-        <p:spPr/>
-        <p:txBody>
-          <a:bodyPr/>
-          <a:lstStyle/>
-          <a:p>
-            <a:fld id="{8E39447E-DB70-4483-8A6C-6AFEA1EAB15C}" type="slidenum">
-              <a:rPr lang="zh-TW" altLang="en-US" smtClean="0"/>
-              <a:pPr/>
-              <a:t>19</a:t>
-            </a:fld>
-            <a:endParaRPr lang="zh-TW" altLang="en-US" dirty="0"/>
-          </a:p>
-        </p:txBody>
-      </p:sp>
-      <p:pic>
-        <p:nvPicPr>
-          <p:cNvPr id="10" name="圖片 9">
-            <a:extLst>
-              <a:ext uri="{FF2B5EF4-FFF2-40B4-BE49-F238E27FC236}">
-                <a16:creationId xmlns:a16="http://schemas.microsoft.com/office/drawing/2014/main" id="{7A166761-6E1D-6201-CFD9-BCB77ED35A25}"/>
-              </a:ext>
-            </a:extLst>
-          </p:cNvPr>
-          <p:cNvPicPr>
-            <a:picLocks noChangeAspect="1"/>
-          </p:cNvPicPr>
-          <p:nvPr/>
-        </p:nvPicPr>
-        <p:blipFill>
-          <a:blip r:embed="rId2">
-            <a:extLst>
-              <a:ext uri="{28A0092B-C50C-407E-A947-70E740481C1C}">
-                <a14:useLocalDpi xmlns:a14="http://schemas.microsoft.com/office/drawing/2010/main" val="0"/>
-              </a:ext>
-            </a:extLst>
-          </a:blip>
-          <a:srcRect/>
-          <a:stretch/>
-        </p:blipFill>
-        <p:spPr>
-          <a:xfrm>
-            <a:off x="6690307" y="2336850"/>
-            <a:ext cx="4865686" cy="2661230"/>
-          </a:xfrm>
-          <a:prstGeom prst="rect">
-            <a:avLst/>
-          </a:prstGeom>
-        </p:spPr>
-      </p:pic>
-      <p:pic>
-        <p:nvPicPr>
-          <p:cNvPr id="6" name="圖片 5" descr="一張含有 文字, 字型, 螢幕擷取畫面, 黑色 的圖片&#10;&#10;AI 產生的內容可能不正確。">
-            <a:extLst>
-              <a:ext uri="{FF2B5EF4-FFF2-40B4-BE49-F238E27FC236}">
-                <a16:creationId xmlns:a16="http://schemas.microsoft.com/office/drawing/2014/main" id="{334D84C6-1CDB-8553-4BAB-D55AC25B2136}"/>
-              </a:ext>
-            </a:extLst>
-          </p:cNvPr>
-          <p:cNvPicPr>
-            <a:picLocks noChangeAspect="1"/>
-          </p:cNvPicPr>
-          <p:nvPr/>
-        </p:nvPicPr>
-        <p:blipFill>
-          <a:blip r:embed="rId3">
-            <a:extLst>
-              <a:ext uri="{28A0092B-C50C-407E-A947-70E740481C1C}">
-                <a14:useLocalDpi xmlns:a14="http://schemas.microsoft.com/office/drawing/2010/main" val="0"/>
-              </a:ext>
-            </a:extLst>
-          </a:blip>
-          <a:stretch>
-            <a:fillRect/>
-          </a:stretch>
-        </p:blipFill>
-        <p:spPr>
-          <a:xfrm>
-            <a:off x="4835713" y="5326742"/>
-            <a:ext cx="5006786" cy="1212170"/>
-          </a:xfrm>
-          <a:prstGeom prst="rect">
-            <a:avLst/>
-          </a:prstGeom>
-        </p:spPr>
-      </p:pic>
-    </p:spTree>
-    <p:extLst>
-      <p:ext uri="{BB962C8B-B14F-4D97-AF65-F5344CB8AC3E}">
-        <p14:creationId xmlns:p14="http://schemas.microsoft.com/office/powerpoint/2010/main" val="2345872045"/>
-      </p:ext>
-    </p:extLst>
-  </p:cSld>
-  <p:clrMapOvr>
-    <a:masterClrMapping/>
-  </p:clrMapOvr>
-</p:sld>
-</file>
-
 <file path=ppt/slides/slide2.xml><?xml version="1.0" encoding="utf-8"?>
 <p:sld xmlns:a="http://schemas.openxmlformats.org/drawingml/2006/main" xmlns:r="http://schemas.openxmlformats.org/officeDocument/2006/relationships" xmlns:p="http://schemas.openxmlformats.org/presentationml/2006/main">
   <p:cSld>
@@ -10461,6 +10091,480 @@
           <p:cNvPr id="2" name="標題 1">
             <a:extLst>
               <a:ext uri="{FF2B5EF4-FFF2-40B4-BE49-F238E27FC236}">
+                <a16:creationId xmlns:a16="http://schemas.microsoft.com/office/drawing/2014/main" id="{3951FAAB-20ED-D360-14DC-765104CC6FC0}"/>
+              </a:ext>
+            </a:extLst>
+          </p:cNvPr>
+          <p:cNvSpPr>
+            <a:spLocks noGrp="1"/>
+          </p:cNvSpPr>
+          <p:nvPr>
+            <p:ph type="title"/>
+          </p:nvPr>
+        </p:nvSpPr>
+        <p:spPr/>
+        <p:txBody>
+          <a:bodyPr/>
+          <a:lstStyle/>
+          <a:p>
+            <a:r>
+              <a:rPr lang="zh-TW" altLang="en-US" dirty="0">
+                <a:latin typeface="微軟正黑體" panose="020B0604030504040204" pitchFamily="34" charset="-120"/>
+                <a:ea typeface="微軟正黑體" panose="020B0604030504040204" pitchFamily="34" charset="-120"/>
+              </a:rPr>
+              <a:t>出現新目標</a:t>
+            </a:r>
+            <a:r>
+              <a:rPr lang="en-US" altLang="zh-TW" dirty="0">
+                <a:latin typeface="微軟正黑體" panose="020B0604030504040204" pitchFamily="34" charset="-120"/>
+                <a:ea typeface="微軟正黑體" panose="020B0604030504040204" pitchFamily="34" charset="-120"/>
+              </a:rPr>
+              <a:t>-</a:t>
+            </a:r>
+            <a:r>
+              <a:rPr lang="zh-TW" altLang="en-US" dirty="0">
+                <a:latin typeface="微軟正黑體" panose="020B0604030504040204" pitchFamily="34" charset="-120"/>
+                <a:ea typeface="微軟正黑體" panose="020B0604030504040204" pitchFamily="34" charset="-120"/>
+              </a:rPr>
+              <a:t>處理方法</a:t>
+            </a:r>
+          </a:p>
+        </p:txBody>
+      </p:sp>
+      <p:sp>
+        <p:nvSpPr>
+          <p:cNvPr id="3" name="內容版面配置區 2">
+            <a:extLst>
+              <a:ext uri="{FF2B5EF4-FFF2-40B4-BE49-F238E27FC236}">
+                <a16:creationId xmlns:a16="http://schemas.microsoft.com/office/drawing/2014/main" id="{CB0DC365-36B3-DF71-5D1E-C8D3F784235C}"/>
+              </a:ext>
+            </a:extLst>
+          </p:cNvPr>
+          <p:cNvSpPr>
+            <a:spLocks noGrp="1"/>
+          </p:cNvSpPr>
+          <p:nvPr>
+            <p:ph idx="1"/>
+          </p:nvPr>
+        </p:nvSpPr>
+        <p:spPr>
+          <a:xfrm>
+            <a:off x="838200" y="1825625"/>
+            <a:ext cx="9276441" cy="4351338"/>
+          </a:xfrm>
+        </p:spPr>
+        <p:txBody>
+          <a:bodyPr>
+            <a:normAutofit/>
+          </a:bodyPr>
+          <a:lstStyle/>
+          <a:p>
+            <a:pPr marL="514350" indent="-514350">
+              <a:buFont typeface="+mj-lt"/>
+              <a:buAutoNum type="arabicPeriod" startAt="2"/>
+            </a:pPr>
+            <a:r>
+              <a:rPr lang="zh-TW" altLang="en-US" b="1" dirty="0">
+                <a:latin typeface="微軟正黑體" panose="020B0604030504040204" pitchFamily="34" charset="-120"/>
+                <a:ea typeface="微軟正黑體" panose="020B0604030504040204" pitchFamily="34" charset="-120"/>
+              </a:rPr>
+              <a:t>出現新目標</a:t>
+            </a:r>
+            <a:r>
+              <a:rPr lang="en-US" altLang="zh-TW" dirty="0">
+                <a:latin typeface="微軟正黑體" panose="020B0604030504040204" pitchFamily="34" charset="-120"/>
+                <a:ea typeface="微軟正黑體" panose="020B0604030504040204" pitchFamily="34" charset="-120"/>
+              </a:rPr>
+              <a:t>(</a:t>
+            </a:r>
+            <a:r>
+              <a:rPr lang="zh-TW" altLang="en-US" dirty="0">
+                <a:latin typeface="微軟正黑體" panose="020B0604030504040204" pitchFamily="34" charset="-120"/>
+                <a:ea typeface="微軟正黑體" panose="020B0604030504040204" pitchFamily="34" charset="-120"/>
+              </a:rPr>
+              <a:t>比如</a:t>
+            </a:r>
+            <a:r>
+              <a:rPr lang="en-US" altLang="zh-TW" dirty="0">
+                <a:latin typeface="微軟正黑體" panose="020B0604030504040204" pitchFamily="34" charset="-120"/>
+                <a:ea typeface="微軟正黑體" panose="020B0604030504040204" pitchFamily="34" charset="-120"/>
+              </a:rPr>
+              <a:t>Tracker</a:t>
+            </a:r>
+            <a:r>
+              <a:rPr lang="zh-TW" altLang="en-US" dirty="0">
+                <a:latin typeface="微軟正黑體" panose="020B0604030504040204" pitchFamily="34" charset="-120"/>
+                <a:ea typeface="微軟正黑體" panose="020B0604030504040204" pitchFamily="34" charset="-120"/>
+              </a:rPr>
+              <a:t>只有</a:t>
+            </a:r>
+            <a:r>
+              <a:rPr lang="en-US" altLang="zh-TW" dirty="0">
+                <a:latin typeface="微軟正黑體" panose="020B0604030504040204" pitchFamily="34" charset="-120"/>
+                <a:ea typeface="微軟正黑體" panose="020B0604030504040204" pitchFamily="34" charset="-120"/>
+              </a:rPr>
+              <a:t>3</a:t>
+            </a:r>
+            <a:r>
+              <a:rPr lang="zh-TW" altLang="en-US" dirty="0">
+                <a:latin typeface="微軟正黑體" panose="020B0604030504040204" pitchFamily="34" charset="-120"/>
+                <a:ea typeface="微軟正黑體" panose="020B0604030504040204" pitchFamily="34" charset="-120"/>
+              </a:rPr>
+              <a:t>個，但</a:t>
+            </a:r>
+            <a:r>
+              <a:rPr lang="en-US" altLang="zh-TW" dirty="0">
+                <a:latin typeface="微軟正黑體" panose="020B0604030504040204" pitchFamily="34" charset="-120"/>
+                <a:ea typeface="微軟正黑體" panose="020B0604030504040204" pitchFamily="34" charset="-120"/>
+              </a:rPr>
+              <a:t>Detector</a:t>
+            </a:r>
+            <a:r>
+              <a:rPr lang="zh-TW" altLang="en-US" dirty="0">
+                <a:latin typeface="微軟正黑體" panose="020B0604030504040204" pitchFamily="34" charset="-120"/>
+                <a:ea typeface="微軟正黑體" panose="020B0604030504040204" pitchFamily="34" charset="-120"/>
+              </a:rPr>
+              <a:t>有</a:t>
+            </a:r>
+            <a:r>
+              <a:rPr lang="en-US" altLang="zh-TW" dirty="0">
+                <a:latin typeface="微軟正黑體" panose="020B0604030504040204" pitchFamily="34" charset="-120"/>
+                <a:ea typeface="微軟正黑體" panose="020B0604030504040204" pitchFamily="34" charset="-120"/>
+              </a:rPr>
+              <a:t>4</a:t>
+            </a:r>
+            <a:r>
+              <a:rPr lang="zh-TW" altLang="en-US" dirty="0">
+                <a:latin typeface="微軟正黑體" panose="020B0604030504040204" pitchFamily="34" charset="-120"/>
+                <a:ea typeface="微軟正黑體" panose="020B0604030504040204" pitchFamily="34" charset="-120"/>
+              </a:rPr>
+              <a:t>個</a:t>
+            </a:r>
+            <a:r>
+              <a:rPr lang="en-US" altLang="zh-TW" dirty="0">
+                <a:latin typeface="微軟正黑體" panose="020B0604030504040204" pitchFamily="34" charset="-120"/>
+                <a:ea typeface="微軟正黑體" panose="020B0604030504040204" pitchFamily="34" charset="-120"/>
+              </a:rPr>
+              <a:t>)</a:t>
+            </a:r>
+          </a:p>
+          <a:p>
+            <a:pPr marL="0" indent="0">
+              <a:buNone/>
+            </a:pPr>
+            <a:endParaRPr lang="en-US" altLang="zh-TW" sz="2400" dirty="0">
+              <a:latin typeface="微軟正黑體" panose="020B0604030504040204" pitchFamily="34" charset="-120"/>
+              <a:ea typeface="微軟正黑體" panose="020B0604030504040204" pitchFamily="34" charset="-120"/>
+            </a:endParaRPr>
+          </a:p>
+          <a:p>
+            <a:r>
+              <a:rPr lang="zh-TW" altLang="en-US" sz="2400" dirty="0">
+                <a:latin typeface="微軟正黑體" panose="020B0604030504040204" pitchFamily="34" charset="-120"/>
+                <a:ea typeface="微軟正黑體" panose="020B0604030504040204" pitchFamily="34" charset="-120"/>
+              </a:rPr>
+              <a:t>為了使用匈牙利算法，</a:t>
+            </a:r>
+            <a:r>
+              <a:rPr lang="en-US" altLang="zh-TW" sz="2400" dirty="0">
+                <a:latin typeface="微軟正黑體" panose="020B0604030504040204" pitchFamily="34" charset="-120"/>
+                <a:ea typeface="微軟正黑體" panose="020B0604030504040204" pitchFamily="34" charset="-120"/>
+              </a:rPr>
+              <a:t>Cost Matrix</a:t>
+            </a:r>
+            <a:r>
+              <a:rPr lang="zh-TW" altLang="en-US" sz="2400" dirty="0">
+                <a:latin typeface="微軟正黑體" panose="020B0604030504040204" pitchFamily="34" charset="-120"/>
+                <a:ea typeface="微軟正黑體" panose="020B0604030504040204" pitchFamily="34" charset="-120"/>
+              </a:rPr>
+              <a:t> 會</a:t>
+            </a:r>
+            <a:endParaRPr lang="en-US" altLang="zh-TW" sz="2400" dirty="0">
+              <a:latin typeface="微軟正黑體" panose="020B0604030504040204" pitchFamily="34" charset="-120"/>
+              <a:ea typeface="微軟正黑體" panose="020B0604030504040204" pitchFamily="34" charset="-120"/>
+            </a:endParaRPr>
+          </a:p>
+          <a:p>
+            <a:pPr marL="0" indent="0">
+              <a:buNone/>
+            </a:pPr>
+            <a:r>
+              <a:rPr lang="zh-TW" altLang="en-US" sz="2400" dirty="0">
+                <a:latin typeface="微軟正黑體" panose="020B0604030504040204" pitchFamily="34" charset="-120"/>
+                <a:ea typeface="微軟正黑體" panose="020B0604030504040204" pitchFamily="34" charset="-120"/>
+              </a:rPr>
+              <a:t>補上</a:t>
+            </a:r>
+            <a:r>
+              <a:rPr lang="en-US" altLang="zh-TW" sz="2400" dirty="0">
+                <a:latin typeface="微軟正黑體" panose="020B0604030504040204" pitchFamily="34" charset="-120"/>
+                <a:ea typeface="微軟正黑體" panose="020B0604030504040204" pitchFamily="34" charset="-120"/>
+              </a:rPr>
+              <a:t>Dummy row</a:t>
+            </a:r>
+          </a:p>
+          <a:p>
+            <a:pPr marL="0" indent="0">
+              <a:buNone/>
+            </a:pPr>
+            <a:endParaRPr lang="en-US" altLang="zh-TW" sz="2400" dirty="0">
+              <a:latin typeface="微軟正黑體" panose="020B0604030504040204" pitchFamily="34" charset="-120"/>
+              <a:ea typeface="微軟正黑體" panose="020B0604030504040204" pitchFamily="34" charset="-120"/>
+            </a:endParaRPr>
+          </a:p>
+          <a:p>
+            <a:pPr marL="0" indent="0">
+              <a:buNone/>
+            </a:pPr>
+            <a:r>
+              <a:rPr lang="zh-TW" altLang="en-US" sz="2400" dirty="0">
+                <a:latin typeface="微軟正黑體" panose="020B0604030504040204" pitchFamily="34" charset="-120"/>
+                <a:ea typeface="微軟正黑體" panose="020B0604030504040204" pitchFamily="34" charset="-120"/>
+              </a:rPr>
+              <a:t>新 </a:t>
+            </a:r>
+            <a:r>
+              <a:rPr lang="en-US" altLang="zh-TW" sz="2400" dirty="0">
+                <a:latin typeface="微軟正黑體" panose="020B0604030504040204" pitchFamily="34" charset="-120"/>
+                <a:ea typeface="微軟正黑體" panose="020B0604030504040204" pitchFamily="34" charset="-120"/>
+              </a:rPr>
+              <a:t>Detection </a:t>
+            </a:r>
+            <a:r>
+              <a:rPr lang="zh-TW" altLang="en-US" sz="2400" dirty="0">
+                <a:latin typeface="微軟正黑體" panose="020B0604030504040204" pitchFamily="34" charset="-120"/>
+                <a:ea typeface="微軟正黑體" panose="020B0604030504040204" pitchFamily="34" charset="-120"/>
+              </a:rPr>
+              <a:t>無法配對</a:t>
+            </a:r>
+            <a:endParaRPr lang="en-US" altLang="zh-TW" sz="2400" dirty="0">
+              <a:latin typeface="微軟正黑體" panose="020B0604030504040204" pitchFamily="34" charset="-120"/>
+              <a:ea typeface="微軟正黑體" panose="020B0604030504040204" pitchFamily="34" charset="-120"/>
+            </a:endParaRPr>
+          </a:p>
+          <a:p>
+            <a:pPr marL="0" indent="0">
+              <a:buNone/>
+            </a:pPr>
+            <a:r>
+              <a:rPr lang="zh-TW" altLang="en-US" sz="2400" dirty="0">
+                <a:latin typeface="微軟正黑體" panose="020B0604030504040204" pitchFamily="34" charset="-120"/>
+                <a:ea typeface="微軟正黑體" panose="020B0604030504040204" pitchFamily="34" charset="-120"/>
+              </a:rPr>
+              <a:t> → 新增 </a:t>
+            </a:r>
+            <a:r>
+              <a:rPr lang="en-US" altLang="zh-TW" sz="2400" dirty="0">
+                <a:latin typeface="微軟正黑體" panose="020B0604030504040204" pitchFamily="34" charset="-120"/>
+                <a:ea typeface="微軟正黑體" panose="020B0604030504040204" pitchFamily="34" charset="-120"/>
+              </a:rPr>
+              <a:t>Tracker</a:t>
+            </a:r>
+            <a:r>
+              <a:rPr lang="zh-TW" altLang="en-US" sz="2400" dirty="0">
+                <a:latin typeface="微軟正黑體" panose="020B0604030504040204" pitchFamily="34" charset="-120"/>
+                <a:ea typeface="微軟正黑體" panose="020B0604030504040204" pitchFamily="34" charset="-120"/>
+              </a:rPr>
+              <a:t>：</a:t>
+            </a:r>
+          </a:p>
+          <a:p>
+            <a:r>
+              <a:rPr lang="zh-TW" altLang="en-US" sz="2400" dirty="0">
+                <a:latin typeface="微軟正黑體" panose="020B0604030504040204" pitchFamily="34" charset="-120"/>
+                <a:ea typeface="微軟正黑體" panose="020B0604030504040204" pitchFamily="34" charset="-120"/>
+              </a:rPr>
+              <a:t>初始化 </a:t>
+            </a:r>
+            <a:r>
+              <a:rPr lang="en-US" altLang="zh-TW" sz="2400" dirty="0">
+                <a:latin typeface="微軟正黑體" panose="020B0604030504040204" pitchFamily="34" charset="-120"/>
+                <a:ea typeface="微軟正黑體" panose="020B0604030504040204" pitchFamily="34" charset="-120"/>
+              </a:rPr>
+              <a:t>Kalman Filter</a:t>
+            </a:r>
+          </a:p>
+          <a:p>
+            <a:r>
+              <a:rPr lang="zh-TW" altLang="en-US" sz="2400" dirty="0">
+                <a:latin typeface="微軟正黑體" panose="020B0604030504040204" pitchFamily="34" charset="-120"/>
+                <a:ea typeface="微軟正黑體" panose="020B0604030504040204" pitchFamily="34" charset="-120"/>
+              </a:rPr>
+              <a:t>設定唯一 </a:t>
+            </a:r>
+            <a:r>
+              <a:rPr lang="en-US" altLang="zh-TW" sz="2400" dirty="0">
+                <a:latin typeface="微軟正黑體" panose="020B0604030504040204" pitchFamily="34" charset="-120"/>
+                <a:ea typeface="微軟正黑體" panose="020B0604030504040204" pitchFamily="34" charset="-120"/>
+              </a:rPr>
+              <a:t>ID</a:t>
+            </a:r>
+            <a:r>
+              <a:rPr lang="zh-TW" altLang="en-US" sz="2400" dirty="0">
+                <a:latin typeface="微軟正黑體" panose="020B0604030504040204" pitchFamily="34" charset="-120"/>
+                <a:ea typeface="微軟正黑體" panose="020B0604030504040204" pitchFamily="34" charset="-120"/>
+              </a:rPr>
+              <a:t>、初始位置</a:t>
+            </a:r>
+            <a:endParaRPr lang="en-US" altLang="zh-TW" sz="2400" dirty="0">
+              <a:latin typeface="微軟正黑體" panose="020B0604030504040204" pitchFamily="34" charset="-120"/>
+              <a:ea typeface="微軟正黑體" panose="020B0604030504040204" pitchFamily="34" charset="-120"/>
+            </a:endParaRPr>
+          </a:p>
+          <a:p>
+            <a:pPr marL="0" indent="0">
+              <a:buNone/>
+            </a:pPr>
+            <a:endParaRPr lang="en-US" altLang="zh-TW" dirty="0">
+              <a:latin typeface="微軟正黑體" panose="020B0604030504040204" pitchFamily="34" charset="-120"/>
+              <a:ea typeface="微軟正黑體" panose="020B0604030504040204" pitchFamily="34" charset="-120"/>
+            </a:endParaRPr>
+          </a:p>
+          <a:p>
+            <a:pPr lvl="1"/>
+            <a:endParaRPr lang="en-US" altLang="zh-TW" dirty="0">
+              <a:latin typeface="微軟正黑體" panose="020B0604030504040204" pitchFamily="34" charset="-120"/>
+              <a:ea typeface="微軟正黑體" panose="020B0604030504040204" pitchFamily="34" charset="-120"/>
+            </a:endParaRPr>
+          </a:p>
+        </p:txBody>
+      </p:sp>
+      <p:sp>
+        <p:nvSpPr>
+          <p:cNvPr id="4" name="投影片編號版面配置區 3">
+            <a:extLst>
+              <a:ext uri="{FF2B5EF4-FFF2-40B4-BE49-F238E27FC236}">
+                <a16:creationId xmlns:a16="http://schemas.microsoft.com/office/drawing/2014/main" id="{3D45B9EA-921A-782D-82BA-9B665EC41736}"/>
+              </a:ext>
+            </a:extLst>
+          </p:cNvPr>
+          <p:cNvSpPr>
+            <a:spLocks noGrp="1"/>
+          </p:cNvSpPr>
+          <p:nvPr>
+            <p:ph type="sldNum" sz="quarter" idx="12"/>
+          </p:nvPr>
+        </p:nvSpPr>
+        <p:spPr/>
+        <p:txBody>
+          <a:bodyPr/>
+          <a:lstStyle/>
+          <a:p>
+            <a:fld id="{8E39447E-DB70-4483-8A6C-6AFEA1EAB15C}" type="slidenum">
+              <a:rPr lang="zh-TW" altLang="en-US" smtClean="0"/>
+              <a:pPr/>
+              <a:t>20</a:t>
+            </a:fld>
+            <a:endParaRPr lang="zh-TW" altLang="en-US" dirty="0"/>
+          </a:p>
+        </p:txBody>
+      </p:sp>
+      <p:pic>
+        <p:nvPicPr>
+          <p:cNvPr id="10" name="圖片 9">
+            <a:extLst>
+              <a:ext uri="{FF2B5EF4-FFF2-40B4-BE49-F238E27FC236}">
+                <a16:creationId xmlns:a16="http://schemas.microsoft.com/office/drawing/2014/main" id="{7A166761-6E1D-6201-CFD9-BCB77ED35A25}"/>
+              </a:ext>
+            </a:extLst>
+          </p:cNvPr>
+          <p:cNvPicPr>
+            <a:picLocks noChangeAspect="1"/>
+          </p:cNvPicPr>
+          <p:nvPr/>
+        </p:nvPicPr>
+        <p:blipFill>
+          <a:blip r:embed="rId2">
+            <a:extLst>
+              <a:ext uri="{28A0092B-C50C-407E-A947-70E740481C1C}">
+                <a14:useLocalDpi xmlns:a14="http://schemas.microsoft.com/office/drawing/2010/main" val="0"/>
+              </a:ext>
+            </a:extLst>
+          </a:blip>
+          <a:srcRect/>
+          <a:stretch/>
+        </p:blipFill>
+        <p:spPr>
+          <a:xfrm>
+            <a:off x="6690307" y="2336850"/>
+            <a:ext cx="4865686" cy="2661230"/>
+          </a:xfrm>
+          <a:prstGeom prst="rect">
+            <a:avLst/>
+          </a:prstGeom>
+        </p:spPr>
+      </p:pic>
+      <p:pic>
+        <p:nvPicPr>
+          <p:cNvPr id="6" name="圖片 5" descr="一張含有 文字, 字型, 螢幕擷取畫面, 黑色 的圖片&#10;&#10;AI 產生的內容可能不正確。">
+            <a:extLst>
+              <a:ext uri="{FF2B5EF4-FFF2-40B4-BE49-F238E27FC236}">
+                <a16:creationId xmlns:a16="http://schemas.microsoft.com/office/drawing/2014/main" id="{334D84C6-1CDB-8553-4BAB-D55AC25B2136}"/>
+              </a:ext>
+            </a:extLst>
+          </p:cNvPr>
+          <p:cNvPicPr>
+            <a:picLocks noChangeAspect="1"/>
+          </p:cNvPicPr>
+          <p:nvPr/>
+        </p:nvPicPr>
+        <p:blipFill>
+          <a:blip r:embed="rId3">
+            <a:extLst>
+              <a:ext uri="{28A0092B-C50C-407E-A947-70E740481C1C}">
+                <a14:useLocalDpi xmlns:a14="http://schemas.microsoft.com/office/drawing/2010/main" val="0"/>
+              </a:ext>
+            </a:extLst>
+          </a:blip>
+          <a:stretch>
+            <a:fillRect/>
+          </a:stretch>
+        </p:blipFill>
+        <p:spPr>
+          <a:xfrm>
+            <a:off x="4835713" y="5326742"/>
+            <a:ext cx="5006786" cy="1212170"/>
+          </a:xfrm>
+          <a:prstGeom prst="rect">
+            <a:avLst/>
+          </a:prstGeom>
+        </p:spPr>
+      </p:pic>
+    </p:spTree>
+    <p:extLst>
+      <p:ext uri="{BB962C8B-B14F-4D97-AF65-F5344CB8AC3E}">
+        <p14:creationId xmlns:p14="http://schemas.microsoft.com/office/powerpoint/2010/main" val="2345872045"/>
+      </p:ext>
+    </p:extLst>
+  </p:cSld>
+  <p:clrMapOvr>
+    <a:masterClrMapping/>
+  </p:clrMapOvr>
+</p:sld>
+</file>
+
+<file path=ppt/slides/slide21.xml><?xml version="1.0" encoding="utf-8"?>
+<p:sld xmlns:a="http://schemas.openxmlformats.org/drawingml/2006/main" xmlns:r="http://schemas.openxmlformats.org/officeDocument/2006/relationships" xmlns:p="http://schemas.openxmlformats.org/presentationml/2006/main">
+  <p:cSld>
+    <p:spTree>
+      <p:nvGrpSpPr>
+        <p:cNvPr id="1" name=""/>
+        <p:cNvGrpSpPr/>
+        <p:nvPr/>
+      </p:nvGrpSpPr>
+      <p:grpSpPr>
+        <a:xfrm>
+          <a:off x="0" y="0"/>
+          <a:ext cx="0" cy="0"/>
+          <a:chOff x="0" y="0"/>
+          <a:chExt cx="0" cy="0"/>
+        </a:xfrm>
+      </p:grpSpPr>
+      <p:sp>
+        <p:nvSpPr>
+          <p:cNvPr id="2" name="標題 1">
+            <a:extLst>
+              <a:ext uri="{FF2B5EF4-FFF2-40B4-BE49-F238E27FC236}">
                 <a16:creationId xmlns:a16="http://schemas.microsoft.com/office/drawing/2014/main" id="{500395FA-4753-441D-AEC7-3633CF6C79E7}"/>
               </a:ext>
             </a:extLst>
@@ -10545,7 +10649,7 @@
             <a:fld id="{8E39447E-DB70-4483-8A6C-6AFEA1EAB15C}" type="slidenum">
               <a:rPr lang="zh-TW" altLang="en-US" smtClean="0"/>
               <a:pPr/>
-              <a:t>20</a:t>
+              <a:t>21</a:t>
             </a:fld>
             <a:endParaRPr lang="zh-TW" altLang="en-US" dirty="0"/>
           </a:p>
@@ -10699,132 +10803,6 @@
 </p:sld>
 </file>
 
-<file path=ppt/slides/slide21.xml><?xml version="1.0" encoding="utf-8"?>
-<p:sld xmlns:a="http://schemas.openxmlformats.org/drawingml/2006/main" xmlns:r="http://schemas.openxmlformats.org/officeDocument/2006/relationships" xmlns:p="http://schemas.openxmlformats.org/presentationml/2006/main">
-  <p:cSld>
-    <p:spTree>
-      <p:nvGrpSpPr>
-        <p:cNvPr id="1" name=""/>
-        <p:cNvGrpSpPr/>
-        <p:nvPr/>
-      </p:nvGrpSpPr>
-      <p:grpSpPr>
-        <a:xfrm>
-          <a:off x="0" y="0"/>
-          <a:ext cx="0" cy="0"/>
-          <a:chOff x="0" y="0"/>
-          <a:chExt cx="0" cy="0"/>
-        </a:xfrm>
-      </p:grpSpPr>
-      <p:sp>
-        <p:nvSpPr>
-          <p:cNvPr id="2" name="標題 1">
-            <a:extLst>
-              <a:ext uri="{FF2B5EF4-FFF2-40B4-BE49-F238E27FC236}">
-                <a16:creationId xmlns:a16="http://schemas.microsoft.com/office/drawing/2014/main" id="{AC386648-9502-470A-A7A4-0ED2640CD830}"/>
-              </a:ext>
-            </a:extLst>
-          </p:cNvPr>
-          <p:cNvSpPr>
-            <a:spLocks noGrp="1"/>
-          </p:cNvSpPr>
-          <p:nvPr>
-            <p:ph type="title"/>
-          </p:nvPr>
-        </p:nvSpPr>
-        <p:spPr/>
-        <p:txBody>
-          <a:bodyPr/>
-          <a:lstStyle/>
-          <a:p>
-            <a:r>
-              <a:rPr lang="zh-TW" altLang="en-US" dirty="0">
-                <a:latin typeface="微軟正黑體" panose="020B0604030504040204" pitchFamily="34" charset="-120"/>
-                <a:ea typeface="微軟正黑體" panose="020B0604030504040204" pitchFamily="34" charset="-120"/>
-              </a:rPr>
-              <a:t>紀錄</a:t>
-            </a:r>
-          </a:p>
-        </p:txBody>
-      </p:sp>
-      <p:pic>
-        <p:nvPicPr>
-          <p:cNvPr id="6" name="內容版面配置區 5">
-            <a:extLst>
-              <a:ext uri="{FF2B5EF4-FFF2-40B4-BE49-F238E27FC236}">
-                <a16:creationId xmlns:a16="http://schemas.microsoft.com/office/drawing/2014/main" id="{EB4EEEA2-C90B-4F72-8101-69C3538798DB}"/>
-              </a:ext>
-            </a:extLst>
-          </p:cNvPr>
-          <p:cNvPicPr>
-            <a:picLocks noGrp="1" noChangeAspect="1"/>
-          </p:cNvPicPr>
-          <p:nvPr>
-            <p:ph idx="1"/>
-          </p:nvPr>
-        </p:nvPicPr>
-        <p:blipFill>
-          <a:blip r:embed="rId2">
-            <a:extLst>
-              <a:ext uri="{28A0092B-C50C-407E-A947-70E740481C1C}">
-                <a14:useLocalDpi xmlns:a14="http://schemas.microsoft.com/office/drawing/2010/main" val="0"/>
-              </a:ext>
-            </a:extLst>
-          </a:blip>
-          <a:stretch>
-            <a:fillRect/>
-          </a:stretch>
-        </p:blipFill>
-        <p:spPr>
-          <a:xfrm>
-            <a:off x="3454795" y="1825625"/>
-            <a:ext cx="5282410" cy="4351338"/>
-          </a:xfrm>
-        </p:spPr>
-      </p:pic>
-      <p:sp>
-        <p:nvSpPr>
-          <p:cNvPr id="4" name="投影片編號版面配置區 3">
-            <a:extLst>
-              <a:ext uri="{FF2B5EF4-FFF2-40B4-BE49-F238E27FC236}">
-                <a16:creationId xmlns:a16="http://schemas.microsoft.com/office/drawing/2014/main" id="{A32B57C8-7FB0-4B9A-9C92-1C746AFC25EB}"/>
-              </a:ext>
-            </a:extLst>
-          </p:cNvPr>
-          <p:cNvSpPr>
-            <a:spLocks noGrp="1"/>
-          </p:cNvSpPr>
-          <p:nvPr>
-            <p:ph type="sldNum" sz="quarter" idx="12"/>
-          </p:nvPr>
-        </p:nvSpPr>
-        <p:spPr/>
-        <p:txBody>
-          <a:bodyPr/>
-          <a:lstStyle/>
-          <a:p>
-            <a:fld id="{8E39447E-DB70-4483-8A6C-6AFEA1EAB15C}" type="slidenum">
-              <a:rPr lang="zh-TW" altLang="en-US" smtClean="0"/>
-              <a:pPr/>
-              <a:t>21</a:t>
-            </a:fld>
-            <a:endParaRPr lang="zh-TW" altLang="en-US" dirty="0"/>
-          </a:p>
-        </p:txBody>
-      </p:sp>
-    </p:spTree>
-    <p:extLst>
-      <p:ext uri="{BB962C8B-B14F-4D97-AF65-F5344CB8AC3E}">
-        <p14:creationId xmlns:p14="http://schemas.microsoft.com/office/powerpoint/2010/main" val="1928411838"/>
-      </p:ext>
-    </p:extLst>
-  </p:cSld>
-  <p:clrMapOvr>
-    <a:masterClrMapping/>
-  </p:clrMapOvr>
-</p:sld>
-</file>
-
 <file path=ppt/slides/slide22.xml><?xml version="1.0" encoding="utf-8"?>
 <p:sld xmlns:a="http://schemas.openxmlformats.org/drawingml/2006/main" xmlns:r="http://schemas.openxmlformats.org/officeDocument/2006/relationships" xmlns:p="http://schemas.openxmlformats.org/presentationml/2006/main">
   <p:cSld>
@@ -10847,7 +10825,7 @@
           <p:cNvPr id="2" name="標題 1">
             <a:extLst>
               <a:ext uri="{FF2B5EF4-FFF2-40B4-BE49-F238E27FC236}">
-                <a16:creationId xmlns:a16="http://schemas.microsoft.com/office/drawing/2014/main" id="{95A4F583-5F60-4A54-8243-DFD3EBDB8D65}"/>
+                <a16:creationId xmlns:a16="http://schemas.microsoft.com/office/drawing/2014/main" id="{AC386648-9502-470A-A7A4-0ED2640CD830}"/>
               </a:ext>
             </a:extLst>
           </p:cNvPr>
@@ -10864,6 +10842,132 @@
           <a:lstStyle/>
           <a:p>
             <a:r>
+              <a:rPr lang="zh-TW" altLang="en-US" dirty="0">
+                <a:latin typeface="微軟正黑體" panose="020B0604030504040204" pitchFamily="34" charset="-120"/>
+                <a:ea typeface="微軟正黑體" panose="020B0604030504040204" pitchFamily="34" charset="-120"/>
+              </a:rPr>
+              <a:t>紀錄</a:t>
+            </a:r>
+          </a:p>
+        </p:txBody>
+      </p:sp>
+      <p:pic>
+        <p:nvPicPr>
+          <p:cNvPr id="6" name="內容版面配置區 5">
+            <a:extLst>
+              <a:ext uri="{FF2B5EF4-FFF2-40B4-BE49-F238E27FC236}">
+                <a16:creationId xmlns:a16="http://schemas.microsoft.com/office/drawing/2014/main" id="{EB4EEEA2-C90B-4F72-8101-69C3538798DB}"/>
+              </a:ext>
+            </a:extLst>
+          </p:cNvPr>
+          <p:cNvPicPr>
+            <a:picLocks noGrp="1" noChangeAspect="1"/>
+          </p:cNvPicPr>
+          <p:nvPr>
+            <p:ph idx="1"/>
+          </p:nvPr>
+        </p:nvPicPr>
+        <p:blipFill>
+          <a:blip r:embed="rId2">
+            <a:extLst>
+              <a:ext uri="{28A0092B-C50C-407E-A947-70E740481C1C}">
+                <a14:useLocalDpi xmlns:a14="http://schemas.microsoft.com/office/drawing/2010/main" val="0"/>
+              </a:ext>
+            </a:extLst>
+          </a:blip>
+          <a:stretch>
+            <a:fillRect/>
+          </a:stretch>
+        </p:blipFill>
+        <p:spPr>
+          <a:xfrm>
+            <a:off x="3454795" y="1825625"/>
+            <a:ext cx="5282410" cy="4351338"/>
+          </a:xfrm>
+        </p:spPr>
+      </p:pic>
+      <p:sp>
+        <p:nvSpPr>
+          <p:cNvPr id="4" name="投影片編號版面配置區 3">
+            <a:extLst>
+              <a:ext uri="{FF2B5EF4-FFF2-40B4-BE49-F238E27FC236}">
+                <a16:creationId xmlns:a16="http://schemas.microsoft.com/office/drawing/2014/main" id="{A32B57C8-7FB0-4B9A-9C92-1C746AFC25EB}"/>
+              </a:ext>
+            </a:extLst>
+          </p:cNvPr>
+          <p:cNvSpPr>
+            <a:spLocks noGrp="1"/>
+          </p:cNvSpPr>
+          <p:nvPr>
+            <p:ph type="sldNum" sz="quarter" idx="12"/>
+          </p:nvPr>
+        </p:nvSpPr>
+        <p:spPr/>
+        <p:txBody>
+          <a:bodyPr/>
+          <a:lstStyle/>
+          <a:p>
+            <a:fld id="{8E39447E-DB70-4483-8A6C-6AFEA1EAB15C}" type="slidenum">
+              <a:rPr lang="zh-TW" altLang="en-US" smtClean="0"/>
+              <a:pPr/>
+              <a:t>22</a:t>
+            </a:fld>
+            <a:endParaRPr lang="zh-TW" altLang="en-US" dirty="0"/>
+          </a:p>
+        </p:txBody>
+      </p:sp>
+    </p:spTree>
+    <p:extLst>
+      <p:ext uri="{BB962C8B-B14F-4D97-AF65-F5344CB8AC3E}">
+        <p14:creationId xmlns:p14="http://schemas.microsoft.com/office/powerpoint/2010/main" val="1928411838"/>
+      </p:ext>
+    </p:extLst>
+  </p:cSld>
+  <p:clrMapOvr>
+    <a:masterClrMapping/>
+  </p:clrMapOvr>
+</p:sld>
+</file>
+
+<file path=ppt/slides/slide23.xml><?xml version="1.0" encoding="utf-8"?>
+<p:sld xmlns:a="http://schemas.openxmlformats.org/drawingml/2006/main" xmlns:r="http://schemas.openxmlformats.org/officeDocument/2006/relationships" xmlns:p="http://schemas.openxmlformats.org/presentationml/2006/main">
+  <p:cSld>
+    <p:spTree>
+      <p:nvGrpSpPr>
+        <p:cNvPr id="1" name=""/>
+        <p:cNvGrpSpPr/>
+        <p:nvPr/>
+      </p:nvGrpSpPr>
+      <p:grpSpPr>
+        <a:xfrm>
+          <a:off x="0" y="0"/>
+          <a:ext cx="0" cy="0"/>
+          <a:chOff x="0" y="0"/>
+          <a:chExt cx="0" cy="0"/>
+        </a:xfrm>
+      </p:grpSpPr>
+      <p:sp>
+        <p:nvSpPr>
+          <p:cNvPr id="2" name="標題 1">
+            <a:extLst>
+              <a:ext uri="{FF2B5EF4-FFF2-40B4-BE49-F238E27FC236}">
+                <a16:creationId xmlns:a16="http://schemas.microsoft.com/office/drawing/2014/main" id="{95A4F583-5F60-4A54-8243-DFD3EBDB8D65}"/>
+              </a:ext>
+            </a:extLst>
+          </p:cNvPr>
+          <p:cNvSpPr>
+            <a:spLocks noGrp="1"/>
+          </p:cNvSpPr>
+          <p:nvPr>
+            <p:ph type="title"/>
+          </p:nvPr>
+        </p:nvSpPr>
+        <p:spPr/>
+        <p:txBody>
+          <a:bodyPr/>
+          <a:lstStyle/>
+          <a:p>
+            <a:r>
               <a:rPr lang="en-US" altLang="zh-TW" dirty="0"/>
               <a:t>Future work</a:t>
             </a:r>
@@ -10940,7 +11044,7 @@
             <a:fld id="{8E39447E-DB70-4483-8A6C-6AFEA1EAB15C}" type="slidenum">
               <a:rPr lang="zh-TW" altLang="en-US" smtClean="0"/>
               <a:pPr/>
-              <a:t>22</a:t>
+              <a:t>23</a:t>
             </a:fld>
             <a:endParaRPr lang="zh-TW" altLang="en-US" dirty="0"/>
           </a:p>
@@ -12005,7 +12109,7 @@
           <p:cNvPr id="2" name="標題 1">
             <a:extLst>
               <a:ext uri="{FF2B5EF4-FFF2-40B4-BE49-F238E27FC236}">
-                <a16:creationId xmlns:a16="http://schemas.microsoft.com/office/drawing/2014/main" id="{6785F855-6EA2-9B30-E21A-68B6AC088284}"/>
+                <a16:creationId xmlns:a16="http://schemas.microsoft.com/office/drawing/2014/main" id="{1E99EDE8-5156-5AEC-7ABE-6C2D32A80DED}"/>
               </a:ext>
             </a:extLst>
           </p:cNvPr>
@@ -12022,493 +12126,232 @@
           <a:lstStyle/>
           <a:p>
             <a:r>
+              <a:rPr lang="zh-TW" altLang="en-US" dirty="0">
+                <a:latin typeface="微軟正黑體" panose="020B0604030504040204" pitchFamily="34" charset="-120"/>
+                <a:ea typeface="微軟正黑體" panose="020B0604030504040204" pitchFamily="34" charset="-120"/>
+              </a:rPr>
+              <a:t>改用</a:t>
+            </a:r>
+            <a:r>
               <a:rPr lang="en-US" altLang="zh-TW" dirty="0">
                 <a:latin typeface="微軟正黑體" panose="020B0604030504040204" pitchFamily="34" charset="-120"/>
                 <a:ea typeface="微軟正黑體" panose="020B0604030504040204" pitchFamily="34" charset="-120"/>
               </a:rPr>
-              <a:t>HDBSCAN vs DBSCAN </a:t>
+              <a:t>DBSCAN</a:t>
             </a:r>
             <a:r>
               <a:rPr lang="zh-TW" altLang="en-US" dirty="0">
                 <a:latin typeface="微軟正黑體" panose="020B0604030504040204" pitchFamily="34" charset="-120"/>
                 <a:ea typeface="微軟正黑體" panose="020B0604030504040204" pitchFamily="34" charset="-120"/>
               </a:rPr>
-              <a:t>核心差異</a:t>
-            </a:r>
+              <a:t>理由</a:t>
+            </a:r>
+            <a:r>
+              <a:rPr lang="en-US" altLang="zh-TW" dirty="0">
+                <a:latin typeface="微軟正黑體" panose="020B0604030504040204" pitchFamily="34" charset="-120"/>
+                <a:ea typeface="微軟正黑體" panose="020B0604030504040204" pitchFamily="34" charset="-120"/>
+              </a:rPr>
+              <a:t>(1)</a:t>
+            </a:r>
+            <a:endParaRPr lang="zh-TW" altLang="en-US" dirty="0">
+              <a:latin typeface="微軟正黑體" panose="020B0604030504040204" pitchFamily="34" charset="-120"/>
+              <a:ea typeface="微軟正黑體" panose="020B0604030504040204" pitchFamily="34" charset="-120"/>
+            </a:endParaRPr>
           </a:p>
         </p:txBody>
       </p:sp>
-      <p:graphicFrame>
-        <p:nvGraphicFramePr>
-          <p:cNvPr id="7" name="內容版面配置區 6">
-            <a:extLst>
-              <a:ext uri="{FF2B5EF4-FFF2-40B4-BE49-F238E27FC236}">
-                <a16:creationId xmlns:a16="http://schemas.microsoft.com/office/drawing/2014/main" id="{5DA3E903-899F-61A4-37D9-02D8424A8248}"/>
-              </a:ext>
-            </a:extLst>
-          </p:cNvPr>
-          <p:cNvGraphicFramePr>
-            <a:graphicFrameLocks noGrp="1"/>
-          </p:cNvGraphicFramePr>
+      <p:sp>
+        <p:nvSpPr>
+          <p:cNvPr id="3" name="內容版面配置區 2">
+            <a:extLst>
+              <a:ext uri="{FF2B5EF4-FFF2-40B4-BE49-F238E27FC236}">
+                <a16:creationId xmlns:a16="http://schemas.microsoft.com/office/drawing/2014/main" id="{3EF36E63-043A-C107-F35A-FBDA841F4B94}"/>
+              </a:ext>
+            </a:extLst>
+          </p:cNvPr>
+          <p:cNvSpPr>
+            <a:spLocks noGrp="1"/>
+          </p:cNvSpPr>
           <p:nvPr>
             <p:ph idx="1"/>
-            <p:extLst>
-              <p:ext uri="{D42A27DB-BD31-4B8C-83A1-F6EECF244321}">
-                <p14:modId xmlns:p14="http://schemas.microsoft.com/office/powerpoint/2010/main" val="1639211491"/>
-              </p:ext>
-            </p:extLst>
           </p:nvPr>
-        </p:nvGraphicFramePr>
-        <p:xfrm>
-          <a:off x="838200" y="1825625"/>
-          <a:ext cx="10951029" cy="3108960"/>
-        </p:xfrm>
-        <a:graphic>
-          <a:graphicData uri="http://schemas.openxmlformats.org/drawingml/2006/table">
-            <a:tbl>
-              <a:tblPr firstRow="1" bandRow="1">
-                <a:tableStyleId>{5C22544A-7EE6-4342-B048-85BDC9FD1C3A}</a:tableStyleId>
-              </a:tblPr>
-              <a:tblGrid>
-                <a:gridCol w="3069771">
-                  <a:extLst>
-                    <a:ext uri="{9D8B030D-6E8A-4147-A177-3AD203B41FA5}">
-                      <a16:colId xmlns:a16="http://schemas.microsoft.com/office/drawing/2014/main" val="3545479795"/>
-                    </a:ext>
-                  </a:extLst>
-                </a:gridCol>
-                <a:gridCol w="3439886">
-                  <a:extLst>
-                    <a:ext uri="{9D8B030D-6E8A-4147-A177-3AD203B41FA5}">
-                      <a16:colId xmlns:a16="http://schemas.microsoft.com/office/drawing/2014/main" val="971601913"/>
-                    </a:ext>
-                  </a:extLst>
-                </a:gridCol>
-                <a:gridCol w="4441372">
-                  <a:extLst>
-                    <a:ext uri="{9D8B030D-6E8A-4147-A177-3AD203B41FA5}">
-                      <a16:colId xmlns:a16="http://schemas.microsoft.com/office/drawing/2014/main" val="1318668529"/>
-                    </a:ext>
-                  </a:extLst>
-                </a:gridCol>
-              </a:tblGrid>
-              <a:tr h="370840">
-                <a:tc>
-                  <a:txBody>
-                    <a:bodyPr/>
-                    <a:lstStyle/>
-                    <a:p>
-                      <a:r>
-                        <a:rPr lang="zh-TW" altLang="en-US" sz="2800" dirty="0">
-                          <a:latin typeface="微軟正黑體" panose="020B0604030504040204" pitchFamily="34" charset="-120"/>
-                          <a:ea typeface="微軟正黑體" panose="020B0604030504040204" pitchFamily="34" charset="-120"/>
-                        </a:rPr>
-                        <a:t>項目</a:t>
-                      </a:r>
-                    </a:p>
-                  </a:txBody>
-                  <a:tcPr/>
-                </a:tc>
-                <a:tc>
-                  <a:txBody>
-                    <a:bodyPr/>
-                    <a:lstStyle/>
-                    <a:p>
-                      <a:r>
-                        <a:rPr lang="en-US" altLang="zh-TW" sz="2800" dirty="0">
-                          <a:latin typeface="微軟正黑體" panose="020B0604030504040204" pitchFamily="34" charset="-120"/>
-                          <a:ea typeface="微軟正黑體" panose="020B0604030504040204" pitchFamily="34" charset="-120"/>
-                        </a:rPr>
-                        <a:t>HDBSCAN</a:t>
-                      </a:r>
-                      <a:endParaRPr lang="zh-TW" altLang="en-US" sz="2800" dirty="0">
-                        <a:latin typeface="微軟正黑體" panose="020B0604030504040204" pitchFamily="34" charset="-120"/>
-                        <a:ea typeface="微軟正黑體" panose="020B0604030504040204" pitchFamily="34" charset="-120"/>
-                      </a:endParaRPr>
-                    </a:p>
-                  </a:txBody>
-                  <a:tcPr/>
-                </a:tc>
-                <a:tc>
-                  <a:txBody>
-                    <a:bodyPr/>
-                    <a:lstStyle/>
-                    <a:p>
-                      <a:r>
-                        <a:rPr lang="en-US" altLang="zh-TW" sz="2800" dirty="0">
-                          <a:latin typeface="微軟正黑體" panose="020B0604030504040204" pitchFamily="34" charset="-120"/>
-                          <a:ea typeface="微軟正黑體" panose="020B0604030504040204" pitchFamily="34" charset="-120"/>
-                        </a:rPr>
-                        <a:t>DBSCAN</a:t>
-                      </a:r>
-                      <a:endParaRPr lang="zh-TW" altLang="en-US" sz="2800" dirty="0">
-                        <a:latin typeface="微軟正黑體" panose="020B0604030504040204" pitchFamily="34" charset="-120"/>
-                        <a:ea typeface="微軟正黑體" panose="020B0604030504040204" pitchFamily="34" charset="-120"/>
-                      </a:endParaRPr>
-                    </a:p>
-                  </a:txBody>
-                  <a:tcPr/>
-                </a:tc>
-                <a:extLst>
-                  <a:ext uri="{0D108BD9-81ED-4DB2-BD59-A6C34878D82A}">
-                    <a16:rowId xmlns:a16="http://schemas.microsoft.com/office/drawing/2014/main" val="252871193"/>
-                  </a:ext>
-                </a:extLst>
-              </a:tr>
-              <a:tr h="370840">
-                <a:tc>
-                  <a:txBody>
-                    <a:bodyPr/>
-                    <a:lstStyle/>
-                    <a:p>
-                      <a:r>
-                        <a:rPr lang="zh-TW" altLang="en-US" sz="2800" dirty="0">
-                          <a:latin typeface="微軟正黑體" panose="020B0604030504040204" pitchFamily="34" charset="-120"/>
-                          <a:ea typeface="微軟正黑體" panose="020B0604030504040204" pitchFamily="34" charset="-120"/>
-                        </a:rPr>
-                        <a:t>關鍵參數</a:t>
-                      </a:r>
-                    </a:p>
-                  </a:txBody>
-                  <a:tcPr/>
-                </a:tc>
-                <a:tc>
-                  <a:txBody>
-                    <a:bodyPr/>
-                    <a:lstStyle/>
-                    <a:p>
-                      <a:r>
-                        <a:rPr lang="en-US" altLang="zh-TW" sz="2800" dirty="0">
-                          <a:latin typeface="微軟正黑體" panose="020B0604030504040204" pitchFamily="34" charset="-120"/>
-                          <a:ea typeface="微軟正黑體" panose="020B0604030504040204" pitchFamily="34" charset="-120"/>
-                        </a:rPr>
-                        <a:t>eps, </a:t>
-                      </a:r>
-                      <a:r>
-                        <a:rPr lang="en-US" altLang="zh-TW" sz="2800" dirty="0" err="1">
-                          <a:latin typeface="微軟正黑體" panose="020B0604030504040204" pitchFamily="34" charset="-120"/>
-                          <a:ea typeface="微軟正黑體" panose="020B0604030504040204" pitchFamily="34" charset="-120"/>
-                        </a:rPr>
-                        <a:t>min_samples</a:t>
-                      </a:r>
-                      <a:r>
-                        <a:rPr lang="en-US" altLang="zh-TW" sz="2800" dirty="0">
-                          <a:latin typeface="微軟正黑體" panose="020B0604030504040204" pitchFamily="34" charset="-120"/>
-                          <a:ea typeface="微軟正黑體" panose="020B0604030504040204" pitchFamily="34" charset="-120"/>
-                        </a:rPr>
-                        <a:t> </a:t>
-                      </a:r>
-                      <a:endParaRPr lang="zh-TW" altLang="en-US" sz="2800" dirty="0">
-                        <a:latin typeface="微軟正黑體" panose="020B0604030504040204" pitchFamily="34" charset="-120"/>
-                        <a:ea typeface="微軟正黑體" panose="020B0604030504040204" pitchFamily="34" charset="-120"/>
-                      </a:endParaRPr>
-                    </a:p>
-                  </a:txBody>
-                  <a:tcPr/>
-                </a:tc>
-                <a:tc>
-                  <a:txBody>
-                    <a:bodyPr/>
-                    <a:lstStyle/>
-                    <a:p>
-                      <a:r>
-                        <a:rPr lang="en-US" altLang="zh-TW" sz="2800" dirty="0" err="1">
-                          <a:latin typeface="微軟正黑體" panose="020B0604030504040204" pitchFamily="34" charset="-120"/>
-                          <a:ea typeface="微軟正黑體" panose="020B0604030504040204" pitchFamily="34" charset="-120"/>
-                        </a:rPr>
-                        <a:t>min_cluster_size</a:t>
-                      </a:r>
-                      <a:endParaRPr lang="zh-TW" altLang="en-US" sz="2800" dirty="0">
-                        <a:latin typeface="微軟正黑體" panose="020B0604030504040204" pitchFamily="34" charset="-120"/>
-                        <a:ea typeface="微軟正黑體" panose="020B0604030504040204" pitchFamily="34" charset="-120"/>
-                      </a:endParaRPr>
-                    </a:p>
-                  </a:txBody>
-                  <a:tcPr/>
-                </a:tc>
-                <a:extLst>
-                  <a:ext uri="{0D108BD9-81ED-4DB2-BD59-A6C34878D82A}">
-                    <a16:rowId xmlns:a16="http://schemas.microsoft.com/office/drawing/2014/main" val="1119604427"/>
-                  </a:ext>
-                </a:extLst>
-              </a:tr>
-              <a:tr h="370840">
-                <a:tc>
-                  <a:txBody>
-                    <a:bodyPr/>
-                    <a:lstStyle/>
-                    <a:p>
-                      <a:r>
-                        <a:rPr lang="zh-TW" altLang="en-US" sz="2800" dirty="0">
-                          <a:latin typeface="微軟正黑體" panose="020B0604030504040204" pitchFamily="34" charset="-120"/>
-                          <a:ea typeface="微軟正黑體" panose="020B0604030504040204" pitchFamily="34" charset="-120"/>
-                        </a:rPr>
-                        <a:t>適用場景</a:t>
-                      </a:r>
-                      <a:endParaRPr lang="en-US" altLang="zh-TW" sz="2800" dirty="0">
-                        <a:latin typeface="微軟正黑體" panose="020B0604030504040204" pitchFamily="34" charset="-120"/>
-                        <a:ea typeface="微軟正黑體" panose="020B0604030504040204" pitchFamily="34" charset="-120"/>
-                      </a:endParaRPr>
-                    </a:p>
-                  </a:txBody>
-                  <a:tcPr/>
-                </a:tc>
-                <a:tc>
-                  <a:txBody>
-                    <a:bodyPr/>
-                    <a:lstStyle/>
-                    <a:p>
-                      <a:r>
-                        <a:rPr lang="zh-TW" altLang="en-US" sz="2800" dirty="0">
-                          <a:latin typeface="微軟正黑體" panose="020B0604030504040204" pitchFamily="34" charset="-120"/>
-                          <a:ea typeface="微軟正黑體" panose="020B0604030504040204" pitchFamily="34" charset="-120"/>
-                        </a:rPr>
-                        <a:t>分布密集</a:t>
-                      </a:r>
-                    </a:p>
-                  </a:txBody>
-                  <a:tcPr/>
-                </a:tc>
-                <a:tc>
-                  <a:txBody>
-                    <a:bodyPr/>
-                    <a:lstStyle/>
-                    <a:p>
-                      <a:r>
-                        <a:rPr lang="zh-TW" altLang="en-US" sz="2800" dirty="0">
-                          <a:latin typeface="微軟正黑體" panose="020B0604030504040204" pitchFamily="34" charset="-120"/>
-                          <a:ea typeface="微軟正黑體" panose="020B0604030504040204" pitchFamily="34" charset="-120"/>
-                        </a:rPr>
-                        <a:t>密度變化大</a:t>
-                      </a:r>
-                    </a:p>
-                  </a:txBody>
-                  <a:tcPr/>
-                </a:tc>
-                <a:extLst>
-                  <a:ext uri="{0D108BD9-81ED-4DB2-BD59-A6C34878D82A}">
-                    <a16:rowId xmlns:a16="http://schemas.microsoft.com/office/drawing/2014/main" val="2890282388"/>
-                  </a:ext>
-                </a:extLst>
-              </a:tr>
-              <a:tr h="370840">
-                <a:tc>
-                  <a:txBody>
-                    <a:bodyPr/>
-                    <a:lstStyle/>
-                    <a:p>
-                      <a:r>
-                        <a:rPr lang="zh-TW" altLang="en-US" sz="2800" dirty="0">
-                          <a:latin typeface="微軟正黑體" panose="020B0604030504040204" pitchFamily="34" charset="-120"/>
-                          <a:ea typeface="微軟正黑體" panose="020B0604030504040204" pitchFamily="34" charset="-120"/>
-                        </a:rPr>
-                        <a:t>是否支持層級分群</a:t>
-                      </a:r>
-                      <a:endParaRPr lang="en-US" altLang="zh-TW" sz="2800" dirty="0">
-                        <a:latin typeface="微軟正黑體" panose="020B0604030504040204" pitchFamily="34" charset="-120"/>
-                        <a:ea typeface="微軟正黑體" panose="020B0604030504040204" pitchFamily="34" charset="-120"/>
-                      </a:endParaRPr>
-                    </a:p>
-                  </a:txBody>
-                  <a:tcPr/>
-                </a:tc>
-                <a:tc>
-                  <a:txBody>
-                    <a:bodyPr/>
-                    <a:lstStyle/>
-                    <a:p>
-                      <a:r>
-                        <a:rPr lang="zh-TW" altLang="en-US" sz="2800" dirty="0">
-                          <a:latin typeface="微軟正黑體" panose="020B0604030504040204" pitchFamily="34" charset="-120"/>
-                          <a:ea typeface="微軟正黑體" panose="020B0604030504040204" pitchFamily="34" charset="-120"/>
-                        </a:rPr>
-                        <a:t>否（固定密度）</a:t>
-                      </a:r>
-                    </a:p>
-                  </a:txBody>
-                  <a:tcPr/>
-                </a:tc>
-                <a:tc>
-                  <a:txBody>
-                    <a:bodyPr/>
-                    <a:lstStyle/>
-                    <a:p>
-                      <a:r>
-                        <a:rPr lang="zh-TW" altLang="en-US" sz="2800" dirty="0">
-                          <a:latin typeface="微軟正黑體" panose="020B0604030504040204" pitchFamily="34" charset="-120"/>
-                          <a:ea typeface="微軟正黑體" panose="020B0604030504040204" pitchFamily="34" charset="-120"/>
-                        </a:rPr>
-                        <a:t>是</a:t>
-                      </a:r>
-                      <a:r>
-                        <a:rPr lang="en-US" altLang="zh-TW" sz="2800" dirty="0">
-                          <a:latin typeface="微軟正黑體" panose="020B0604030504040204" pitchFamily="34" charset="-120"/>
-                          <a:ea typeface="微軟正黑體" panose="020B0604030504040204" pitchFamily="34" charset="-120"/>
-                        </a:rPr>
-                        <a:t>(</a:t>
-                      </a:r>
-                      <a:r>
-                        <a:rPr lang="zh-TW" altLang="en-US" sz="2800" dirty="0">
-                          <a:latin typeface="微軟正黑體" panose="020B0604030504040204" pitchFamily="34" charset="-120"/>
-                          <a:ea typeface="微軟正黑體" panose="020B0604030504040204" pitchFamily="34" charset="-120"/>
-                        </a:rPr>
-                        <a:t>強項</a:t>
-                      </a:r>
-                      <a:r>
-                        <a:rPr lang="en-US" altLang="zh-TW" sz="2800" dirty="0">
-                          <a:latin typeface="微軟正黑體" panose="020B0604030504040204" pitchFamily="34" charset="-120"/>
-                          <a:ea typeface="微軟正黑體" panose="020B0604030504040204" pitchFamily="34" charset="-120"/>
-                        </a:rPr>
-                        <a:t>)</a:t>
-                      </a:r>
-                      <a:endParaRPr lang="zh-TW" altLang="en-US" sz="2800" dirty="0">
-                        <a:latin typeface="微軟正黑體" panose="020B0604030504040204" pitchFamily="34" charset="-120"/>
-                        <a:ea typeface="微軟正黑體" panose="020B0604030504040204" pitchFamily="34" charset="-120"/>
-                      </a:endParaRPr>
-                    </a:p>
-                  </a:txBody>
-                  <a:tcPr/>
-                </a:tc>
-                <a:extLst>
-                  <a:ext uri="{0D108BD9-81ED-4DB2-BD59-A6C34878D82A}">
-                    <a16:rowId xmlns:a16="http://schemas.microsoft.com/office/drawing/2014/main" val="2743526044"/>
-                  </a:ext>
-                </a:extLst>
-              </a:tr>
-              <a:tr h="0">
-                <a:tc>
-                  <a:txBody>
-                    <a:bodyPr/>
-                    <a:lstStyle/>
-                    <a:p>
-                      <a:r>
-                        <a:rPr lang="zh-TW" altLang="en-US" sz="2800" dirty="0">
-                          <a:latin typeface="微軟正黑體" panose="020B0604030504040204" pitchFamily="34" charset="-120"/>
-                          <a:ea typeface="微軟正黑體" panose="020B0604030504040204" pitchFamily="34" charset="-120"/>
-                        </a:rPr>
-                        <a:t>容錯雜訊能力</a:t>
-                      </a:r>
-                    </a:p>
-                  </a:txBody>
-                  <a:tcPr/>
-                </a:tc>
-                <a:tc>
-                  <a:txBody>
-                    <a:bodyPr/>
-                    <a:lstStyle/>
-                    <a:p>
-                      <a:r>
-                        <a:rPr lang="zh-TW" altLang="en-US" sz="2800" dirty="0">
-                          <a:latin typeface="微軟正黑體" panose="020B0604030504040204" pitchFamily="34" charset="-120"/>
-                          <a:ea typeface="微軟正黑體" panose="020B0604030504040204" pitchFamily="34" charset="-120"/>
-                        </a:rPr>
-                        <a:t>低</a:t>
-                      </a:r>
-                    </a:p>
-                  </a:txBody>
-                  <a:tcPr/>
-                </a:tc>
-                <a:tc>
-                  <a:txBody>
-                    <a:bodyPr/>
-                    <a:lstStyle/>
-                    <a:p>
-                      <a:r>
-                        <a:rPr lang="zh-TW" altLang="en-US" sz="2800" dirty="0">
-                          <a:latin typeface="微軟正黑體" panose="020B0604030504040204" pitchFamily="34" charset="-120"/>
-                          <a:ea typeface="微軟正黑體" panose="020B0604030504040204" pitchFamily="34" charset="-120"/>
-                        </a:rPr>
-                        <a:t>高（會標記</a:t>
-                      </a:r>
-                      <a:r>
-                        <a:rPr lang="en-US" altLang="zh-TW" sz="2800" dirty="0">
-                          <a:latin typeface="微軟正黑體" panose="020B0604030504040204" pitchFamily="34" charset="-120"/>
-                          <a:ea typeface="微軟正黑體" panose="020B0604030504040204" pitchFamily="34" charset="-120"/>
-                        </a:rPr>
-                        <a:t>outliers</a:t>
-                      </a:r>
-                      <a:r>
-                        <a:rPr lang="zh-TW" altLang="en-US" sz="2800" dirty="0">
-                          <a:latin typeface="微軟正黑體" panose="020B0604030504040204" pitchFamily="34" charset="-120"/>
-                          <a:ea typeface="微軟正黑體" panose="020B0604030504040204" pitchFamily="34" charset="-120"/>
-                        </a:rPr>
-                        <a:t>）</a:t>
-                      </a:r>
-                    </a:p>
-                  </a:txBody>
-                  <a:tcPr/>
-                </a:tc>
-                <a:extLst>
-                  <a:ext uri="{0D108BD9-81ED-4DB2-BD59-A6C34878D82A}">
-                    <a16:rowId xmlns:a16="http://schemas.microsoft.com/office/drawing/2014/main" val="101669768"/>
-                  </a:ext>
-                </a:extLst>
-              </a:tr>
-              <a:tr h="0">
-                <a:tc>
-                  <a:txBody>
-                    <a:bodyPr/>
-                    <a:lstStyle/>
-                    <a:p>
-                      <a:r>
-                        <a:rPr lang="zh-TW" altLang="en-US" sz="2800" dirty="0">
-                          <a:latin typeface="微軟正黑體" panose="020B0604030504040204" pitchFamily="34" charset="-120"/>
-                          <a:ea typeface="微軟正黑體" panose="020B0604030504040204" pitchFamily="34" charset="-120"/>
-                        </a:rPr>
-                        <a:t>適合即時處理</a:t>
-                      </a:r>
-                    </a:p>
-                  </a:txBody>
-                  <a:tcPr/>
-                </a:tc>
-                <a:tc>
-                  <a:txBody>
-                    <a:bodyPr/>
-                    <a:lstStyle/>
-                    <a:p>
-                      <a:r>
-                        <a:rPr lang="zh-TW" altLang="en-US" sz="2800" dirty="0">
-                          <a:latin typeface="微軟正黑體" panose="020B0604030504040204" pitchFamily="34" charset="-120"/>
-                          <a:ea typeface="微軟正黑體" panose="020B0604030504040204" pitchFamily="34" charset="-120"/>
-                        </a:rPr>
-                        <a:t>較快</a:t>
-                      </a:r>
-                    </a:p>
-                  </a:txBody>
-                  <a:tcPr/>
-                </a:tc>
-                <a:tc>
-                  <a:txBody>
-                    <a:bodyPr/>
-                    <a:lstStyle/>
-                    <a:p>
-                      <a:r>
-                        <a:rPr lang="zh-TW" altLang="en-US" sz="2800" dirty="0">
-                          <a:latin typeface="微軟正黑體" panose="020B0604030504040204" pitchFamily="34" charset="-120"/>
-                          <a:ea typeface="微軟正黑體" panose="020B0604030504040204" pitchFamily="34" charset="-120"/>
-                        </a:rPr>
-                        <a:t>偏慢，適合離線分析</a:t>
-                      </a:r>
-                    </a:p>
-                  </a:txBody>
-                  <a:tcPr/>
-                </a:tc>
-                <a:extLst>
-                  <a:ext uri="{0D108BD9-81ED-4DB2-BD59-A6C34878D82A}">
-                    <a16:rowId xmlns:a16="http://schemas.microsoft.com/office/drawing/2014/main" val="2241903163"/>
-                  </a:ext>
-                </a:extLst>
-              </a:tr>
-            </a:tbl>
-          </a:graphicData>
-        </a:graphic>
-      </p:graphicFrame>
+        </p:nvSpPr>
+        <p:spPr>
+          <a:xfrm>
+            <a:off x="838200" y="1466397"/>
+            <a:ext cx="10515600" cy="4351338"/>
+          </a:xfrm>
+        </p:spPr>
+        <p:txBody>
+          <a:bodyPr>
+            <a:normAutofit/>
+          </a:bodyPr>
+          <a:lstStyle/>
+          <a:p>
+            <a:pPr marL="514350" indent="-514350">
+              <a:buFont typeface="+mj-lt"/>
+              <a:buAutoNum type="arabicPeriod"/>
+            </a:pPr>
+            <a:r>
+              <a:rPr lang="zh-TW" altLang="en-US" sz="2400" b="1" dirty="0">
+                <a:latin typeface="微軟正黑體" panose="020B0604030504040204" pitchFamily="34" charset="-120"/>
+                <a:ea typeface="微軟正黑體" panose="020B0604030504040204" pitchFamily="34" charset="-120"/>
+              </a:rPr>
+              <a:t>雷達資料的點數太少，</a:t>
+            </a:r>
+            <a:r>
+              <a:rPr lang="en-US" altLang="zh-TW" sz="2400" b="1" dirty="0">
+                <a:latin typeface="微軟正黑體" panose="020B0604030504040204" pitchFamily="34" charset="-120"/>
+                <a:ea typeface="微軟正黑體" panose="020B0604030504040204" pitchFamily="34" charset="-120"/>
+              </a:rPr>
+              <a:t>HDBSCAN </a:t>
+            </a:r>
+            <a:r>
+              <a:rPr lang="zh-TW" altLang="en-US" sz="2400" b="1" dirty="0">
+                <a:latin typeface="微軟正黑體" panose="020B0604030504040204" pitchFamily="34" charset="-120"/>
+                <a:ea typeface="微軟正黑體" panose="020B0604030504040204" pitchFamily="34" charset="-120"/>
+              </a:rPr>
+              <a:t>層級切割過細</a:t>
+            </a:r>
+          </a:p>
+          <a:p>
+            <a:pPr>
+              <a:buFont typeface="Arial" panose="020B0604020202020204" pitchFamily="34" charset="0"/>
+              <a:buChar char="•"/>
+            </a:pPr>
+            <a:r>
+              <a:rPr lang="en-US" altLang="zh-TW" sz="2000" dirty="0">
+                <a:latin typeface="微軟正黑體" panose="020B0604030504040204" pitchFamily="34" charset="-120"/>
+                <a:ea typeface="微軟正黑體" panose="020B0604030504040204" pitchFamily="34" charset="-120"/>
+              </a:rPr>
+              <a:t>HDBSCAN </a:t>
+            </a:r>
+            <a:r>
+              <a:rPr lang="zh-TW" altLang="en-US" sz="2000" dirty="0">
+                <a:latin typeface="微軟正黑體" panose="020B0604030504040204" pitchFamily="34" charset="-120"/>
+                <a:ea typeface="微軟正黑體" panose="020B0604030504040204" pitchFamily="34" charset="-120"/>
+              </a:rPr>
+              <a:t>的優勢在於資料量大且密度分布不均時，能夠自動找出適當的分群結構</a:t>
+            </a:r>
+          </a:p>
+          <a:p>
+            <a:pPr>
+              <a:buFont typeface="Arial" panose="020B0604020202020204" pitchFamily="34" charset="0"/>
+              <a:buChar char="•"/>
+            </a:pPr>
+            <a:r>
+              <a:rPr lang="zh-TW" altLang="en-US" sz="2000" dirty="0">
+                <a:latin typeface="微軟正黑體" panose="020B0604030504040204" pitchFamily="34" charset="-120"/>
+                <a:ea typeface="微軟正黑體" panose="020B0604030504040204" pitchFamily="34" charset="-120"/>
+              </a:rPr>
+              <a:t>但經 </a:t>
+            </a:r>
+            <a:r>
+              <a:rPr lang="en-US" altLang="zh-TW" sz="2000" dirty="0">
+                <a:latin typeface="微軟正黑體" panose="020B0604030504040204" pitchFamily="34" charset="-120"/>
+                <a:ea typeface="微軟正黑體" panose="020B0604030504040204" pitchFamily="34" charset="-120"/>
+              </a:rPr>
+              <a:t>CFAR </a:t>
+            </a:r>
+            <a:r>
+              <a:rPr lang="zh-TW" altLang="en-US" sz="2000" dirty="0">
+                <a:latin typeface="微軟正黑體" panose="020B0604030504040204" pitchFamily="34" charset="-120"/>
+                <a:ea typeface="微軟正黑體" panose="020B0604030504040204" pitchFamily="34" charset="-120"/>
+              </a:rPr>
+              <a:t>處理後的雷達點數通常較少，難以形成明顯的密度層級，使得 </a:t>
+            </a:r>
+            <a:r>
+              <a:rPr lang="en-US" altLang="zh-TW" sz="2000" dirty="0">
+                <a:latin typeface="微軟正黑體" panose="020B0604030504040204" pitchFamily="34" charset="-120"/>
+                <a:ea typeface="微軟正黑體" panose="020B0604030504040204" pitchFamily="34" charset="-120"/>
+              </a:rPr>
+              <a:t>HDBSCAN </a:t>
+            </a:r>
+            <a:r>
+              <a:rPr lang="zh-TW" altLang="en-US" sz="2000" dirty="0">
+                <a:latin typeface="微軟正黑體" panose="020B0604030504040204" pitchFamily="34" charset="-120"/>
+                <a:ea typeface="微軟正黑體" panose="020B0604030504040204" pitchFamily="34" charset="-120"/>
+              </a:rPr>
+              <a:t>無法建立穩定的群，進而可能將點誤判為 </a:t>
+            </a:r>
+            <a:r>
+              <a:rPr lang="en-US" altLang="zh-TW" sz="2000" dirty="0">
+                <a:latin typeface="微軟正黑體" panose="020B0604030504040204" pitchFamily="34" charset="-120"/>
+                <a:ea typeface="微軟正黑體" panose="020B0604030504040204" pitchFamily="34" charset="-120"/>
+              </a:rPr>
+              <a:t>outlier</a:t>
+            </a:r>
+            <a:r>
+              <a:rPr lang="zh-TW" altLang="en-US" sz="2000" dirty="0">
+                <a:latin typeface="微軟正黑體" panose="020B0604030504040204" pitchFamily="34" charset="-120"/>
+                <a:ea typeface="微軟正黑體" panose="020B0604030504040204" pitchFamily="34" charset="-120"/>
+              </a:rPr>
+              <a:t>，或將同一目標過度</a:t>
+            </a:r>
+            <a:r>
+              <a:rPr lang="zh-TW" altLang="en-US" sz="2000" b="1" dirty="0">
+                <a:latin typeface="微軟正黑體" panose="020B0604030504040204" pitchFamily="34" charset="-120"/>
+                <a:ea typeface="微軟正黑體" panose="020B0604030504040204" pitchFamily="34" charset="-120"/>
+              </a:rPr>
+              <a:t>切割成多群，反而降低追蹤的準確性</a:t>
+            </a:r>
+            <a:r>
+              <a:rPr lang="zh-TW" altLang="en-US" sz="2000" dirty="0">
+                <a:latin typeface="微軟正黑體" panose="020B0604030504040204" pitchFamily="34" charset="-120"/>
+                <a:ea typeface="微軟正黑體" panose="020B0604030504040204" pitchFamily="34" charset="-120"/>
+              </a:rPr>
+              <a:t>。</a:t>
+            </a:r>
+            <a:r>
+              <a:rPr lang="en-US" altLang="zh-TW" sz="2000" dirty="0">
+                <a:latin typeface="微軟正黑體" panose="020B0604030504040204" pitchFamily="34" charset="-120"/>
+                <a:ea typeface="微軟正黑體" panose="020B0604030504040204" pitchFamily="34" charset="-120"/>
+              </a:rPr>
+              <a:t>(</a:t>
+            </a:r>
+            <a:r>
+              <a:rPr lang="zh-TW" altLang="en-US" sz="2000" dirty="0">
+                <a:latin typeface="微軟正黑體" panose="020B0604030504040204" pitchFamily="34" charset="-120"/>
+                <a:ea typeface="微軟正黑體" panose="020B0604030504040204" pitchFamily="34" charset="-120"/>
+              </a:rPr>
+              <a:t>如：</a:t>
+            </a:r>
+            <a:r>
+              <a:rPr lang="en-US" altLang="zh-TW" sz="2000" dirty="0">
+                <a:latin typeface="微軟正黑體" panose="020B0604030504040204" pitchFamily="34" charset="-120"/>
+                <a:ea typeface="微軟正黑體" panose="020B0604030504040204" pitchFamily="34" charset="-120"/>
+              </a:rPr>
+              <a:t>frame100)</a:t>
+            </a:r>
+            <a:endParaRPr lang="en-US" altLang="zh-TW" sz="2400" b="1" dirty="0">
+              <a:latin typeface="微軟正黑體" panose="020B0604030504040204" pitchFamily="34" charset="-120"/>
+              <a:ea typeface="微軟正黑體" panose="020B0604030504040204" pitchFamily="34" charset="-120"/>
+            </a:endParaRPr>
+          </a:p>
+          <a:p>
+            <a:pPr>
+              <a:buFont typeface="Arial" panose="020B0604020202020204" pitchFamily="34" charset="0"/>
+              <a:buChar char="•"/>
+            </a:pPr>
+            <a:endParaRPr lang="en-US" altLang="zh-TW" b="1" dirty="0">
+              <a:latin typeface="微軟正黑體" panose="020B0604030504040204" pitchFamily="34" charset="-120"/>
+              <a:ea typeface="微軟正黑體" panose="020B0604030504040204" pitchFamily="34" charset="-120"/>
+            </a:endParaRPr>
+          </a:p>
+          <a:p>
+            <a:endParaRPr lang="zh-TW" altLang="en-US" dirty="0">
+              <a:latin typeface="微軟正黑體" panose="020B0604030504040204" pitchFamily="34" charset="-120"/>
+              <a:ea typeface="微軟正黑體" panose="020B0604030504040204" pitchFamily="34" charset="-120"/>
+            </a:endParaRPr>
+          </a:p>
+        </p:txBody>
+      </p:sp>
       <p:sp>
         <p:nvSpPr>
           <p:cNvPr id="4" name="投影片編號版面配置區 3">
             <a:extLst>
               <a:ext uri="{FF2B5EF4-FFF2-40B4-BE49-F238E27FC236}">
-                <a16:creationId xmlns:a16="http://schemas.microsoft.com/office/drawing/2014/main" id="{AA6B541C-8615-719E-FC51-BFCCBCAFF94A}"/>
+                <a16:creationId xmlns:a16="http://schemas.microsoft.com/office/drawing/2014/main" id="{4CFAC20D-548F-0B18-3404-4B587723CA47}"/>
               </a:ext>
             </a:extLst>
           </p:cNvPr>
@@ -12533,10 +12376,129 @@
           </a:p>
         </p:txBody>
       </p:sp>
+      <p:pic>
+        <p:nvPicPr>
+          <p:cNvPr id="10" name="圖片 9">
+            <a:extLst>
+              <a:ext uri="{FF2B5EF4-FFF2-40B4-BE49-F238E27FC236}">
+                <a16:creationId xmlns:a16="http://schemas.microsoft.com/office/drawing/2014/main" id="{3967E54B-084D-DFD0-C93F-C69A4FC5B648}"/>
+              </a:ext>
+            </a:extLst>
+          </p:cNvPr>
+          <p:cNvPicPr>
+            <a:picLocks noChangeAspect="1"/>
+          </p:cNvPicPr>
+          <p:nvPr/>
+        </p:nvPicPr>
+        <p:blipFill>
+          <a:blip r:embed="rId2">
+            <a:extLst>
+              <a:ext uri="{28A0092B-C50C-407E-A947-70E740481C1C}">
+                <a14:useLocalDpi xmlns:a14="http://schemas.microsoft.com/office/drawing/2010/main" val="0"/>
+              </a:ext>
+            </a:extLst>
+          </a:blip>
+          <a:srcRect/>
+          <a:stretch/>
+        </p:blipFill>
+        <p:spPr>
+          <a:xfrm>
+            <a:off x="2379248" y="3316474"/>
+            <a:ext cx="7951295" cy="3176401"/>
+          </a:xfrm>
+          <a:prstGeom prst="rect">
+            <a:avLst/>
+          </a:prstGeom>
+        </p:spPr>
+      </p:pic>
+      <p:sp>
+        <p:nvSpPr>
+          <p:cNvPr id="5" name="文字方塊 4">
+            <a:extLst>
+              <a:ext uri="{FF2B5EF4-FFF2-40B4-BE49-F238E27FC236}">
+                <a16:creationId xmlns:a16="http://schemas.microsoft.com/office/drawing/2014/main" id="{4217E82B-1085-3EF5-08AC-9543FDD85077}"/>
+              </a:ext>
+            </a:extLst>
+          </p:cNvPr>
+          <p:cNvSpPr txBox="1"/>
+          <p:nvPr/>
+        </p:nvSpPr>
+        <p:spPr>
+          <a:xfrm>
+            <a:off x="1861456" y="6422509"/>
+            <a:ext cx="8871857" cy="369332"/>
+          </a:xfrm>
+          <a:prstGeom prst="rect">
+            <a:avLst/>
+          </a:prstGeom>
+          <a:noFill/>
+        </p:spPr>
+        <p:txBody>
+          <a:bodyPr wrap="square" rtlCol="0">
+            <a:spAutoFit/>
+          </a:bodyPr>
+          <a:lstStyle/>
+          <a:p>
+            <a:r>
+              <a:rPr lang="en-US" altLang="zh-TW" dirty="0">
+                <a:latin typeface="Times New Roman" panose="02020603050405020304" pitchFamily="18" charset="0"/>
+                <a:cs typeface="Times New Roman" panose="02020603050405020304" pitchFamily="18" charset="0"/>
+              </a:rPr>
+              <a:t>     HDBSCAN (</a:t>
+            </a:r>
+            <a:r>
+              <a:rPr lang="en-US" altLang="zh-TW" dirty="0" err="1">
+                <a:latin typeface="Times New Roman" panose="02020603050405020304" pitchFamily="18" charset="0"/>
+                <a:cs typeface="Times New Roman" panose="02020603050405020304" pitchFamily="18" charset="0"/>
+              </a:rPr>
+              <a:t>min_cluster_size</a:t>
+            </a:r>
+            <a:r>
+              <a:rPr lang="en-US" altLang="zh-TW" dirty="0">
+                <a:latin typeface="Times New Roman" panose="02020603050405020304" pitchFamily="18" charset="0"/>
+                <a:cs typeface="Times New Roman" panose="02020603050405020304" pitchFamily="18" charset="0"/>
+              </a:rPr>
+              <a:t>=3, </a:t>
+            </a:r>
+            <a:r>
+              <a:rPr lang="en-US" altLang="zh-TW" dirty="0" err="1">
+                <a:latin typeface="Times New Roman" panose="02020603050405020304" pitchFamily="18" charset="0"/>
+                <a:cs typeface="Times New Roman" panose="02020603050405020304" pitchFamily="18" charset="0"/>
+              </a:rPr>
+              <a:t>min_samples</a:t>
+            </a:r>
+            <a:r>
+              <a:rPr lang="en-US" altLang="zh-TW" dirty="0">
+                <a:latin typeface="Times New Roman" panose="02020603050405020304" pitchFamily="18" charset="0"/>
+                <a:cs typeface="Times New Roman" panose="02020603050405020304" pitchFamily="18" charset="0"/>
+              </a:rPr>
+              <a:t>=2)      DBSCAN (eps=1.5, </a:t>
+            </a:r>
+            <a:r>
+              <a:rPr lang="en-US" altLang="zh-TW" dirty="0" err="1">
+                <a:latin typeface="Times New Roman" panose="02020603050405020304" pitchFamily="18" charset="0"/>
+                <a:cs typeface="Times New Roman" panose="02020603050405020304" pitchFamily="18" charset="0"/>
+              </a:rPr>
+              <a:t>min_samples</a:t>
+            </a:r>
+            <a:r>
+              <a:rPr lang="en-US" altLang="zh-TW" dirty="0">
+                <a:latin typeface="Times New Roman" panose="02020603050405020304" pitchFamily="18" charset="0"/>
+                <a:cs typeface="Times New Roman" panose="02020603050405020304" pitchFamily="18" charset="0"/>
+              </a:rPr>
+              <a:t>=2)</a:t>
+            </a:r>
+            <a:endParaRPr lang="zh-TW" altLang="en-US" dirty="0">
+              <a:latin typeface="Times New Roman" panose="02020603050405020304" pitchFamily="18" charset="0"/>
+              <a:cs typeface="Times New Roman" panose="02020603050405020304" pitchFamily="18" charset="0"/>
+            </a:endParaRPr>
+          </a:p>
+        </p:txBody>
+      </p:sp>
     </p:spTree>
     <p:extLst>
       <p:ext uri="{BB962C8B-B14F-4D97-AF65-F5344CB8AC3E}">
-        <p14:creationId xmlns:p14="http://schemas.microsoft.com/office/powerpoint/2010/main" val="1846977144"/>
+        <p14:creationId xmlns:p14="http://schemas.microsoft.com/office/powerpoint/2010/main" val="515174317"/>
       </p:ext>
     </p:extLst>
   </p:cSld>
@@ -12610,7 +12572,7 @@
                 <a:latin typeface="微軟正黑體" panose="020B0604030504040204" pitchFamily="34" charset="-120"/>
                 <a:ea typeface="微軟正黑體" panose="020B0604030504040204" pitchFamily="34" charset="-120"/>
               </a:rPr>
-              <a:t>(1)</a:t>
+              <a:t>(2)</a:t>
             </a:r>
             <a:endParaRPr lang="zh-TW" altLang="en-US" dirty="0">
               <a:latin typeface="微軟正黑體" panose="020B0604030504040204" pitchFamily="34" charset="-120"/>
@@ -12635,7 +12597,12 @@
             <p:ph idx="1"/>
           </p:nvPr>
         </p:nvSpPr>
-        <p:spPr/>
+        <p:spPr>
+          <a:xfrm>
+            <a:off x="838200" y="1466397"/>
+            <a:ext cx="10515600" cy="4351338"/>
+          </a:xfrm>
+        </p:spPr>
         <p:txBody>
           <a:bodyPr>
             <a:normAutofit/>
@@ -12644,29 +12611,91 @@
           <a:p>
             <a:pPr marL="514350" indent="-514350">
               <a:buFont typeface="+mj-lt"/>
-              <a:buAutoNum type="arabicPeriod"/>
+              <a:buAutoNum type="arabicPeriod" startAt="2"/>
             </a:pPr>
             <a:r>
               <a:rPr lang="zh-TW" altLang="en-US" sz="2400" b="1" dirty="0">
                 <a:latin typeface="微軟正黑體" panose="020B0604030504040204" pitchFamily="34" charset="-120"/>
                 <a:ea typeface="微軟正黑體" panose="020B0604030504040204" pitchFamily="34" charset="-120"/>
               </a:rPr>
-              <a:t>雷達資料的點數太少，</a:t>
-            </a:r>
-            <a:r>
-              <a:rPr lang="en-US" altLang="zh-TW" sz="2400" b="1" dirty="0">
+              <a:t>距離分佈太平均，無法產生稠密核心點</a:t>
+            </a:r>
+          </a:p>
+          <a:p>
+            <a:r>
+              <a:rPr lang="en-US" altLang="zh-TW" sz="2000" dirty="0">
                 <a:latin typeface="微軟正黑體" panose="020B0604030504040204" pitchFamily="34" charset="-120"/>
                 <a:ea typeface="微軟正黑體" panose="020B0604030504040204" pitchFamily="34" charset="-120"/>
               </a:rPr>
               <a:t>HDBSCAN </a:t>
             </a:r>
             <a:r>
-              <a:rPr lang="zh-TW" altLang="en-US" sz="2400" b="1" dirty="0">
-                <a:latin typeface="微軟正黑體" panose="020B0604030504040204" pitchFamily="34" charset="-120"/>
-                <a:ea typeface="微軟正黑體" panose="020B0604030504040204" pitchFamily="34" charset="-120"/>
-              </a:rPr>
-              <a:t>層級切割過細</a:t>
-            </a:r>
+              <a:rPr lang="zh-TW" altLang="en-US" sz="2000" dirty="0">
+                <a:latin typeface="微軟正黑體" panose="020B0604030504040204" pitchFamily="34" charset="-120"/>
+                <a:ea typeface="微軟正黑體" panose="020B0604030504040204" pitchFamily="34" charset="-120"/>
+              </a:rPr>
+              <a:t>會將密度較高、點位集中區域辨識為一個 </a:t>
+            </a:r>
+            <a:r>
+              <a:rPr lang="en-US" altLang="zh-TW" sz="2000" dirty="0">
+                <a:latin typeface="微軟正黑體" panose="020B0604030504040204" pitchFamily="34" charset="-120"/>
+                <a:ea typeface="微軟正黑體" panose="020B0604030504040204" pitchFamily="34" charset="-120"/>
+              </a:rPr>
+              <a:t>cluster</a:t>
+            </a:r>
+            <a:r>
+              <a:rPr lang="zh-TW" altLang="en-US" sz="2000" dirty="0">
+                <a:latin typeface="微軟正黑體" panose="020B0604030504040204" pitchFamily="34" charset="-120"/>
+                <a:ea typeface="微軟正黑體" panose="020B0604030504040204" pitchFamily="34" charset="-120"/>
+              </a:rPr>
+              <a:t>，但若幾個點之間距離雖近、密度分布卻太平均，</a:t>
+            </a:r>
+            <a:r>
+              <a:rPr lang="en-US" altLang="zh-TW" sz="2000" dirty="0">
+                <a:latin typeface="微軟正黑體" panose="020B0604030504040204" pitchFamily="34" charset="-120"/>
+                <a:ea typeface="微軟正黑體" panose="020B0604030504040204" pitchFamily="34" charset="-120"/>
+              </a:rPr>
+              <a:t>HDBSCAN </a:t>
+            </a:r>
+            <a:r>
+              <a:rPr lang="zh-TW" altLang="en-US" sz="2000" dirty="0">
+                <a:latin typeface="微軟正黑體" panose="020B0604030504040204" pitchFamily="34" charset="-120"/>
+                <a:ea typeface="微軟正黑體" panose="020B0604030504040204" pitchFamily="34" charset="-120"/>
+              </a:rPr>
+              <a:t>可能會判斷整棵分群樹都是「模糊、不明顯的密度變化」，導致整群點都無法成為穩定群集，最終將這些點全部視為 </a:t>
+            </a:r>
+            <a:r>
+              <a:rPr lang="en-US" altLang="zh-TW" sz="2000" dirty="0">
+                <a:latin typeface="微軟正黑體" panose="020B0604030504040204" pitchFamily="34" charset="-120"/>
+                <a:ea typeface="微軟正黑體" panose="020B0604030504040204" pitchFamily="34" charset="-120"/>
+              </a:rPr>
+              <a:t>noise</a:t>
+            </a:r>
+            <a:r>
+              <a:rPr lang="zh-TW" altLang="en-US" sz="2000" dirty="0">
+                <a:latin typeface="微軟正黑體" panose="020B0604030504040204" pitchFamily="34" charset="-120"/>
+                <a:ea typeface="微軟正黑體" panose="020B0604030504040204" pitchFamily="34" charset="-120"/>
+              </a:rPr>
+              <a:t>（如：</a:t>
+            </a:r>
+            <a:r>
+              <a:rPr lang="en-US" altLang="zh-TW" sz="2000" dirty="0">
+                <a:latin typeface="微軟正黑體" panose="020B0604030504040204" pitchFamily="34" charset="-120"/>
+                <a:ea typeface="微軟正黑體" panose="020B0604030504040204" pitchFamily="34" charset="-120"/>
+              </a:rPr>
+              <a:t>frame0</a:t>
+            </a:r>
+            <a:r>
+              <a:rPr lang="zh-TW" altLang="en-US" sz="2000" dirty="0">
+                <a:latin typeface="微軟正黑體" panose="020B0604030504040204" pitchFamily="34" charset="-120"/>
+                <a:ea typeface="微軟正黑體" panose="020B0604030504040204" pitchFamily="34" charset="-120"/>
+              </a:rPr>
+              <a:t>）。</a:t>
+            </a:r>
+            <a:endParaRPr lang="en-US" altLang="zh-TW" sz="2000" dirty="0">
+              <a:latin typeface="微軟正黑體" panose="020B0604030504040204" pitchFamily="34" charset="-120"/>
+              <a:ea typeface="微軟正黑體" panose="020B0604030504040204" pitchFamily="34" charset="-120"/>
+            </a:endParaRPr>
           </a:p>
           <a:p>
             <a:pPr>
@@ -12674,111 +12703,64 @@
               <a:buChar char="•"/>
             </a:pPr>
             <a:r>
-              <a:rPr lang="en-US" altLang="zh-TW" sz="2000" dirty="0">
-                <a:latin typeface="微軟正黑體" panose="020B0604030504040204" pitchFamily="34" charset="-120"/>
-                <a:ea typeface="微軟正黑體" panose="020B0604030504040204" pitchFamily="34" charset="-120"/>
-              </a:rPr>
-              <a:t>HDBSCAN </a:t>
-            </a:r>
-            <a:r>
-              <a:rPr lang="zh-TW" altLang="en-US" sz="2000" dirty="0">
-                <a:latin typeface="微軟正黑體" panose="020B0604030504040204" pitchFamily="34" charset="-120"/>
-                <a:ea typeface="微軟正黑體" panose="020B0604030504040204" pitchFamily="34" charset="-120"/>
-              </a:rPr>
-              <a:t>的好處是能在資料量大、分布不均的場景下，自動偵測</a:t>
-            </a:r>
-            <a:r>
-              <a:rPr lang="en-US" altLang="zh-TW" sz="2000" dirty="0">
-                <a:latin typeface="微軟正黑體" panose="020B0604030504040204" pitchFamily="34" charset="-120"/>
-                <a:ea typeface="微軟正黑體" panose="020B0604030504040204" pitchFamily="34" charset="-120"/>
-              </a:rPr>
-              <a:t>optimal clustering</a:t>
-            </a:r>
-            <a:r>
-              <a:rPr lang="zh-TW" altLang="en-US" sz="2000" dirty="0">
-                <a:latin typeface="微軟正黑體" panose="020B0604030504040204" pitchFamily="34" charset="-120"/>
-                <a:ea typeface="微軟正黑體" panose="020B0604030504040204" pitchFamily="34" charset="-120"/>
-              </a:rPr>
-              <a:t>。</a:t>
-            </a:r>
-          </a:p>
-          <a:p>
-            <a:pPr>
-              <a:buFont typeface="Arial" panose="020B0604020202020204" pitchFamily="34" charset="0"/>
-              <a:buChar char="•"/>
-            </a:pPr>
-            <a:r>
-              <a:rPr lang="zh-TW" altLang="en-US" sz="2000" dirty="0">
-                <a:latin typeface="微軟正黑體" panose="020B0604030504040204" pitchFamily="34" charset="-120"/>
-                <a:ea typeface="微軟正黑體" panose="020B0604030504040204" pitchFamily="34" charset="-120"/>
-              </a:rPr>
-              <a:t>但雷達資料經 </a:t>
-            </a:r>
-            <a:r>
-              <a:rPr lang="en-US" altLang="zh-TW" sz="2000" dirty="0">
-                <a:latin typeface="微軟正黑體" panose="020B0604030504040204" pitchFamily="34" charset="-120"/>
-                <a:ea typeface="微軟正黑體" panose="020B0604030504040204" pitchFamily="34" charset="-120"/>
-              </a:rPr>
-              <a:t>CFAR </a:t>
-            </a:r>
-            <a:r>
-              <a:rPr lang="zh-TW" altLang="en-US" sz="2000" dirty="0">
-                <a:latin typeface="微軟正黑體" panose="020B0604030504040204" pitchFamily="34" charset="-120"/>
-                <a:ea typeface="微軟正黑體" panose="020B0604030504040204" pitchFamily="34" charset="-120"/>
-              </a:rPr>
-              <a:t>處理後點數偏少，不足以發揮 </a:t>
-            </a:r>
-            <a:r>
-              <a:rPr lang="en-US" altLang="zh-TW" sz="2000" dirty="0">
-                <a:latin typeface="微軟正黑體" panose="020B0604030504040204" pitchFamily="34" charset="-120"/>
-                <a:ea typeface="微軟正黑體" panose="020B0604030504040204" pitchFamily="34" charset="-120"/>
-              </a:rPr>
-              <a:t>HDBSCAN </a:t>
-            </a:r>
-            <a:r>
-              <a:rPr lang="zh-TW" altLang="en-US" sz="2000" dirty="0">
-                <a:latin typeface="微軟正黑體" panose="020B0604030504040204" pitchFamily="34" charset="-120"/>
-                <a:ea typeface="微軟正黑體" panose="020B0604030504040204" pitchFamily="34" charset="-120"/>
-              </a:rPr>
-              <a:t>的層級化優勢，這樣會讓 </a:t>
-            </a:r>
-            <a:r>
-              <a:rPr lang="en-US" altLang="zh-TW" sz="2000" dirty="0">
-                <a:latin typeface="微軟正黑體" panose="020B0604030504040204" pitchFamily="34" charset="-120"/>
-                <a:ea typeface="微軟正黑體" panose="020B0604030504040204" pitchFamily="34" charset="-120"/>
-              </a:rPr>
-              <a:t>HDBSCAN </a:t>
-            </a:r>
-            <a:r>
-              <a:rPr lang="zh-TW" altLang="en-US" sz="2000" dirty="0">
-                <a:latin typeface="微軟正黑體" panose="020B0604030504040204" pitchFamily="34" charset="-120"/>
-                <a:ea typeface="微軟正黑體" panose="020B0604030504040204" pitchFamily="34" charset="-120"/>
-              </a:rPr>
-              <a:t>無法發揮優勢，還可能因為點太少而錯誤判定為 </a:t>
-            </a:r>
-            <a:r>
-              <a:rPr lang="en-US" altLang="zh-TW" sz="2000" dirty="0">
-                <a:latin typeface="微軟正黑體" panose="020B0604030504040204" pitchFamily="34" charset="-120"/>
-                <a:ea typeface="微軟正黑體" panose="020B0604030504040204" pitchFamily="34" charset="-120"/>
-              </a:rPr>
-              <a:t>outlier</a:t>
-            </a:r>
-            <a:r>
-              <a:rPr lang="zh-TW" altLang="en-US" sz="2000" dirty="0">
-                <a:latin typeface="微軟正黑體" panose="020B0604030504040204" pitchFamily="34" charset="-120"/>
-                <a:ea typeface="微軟正黑體" panose="020B0604030504040204" pitchFamily="34" charset="-120"/>
-              </a:rPr>
-              <a:t>或分群錯誤。</a:t>
-            </a:r>
-            <a:endParaRPr lang="en-US" altLang="zh-TW" sz="2400" b="1" dirty="0">
+              <a:rPr lang="zh-TW" altLang="en-US" sz="2000" b="1" dirty="0">
+                <a:latin typeface="微軟正黑體" panose="020B0604030504040204" pitchFamily="34" charset="-120"/>
+                <a:ea typeface="微軟正黑體" panose="020B0604030504040204" pitchFamily="34" charset="-120"/>
+              </a:rPr>
+              <a:t>相較之下，</a:t>
+            </a:r>
+            <a:r>
+              <a:rPr lang="en-US" altLang="zh-TW" sz="2000" b="1" dirty="0">
+                <a:latin typeface="微軟正黑體" panose="020B0604030504040204" pitchFamily="34" charset="-120"/>
+                <a:ea typeface="微軟正黑體" panose="020B0604030504040204" pitchFamily="34" charset="-120"/>
+              </a:rPr>
+              <a:t>DBSCAN </a:t>
+            </a:r>
+            <a:r>
+              <a:rPr lang="zh-TW" altLang="en-US" sz="2000" b="1" dirty="0">
+                <a:latin typeface="微軟正黑體" panose="020B0604030504040204" pitchFamily="34" charset="-120"/>
+                <a:ea typeface="微軟正黑體" panose="020B0604030504040204" pitchFamily="34" charset="-120"/>
+              </a:rPr>
+              <a:t>的條件較寬鬆，只要在半徑內有 </a:t>
+            </a:r>
+            <a:r>
+              <a:rPr lang="en-US" altLang="zh-TW" sz="2000" b="1" dirty="0" err="1">
+                <a:latin typeface="微軟正黑體" panose="020B0604030504040204" pitchFamily="34" charset="-120"/>
+                <a:ea typeface="微軟正黑體" panose="020B0604030504040204" pitchFamily="34" charset="-120"/>
+              </a:rPr>
+              <a:t>min_samples</a:t>
+            </a:r>
+            <a:r>
+              <a:rPr lang="en-US" altLang="zh-TW" sz="2000" b="1" dirty="0">
+                <a:latin typeface="微軟正黑體" panose="020B0604030504040204" pitchFamily="34" charset="-120"/>
+                <a:ea typeface="微軟正黑體" panose="020B0604030504040204" pitchFamily="34" charset="-120"/>
+              </a:rPr>
+              <a:t> </a:t>
+            </a:r>
+            <a:r>
+              <a:rPr lang="zh-TW" altLang="en-US" sz="2000" b="1" dirty="0">
+                <a:latin typeface="微軟正黑體" panose="020B0604030504040204" pitchFamily="34" charset="-120"/>
+                <a:ea typeface="微軟正黑體" panose="020B0604030504040204" pitchFamily="34" charset="-120"/>
+              </a:rPr>
+              <a:t>個點，就能形成一群。</a:t>
+            </a:r>
+            <a:endParaRPr lang="en-US" altLang="zh-TW" sz="2000" b="1" dirty="0">
               <a:latin typeface="微軟正黑體" panose="020B0604030504040204" pitchFamily="34" charset="-120"/>
               <a:ea typeface="微軟正黑體" panose="020B0604030504040204" pitchFamily="34" charset="-120"/>
             </a:endParaRPr>
           </a:p>
           <a:p>
-            <a:pPr>
-              <a:buFont typeface="Arial" panose="020B0604020202020204" pitchFamily="34" charset="0"/>
-              <a:buChar char="•"/>
+            <a:pPr marL="0" indent="0">
+              <a:buNone/>
+            </a:pPr>
+            <a:endParaRPr lang="en-US" altLang="zh-TW" sz="2000" b="1" dirty="0">
+              <a:latin typeface="微軟正黑體" panose="020B0604030504040204" pitchFamily="34" charset="-120"/>
+              <a:ea typeface="微軟正黑體" panose="020B0604030504040204" pitchFamily="34" charset="-120"/>
+            </a:endParaRPr>
+          </a:p>
+          <a:p>
+            <a:pPr marL="0" indent="0">
+              <a:buNone/>
             </a:pPr>
             <a:endParaRPr lang="en-US" altLang="zh-TW" b="1" dirty="0">
               <a:latin typeface="微軟正黑體" panose="020B0604030504040204" pitchFamily="34" charset="-120"/>
@@ -12825,10 +12807,10 @@
       </p:sp>
       <p:pic>
         <p:nvPicPr>
-          <p:cNvPr id="10" name="圖片 9">
-            <a:extLst>
-              <a:ext uri="{FF2B5EF4-FFF2-40B4-BE49-F238E27FC236}">
-                <a16:creationId xmlns:a16="http://schemas.microsoft.com/office/drawing/2014/main" id="{3967E54B-084D-DFD0-C93F-C69A4FC5B648}"/>
+          <p:cNvPr id="8" name="圖片 7">
+            <a:extLst>
+              <a:ext uri="{FF2B5EF4-FFF2-40B4-BE49-F238E27FC236}">
+                <a16:creationId xmlns:a16="http://schemas.microsoft.com/office/drawing/2014/main" id="{E7A654AB-BF70-27CC-C5E2-FE5E69D2882D}"/>
               </a:ext>
             </a:extLst>
           </p:cNvPr>
@@ -12845,23 +12827,108 @@
               </a:ext>
             </a:extLst>
           </a:blip>
-          <a:srcRect/>
-          <a:stretch/>
+          <a:stretch>
+            <a:fillRect/>
+          </a:stretch>
         </p:blipFill>
         <p:spPr>
           <a:xfrm>
-            <a:off x="2368362" y="3792690"/>
-            <a:ext cx="7302875" cy="2917369"/>
+            <a:off x="2764972" y="3345421"/>
+            <a:ext cx="7817649" cy="3147454"/>
           </a:xfrm>
           <a:prstGeom prst="rect">
             <a:avLst/>
           </a:prstGeom>
         </p:spPr>
       </p:pic>
+      <p:sp>
+        <p:nvSpPr>
+          <p:cNvPr id="5" name="文字方塊 4">
+            <a:extLst>
+              <a:ext uri="{FF2B5EF4-FFF2-40B4-BE49-F238E27FC236}">
+                <a16:creationId xmlns:a16="http://schemas.microsoft.com/office/drawing/2014/main" id="{9B28EBDA-A39F-5AB7-F2C2-069A2C8AE60B}"/>
+              </a:ext>
+            </a:extLst>
+          </p:cNvPr>
+          <p:cNvSpPr txBox="1"/>
+          <p:nvPr/>
+        </p:nvSpPr>
+        <p:spPr>
+          <a:xfrm>
+            <a:off x="1861456" y="6422509"/>
+            <a:ext cx="8871857" cy="369332"/>
+          </a:xfrm>
+          <a:prstGeom prst="rect">
+            <a:avLst/>
+          </a:prstGeom>
+          <a:noFill/>
+        </p:spPr>
+        <p:txBody>
+          <a:bodyPr wrap="square" rtlCol="0">
+            <a:spAutoFit/>
+          </a:bodyPr>
+          <a:lstStyle/>
+          <a:p>
+            <a:r>
+              <a:rPr lang="en-US" altLang="zh-TW" dirty="0">
+                <a:latin typeface="Times New Roman" panose="02020603050405020304" pitchFamily="18" charset="0"/>
+                <a:cs typeface="Times New Roman" panose="02020603050405020304" pitchFamily="18" charset="0"/>
+              </a:rPr>
+              <a:t>     HDBSCAN (</a:t>
+            </a:r>
+            <a:r>
+              <a:rPr lang="en-US" altLang="zh-TW" dirty="0" err="1">
+                <a:latin typeface="Times New Roman" panose="02020603050405020304" pitchFamily="18" charset="0"/>
+                <a:cs typeface="Times New Roman" panose="02020603050405020304" pitchFamily="18" charset="0"/>
+              </a:rPr>
+              <a:t>min_cluster_size</a:t>
+            </a:r>
+            <a:r>
+              <a:rPr lang="en-US" altLang="zh-TW" dirty="0">
+                <a:latin typeface="Times New Roman" panose="02020603050405020304" pitchFamily="18" charset="0"/>
+                <a:cs typeface="Times New Roman" panose="02020603050405020304" pitchFamily="18" charset="0"/>
+              </a:rPr>
+              <a:t>=3, </a:t>
+            </a:r>
+            <a:r>
+              <a:rPr lang="en-US" altLang="zh-TW" dirty="0" err="1">
+                <a:latin typeface="Times New Roman" panose="02020603050405020304" pitchFamily="18" charset="0"/>
+                <a:cs typeface="Times New Roman" panose="02020603050405020304" pitchFamily="18" charset="0"/>
+              </a:rPr>
+              <a:t>min_samples</a:t>
+            </a:r>
+            <a:r>
+              <a:rPr lang="en-US" altLang="zh-TW" dirty="0">
+                <a:latin typeface="Times New Roman" panose="02020603050405020304" pitchFamily="18" charset="0"/>
+                <a:cs typeface="Times New Roman" panose="02020603050405020304" pitchFamily="18" charset="0"/>
+              </a:rPr>
+              <a:t>=2)      DBSCAN (eps=1.5, </a:t>
+            </a:r>
+            <a:r>
+              <a:rPr lang="en-US" altLang="zh-TW" dirty="0" err="1">
+                <a:latin typeface="Times New Roman" panose="02020603050405020304" pitchFamily="18" charset="0"/>
+                <a:cs typeface="Times New Roman" panose="02020603050405020304" pitchFamily="18" charset="0"/>
+              </a:rPr>
+              <a:t>min_samples</a:t>
+            </a:r>
+            <a:r>
+              <a:rPr lang="en-US" altLang="zh-TW" dirty="0">
+                <a:latin typeface="Times New Roman" panose="02020603050405020304" pitchFamily="18" charset="0"/>
+                <a:cs typeface="Times New Roman" panose="02020603050405020304" pitchFamily="18" charset="0"/>
+              </a:rPr>
+              <a:t>=2)</a:t>
+            </a:r>
+            <a:endParaRPr lang="zh-TW" altLang="en-US" dirty="0">
+              <a:latin typeface="Times New Roman" panose="02020603050405020304" pitchFamily="18" charset="0"/>
+              <a:cs typeface="Times New Roman" panose="02020603050405020304" pitchFamily="18" charset="0"/>
+            </a:endParaRPr>
+          </a:p>
+        </p:txBody>
+      </p:sp>
     </p:spTree>
     <p:extLst>
       <p:ext uri="{BB962C8B-B14F-4D97-AF65-F5344CB8AC3E}">
-        <p14:creationId xmlns:p14="http://schemas.microsoft.com/office/powerpoint/2010/main" val="515174317"/>
+        <p14:creationId xmlns:p14="http://schemas.microsoft.com/office/powerpoint/2010/main" val="806534664"/>
       </p:ext>
     </p:extLst>
   </p:cSld>
@@ -12893,7 +12960,7 @@
           <p:cNvPr id="2" name="標題 1">
             <a:extLst>
               <a:ext uri="{FF2B5EF4-FFF2-40B4-BE49-F238E27FC236}">
-                <a16:creationId xmlns:a16="http://schemas.microsoft.com/office/drawing/2014/main" id="{1E99EDE8-5156-5AEC-7ABE-6C2D32A80DED}"/>
+                <a16:creationId xmlns:a16="http://schemas.microsoft.com/office/drawing/2014/main" id="{D0DF651B-EFE6-F48E-838C-A703A0C02AC0}"/>
               </a:ext>
             </a:extLst>
           </p:cNvPr>
@@ -12914,199 +12981,185 @@
                 <a:latin typeface="微軟正黑體" panose="020B0604030504040204" pitchFamily="34" charset="-120"/>
                 <a:ea typeface="微軟正黑體" panose="020B0604030504040204" pitchFamily="34" charset="-120"/>
               </a:rPr>
-              <a:t>改用</a:t>
-            </a:r>
-            <a:r>
-              <a:rPr lang="en-US" altLang="zh-TW" dirty="0">
-                <a:latin typeface="微軟正黑體" panose="020B0604030504040204" pitchFamily="34" charset="-120"/>
-                <a:ea typeface="微軟正黑體" panose="020B0604030504040204" pitchFamily="34" charset="-120"/>
-              </a:rPr>
-              <a:t>DBSCAN</a:t>
-            </a:r>
-            <a:r>
-              <a:rPr lang="zh-TW" altLang="en-US" dirty="0">
-                <a:latin typeface="微軟正黑體" panose="020B0604030504040204" pitchFamily="34" charset="-120"/>
-                <a:ea typeface="微軟正黑體" panose="020B0604030504040204" pitchFamily="34" charset="-120"/>
-              </a:rPr>
-              <a:t>理由</a:t>
-            </a:r>
-            <a:r>
-              <a:rPr lang="en-US" altLang="zh-TW" dirty="0">
-                <a:latin typeface="微軟正黑體" panose="020B0604030504040204" pitchFamily="34" charset="-120"/>
-                <a:ea typeface="微軟正黑體" panose="020B0604030504040204" pitchFamily="34" charset="-120"/>
-              </a:rPr>
-              <a:t>(2)</a:t>
-            </a:r>
-            <a:endParaRPr lang="zh-TW" altLang="en-US" dirty="0">
-              <a:latin typeface="微軟正黑體" panose="020B0604030504040204" pitchFamily="34" charset="-120"/>
-              <a:ea typeface="微軟正黑體" panose="020B0604030504040204" pitchFamily="34" charset="-120"/>
-            </a:endParaRPr>
+              <a:t>結論</a:t>
+            </a:r>
           </a:p>
         </p:txBody>
       </p:sp>
-      <p:sp>
-        <p:nvSpPr>
-          <p:cNvPr id="3" name="內容版面配置區 2">
-            <a:extLst>
-              <a:ext uri="{FF2B5EF4-FFF2-40B4-BE49-F238E27FC236}">
-                <a16:creationId xmlns:a16="http://schemas.microsoft.com/office/drawing/2014/main" id="{3EF36E63-043A-C107-F35A-FBDA841F4B94}"/>
-              </a:ext>
-            </a:extLst>
-          </p:cNvPr>
-          <p:cNvSpPr>
-            <a:spLocks noGrp="1"/>
-          </p:cNvSpPr>
+      <p:graphicFrame>
+        <p:nvGraphicFramePr>
+          <p:cNvPr id="5" name="內容版面配置區 4">
+            <a:extLst>
+              <a:ext uri="{FF2B5EF4-FFF2-40B4-BE49-F238E27FC236}">
+                <a16:creationId xmlns:a16="http://schemas.microsoft.com/office/drawing/2014/main" id="{CB364AF1-85F0-9C3F-8BED-7727A60D9135}"/>
+              </a:ext>
+            </a:extLst>
+          </p:cNvPr>
+          <p:cNvGraphicFramePr>
+            <a:graphicFrameLocks noGrp="1"/>
+          </p:cNvGraphicFramePr>
           <p:nvPr>
             <p:ph idx="1"/>
+            <p:extLst>
+              <p:ext uri="{D42A27DB-BD31-4B8C-83A1-F6EECF244321}">
+                <p14:modId xmlns:p14="http://schemas.microsoft.com/office/powerpoint/2010/main" val="4216576873"/>
+              </p:ext>
+            </p:extLst>
           </p:nvPr>
-        </p:nvSpPr>
-        <p:spPr/>
-        <p:txBody>
-          <a:bodyPr>
-            <a:normAutofit/>
-          </a:bodyPr>
-          <a:lstStyle/>
-          <a:p>
-            <a:pPr marL="514350" indent="-514350">
-              <a:buFont typeface="+mj-lt"/>
-              <a:buAutoNum type="arabicPeriod" startAt="2"/>
-            </a:pPr>
-            <a:r>
-              <a:rPr lang="zh-TW" altLang="en-US" sz="2400" b="1" dirty="0">
-                <a:latin typeface="微軟正黑體" panose="020B0604030504040204" pitchFamily="34" charset="-120"/>
-                <a:ea typeface="微軟正黑體" panose="020B0604030504040204" pitchFamily="34" charset="-120"/>
-              </a:rPr>
-              <a:t>距離分佈太平均，無法產生稠密核心點</a:t>
-            </a:r>
-          </a:p>
-          <a:p>
-            <a:r>
-              <a:rPr lang="en-US" altLang="zh-TW" sz="2000" dirty="0">
-                <a:latin typeface="微軟正黑體" panose="020B0604030504040204" pitchFamily="34" charset="-120"/>
-                <a:ea typeface="微軟正黑體" panose="020B0604030504040204" pitchFamily="34" charset="-120"/>
-              </a:rPr>
-              <a:t>HDBSCAN </a:t>
-            </a:r>
-            <a:r>
-              <a:rPr lang="zh-TW" altLang="en-US" sz="2000" dirty="0">
-                <a:latin typeface="微軟正黑體" panose="020B0604030504040204" pitchFamily="34" charset="-120"/>
-                <a:ea typeface="微軟正黑體" panose="020B0604030504040204" pitchFamily="34" charset="-120"/>
-              </a:rPr>
-              <a:t>是基於「密度可達度」與「核心距離」做圖形結構的（</a:t>
-            </a:r>
-            <a:r>
-              <a:rPr lang="en-US" altLang="zh-TW" sz="2000" dirty="0">
-                <a:latin typeface="微軟正黑體" panose="020B0604030504040204" pitchFamily="34" charset="-120"/>
-                <a:ea typeface="微軟正黑體" panose="020B0604030504040204" pitchFamily="34" charset="-120"/>
-              </a:rPr>
-              <a:t>Minimum Spanning Tree</a:t>
-            </a:r>
-            <a:r>
-              <a:rPr lang="zh-TW" altLang="en-US" sz="2000" dirty="0">
-                <a:latin typeface="微軟正黑體" panose="020B0604030504040204" pitchFamily="34" charset="-120"/>
-                <a:ea typeface="微軟正黑體" panose="020B0604030504040204" pitchFamily="34" charset="-120"/>
-              </a:rPr>
-              <a:t>），如果這幾個點的間距太一致，它會判斷「沒有人是核心點」，整體就無法組成一群。</a:t>
-            </a:r>
-            <a:r>
-              <a:rPr lang="en-US" altLang="zh-TW" sz="2000" dirty="0">
-                <a:latin typeface="微軟正黑體" panose="020B0604030504040204" pitchFamily="34" charset="-120"/>
-                <a:ea typeface="微軟正黑體" panose="020B0604030504040204" pitchFamily="34" charset="-120"/>
-              </a:rPr>
-              <a:t>(Ex: frame0)</a:t>
-            </a:r>
-          </a:p>
-          <a:p>
-            <a:pPr>
-              <a:buFont typeface="Arial" panose="020B0604020202020204" pitchFamily="34" charset="0"/>
-              <a:buChar char="•"/>
-            </a:pPr>
-            <a:r>
-              <a:rPr lang="zh-TW" altLang="en-US" sz="2000" dirty="0">
-                <a:latin typeface="微軟正黑體" panose="020B0604030504040204" pitchFamily="34" charset="-120"/>
-                <a:ea typeface="微軟正黑體" panose="020B0604030504040204" pitchFamily="34" charset="-120"/>
-              </a:rPr>
-              <a:t>相較之下 </a:t>
-            </a:r>
-            <a:r>
-              <a:rPr lang="en-US" altLang="zh-TW" sz="2000" dirty="0">
-                <a:latin typeface="微軟正黑體" panose="020B0604030504040204" pitchFamily="34" charset="-120"/>
-                <a:ea typeface="微軟正黑體" panose="020B0604030504040204" pitchFamily="34" charset="-120"/>
-              </a:rPr>
-              <a:t>DBSCAN </a:t>
-            </a:r>
-            <a:r>
-              <a:rPr lang="zh-TW" altLang="en-US" sz="2000" dirty="0">
-                <a:latin typeface="微軟正黑體" panose="020B0604030504040204" pitchFamily="34" charset="-120"/>
-                <a:ea typeface="微軟正黑體" panose="020B0604030504040204" pitchFamily="34" charset="-120"/>
-              </a:rPr>
-              <a:t>只要半徑內有 </a:t>
-            </a:r>
-            <a:r>
-              <a:rPr lang="en-US" altLang="zh-TW" sz="2000" dirty="0" err="1">
-                <a:latin typeface="微軟正黑體" panose="020B0604030504040204" pitchFamily="34" charset="-120"/>
-                <a:ea typeface="微軟正黑體" panose="020B0604030504040204" pitchFamily="34" charset="-120"/>
-              </a:rPr>
-              <a:t>min_samples</a:t>
-            </a:r>
-            <a:r>
-              <a:rPr lang="en-US" altLang="zh-TW" sz="2000" dirty="0">
-                <a:latin typeface="微軟正黑體" panose="020B0604030504040204" pitchFamily="34" charset="-120"/>
-                <a:ea typeface="微軟正黑體" panose="020B0604030504040204" pitchFamily="34" charset="-120"/>
-              </a:rPr>
-              <a:t> </a:t>
-            </a:r>
-            <a:r>
-              <a:rPr lang="zh-TW" altLang="en-US" sz="2000" dirty="0">
-                <a:latin typeface="微軟正黑體" panose="020B0604030504040204" pitchFamily="34" charset="-120"/>
-                <a:ea typeface="微軟正黑體" panose="020B0604030504040204" pitchFamily="34" charset="-120"/>
-              </a:rPr>
-              <a:t>個點就視為一群，</a:t>
-            </a:r>
-            <a:r>
-              <a:rPr lang="zh-TW" altLang="en-US" sz="2000" b="1" dirty="0">
-                <a:latin typeface="微軟正黑體" panose="020B0604030504040204" pitchFamily="34" charset="-120"/>
-                <a:ea typeface="微軟正黑體" panose="020B0604030504040204" pitchFamily="34" charset="-120"/>
-              </a:rPr>
-              <a:t>比較寬鬆。</a:t>
-            </a:r>
-            <a:endParaRPr lang="en-US" altLang="zh-TW" sz="2000" b="1" dirty="0">
-              <a:latin typeface="微軟正黑體" panose="020B0604030504040204" pitchFamily="34" charset="-120"/>
-              <a:ea typeface="微軟正黑體" panose="020B0604030504040204" pitchFamily="34" charset="-120"/>
-            </a:endParaRPr>
-          </a:p>
-          <a:p>
-            <a:pPr marL="0" indent="0">
-              <a:buNone/>
-            </a:pPr>
-            <a:endParaRPr lang="en-US" altLang="zh-TW" sz="2000" b="1" dirty="0">
-              <a:latin typeface="微軟正黑體" panose="020B0604030504040204" pitchFamily="34" charset="-120"/>
-              <a:ea typeface="微軟正黑體" panose="020B0604030504040204" pitchFamily="34" charset="-120"/>
-            </a:endParaRPr>
-          </a:p>
-          <a:p>
-            <a:pPr marL="0" indent="0">
-              <a:buNone/>
-            </a:pPr>
-            <a:endParaRPr lang="en-US" altLang="zh-TW" b="1" dirty="0">
-              <a:latin typeface="微軟正黑體" panose="020B0604030504040204" pitchFamily="34" charset="-120"/>
-              <a:ea typeface="微軟正黑體" panose="020B0604030504040204" pitchFamily="34" charset="-120"/>
-            </a:endParaRPr>
-          </a:p>
-          <a:p>
-            <a:endParaRPr lang="zh-TW" altLang="en-US" dirty="0">
-              <a:latin typeface="微軟正黑體" panose="020B0604030504040204" pitchFamily="34" charset="-120"/>
-              <a:ea typeface="微軟正黑體" panose="020B0604030504040204" pitchFamily="34" charset="-120"/>
-            </a:endParaRPr>
-          </a:p>
-        </p:txBody>
-      </p:sp>
+        </p:nvGraphicFramePr>
+        <p:xfrm>
+          <a:off x="2861309" y="3211522"/>
+          <a:ext cx="7534548" cy="2103120"/>
+        </p:xfrm>
+        <a:graphic>
+          <a:graphicData uri="http://schemas.openxmlformats.org/drawingml/2006/table">
+            <a:tbl>
+              <a:tblPr firstRow="1" bandRow="1">
+                <a:tableStyleId>{5C22544A-7EE6-4342-B048-85BDC9FD1C3A}</a:tableStyleId>
+              </a:tblPr>
+              <a:tblGrid>
+                <a:gridCol w="1769310">
+                  <a:extLst>
+                    <a:ext uri="{9D8B030D-6E8A-4147-A177-3AD203B41FA5}">
+                      <a16:colId xmlns:a16="http://schemas.microsoft.com/office/drawing/2014/main" val="4033995304"/>
+                    </a:ext>
+                  </a:extLst>
+                </a:gridCol>
+                <a:gridCol w="5765238">
+                  <a:extLst>
+                    <a:ext uri="{9D8B030D-6E8A-4147-A177-3AD203B41FA5}">
+                      <a16:colId xmlns:a16="http://schemas.microsoft.com/office/drawing/2014/main" val="3554085832"/>
+                    </a:ext>
+                  </a:extLst>
+                </a:gridCol>
+              </a:tblGrid>
+              <a:tr h="370840">
+                <a:tc>
+                  <a:txBody>
+                    <a:bodyPr/>
+                    <a:lstStyle/>
+                    <a:p>
+                      <a:r>
+                        <a:rPr lang="zh-TW" altLang="en-US" sz="2400" dirty="0">
+                          <a:latin typeface="微軟正黑體" panose="020B0604030504040204" pitchFamily="34" charset="-120"/>
+                          <a:ea typeface="微軟正黑體" panose="020B0604030504040204" pitchFamily="34" charset="-120"/>
+                        </a:rPr>
+                        <a:t>現象</a:t>
+                      </a:r>
+                    </a:p>
+                  </a:txBody>
+                  <a:tcPr/>
+                </a:tc>
+                <a:tc>
+                  <a:txBody>
+                    <a:bodyPr/>
+                    <a:lstStyle/>
+                    <a:p>
+                      <a:r>
+                        <a:rPr lang="zh-TW" altLang="en-US" sz="2400" dirty="0">
+                          <a:latin typeface="微軟正黑體" panose="020B0604030504040204" pitchFamily="34" charset="-120"/>
+                          <a:ea typeface="微軟正黑體" panose="020B0604030504040204" pitchFamily="34" charset="-120"/>
+                        </a:rPr>
+                        <a:t>原因</a:t>
+                      </a:r>
+                    </a:p>
+                  </a:txBody>
+                  <a:tcPr/>
+                </a:tc>
+                <a:extLst>
+                  <a:ext uri="{0D108BD9-81ED-4DB2-BD59-A6C34878D82A}">
+                    <a16:rowId xmlns:a16="http://schemas.microsoft.com/office/drawing/2014/main" val="2412960515"/>
+                  </a:ext>
+                </a:extLst>
+              </a:tr>
+              <a:tr h="370840">
+                <a:tc>
+                  <a:txBody>
+                    <a:bodyPr/>
+                    <a:lstStyle/>
+                    <a:p>
+                      <a:r>
+                        <a:rPr lang="zh-TW" altLang="en-US" sz="2400" dirty="0">
+                          <a:latin typeface="微軟正黑體" panose="020B0604030504040204" pitchFamily="34" charset="-120"/>
+                          <a:ea typeface="微軟正黑體" panose="020B0604030504040204" pitchFamily="34" charset="-120"/>
+                        </a:rPr>
+                        <a:t>切太細</a:t>
+                      </a:r>
+                    </a:p>
+                  </a:txBody>
+                  <a:tcPr/>
+                </a:tc>
+                <a:tc>
+                  <a:txBody>
+                    <a:bodyPr/>
+                    <a:lstStyle/>
+                    <a:p>
+                      <a:r>
+                        <a:rPr lang="zh-TW" altLang="en-US" sz="2400" dirty="0">
+                          <a:latin typeface="微軟正黑體" panose="020B0604030504040204" pitchFamily="34" charset="-120"/>
+                          <a:ea typeface="微軟正黑體" panose="020B0604030504040204" pitchFamily="34" charset="-120"/>
+                        </a:rPr>
+                        <a:t>有些群密度太小，無法形成穩定層級，只好往下切到底</a:t>
+                      </a:r>
+                    </a:p>
+                  </a:txBody>
+                  <a:tcPr/>
+                </a:tc>
+                <a:extLst>
+                  <a:ext uri="{0D108BD9-81ED-4DB2-BD59-A6C34878D82A}">
+                    <a16:rowId xmlns:a16="http://schemas.microsoft.com/office/drawing/2014/main" val="2912756421"/>
+                  </a:ext>
+                </a:extLst>
+              </a:tr>
+              <a:tr h="370840">
+                <a:tc>
+                  <a:txBody>
+                    <a:bodyPr/>
+                    <a:lstStyle/>
+                    <a:p>
+                      <a:r>
+                        <a:rPr lang="zh-TW" altLang="en-US" sz="2400" dirty="0">
+                          <a:latin typeface="微軟正黑體" panose="020B0604030504040204" pitchFamily="34" charset="-120"/>
+                          <a:ea typeface="微軟正黑體" panose="020B0604030504040204" pitchFamily="34" charset="-120"/>
+                        </a:rPr>
+                        <a:t>完全不切</a:t>
+                      </a:r>
+                    </a:p>
+                  </a:txBody>
+                  <a:tcPr/>
+                </a:tc>
+                <a:tc>
+                  <a:txBody>
+                    <a:bodyPr/>
+                    <a:lstStyle/>
+                    <a:p>
+                      <a:r>
+                        <a:rPr lang="zh-TW" altLang="en-US" sz="2400" dirty="0">
+                          <a:latin typeface="微軟正黑體" panose="020B0604030504040204" pitchFamily="34" charset="-120"/>
+                          <a:ea typeface="微軟正黑體" panose="020B0604030504040204" pitchFamily="34" charset="-120"/>
+                        </a:rPr>
+                        <a:t>整體密度變化太平均，整棵分群樹沒有穩定結構，所以它選擇不切</a:t>
+                      </a:r>
+                    </a:p>
+                  </a:txBody>
+                  <a:tcPr/>
+                </a:tc>
+                <a:extLst>
+                  <a:ext uri="{0D108BD9-81ED-4DB2-BD59-A6C34878D82A}">
+                    <a16:rowId xmlns:a16="http://schemas.microsoft.com/office/drawing/2014/main" val="3837231599"/>
+                  </a:ext>
+                </a:extLst>
+              </a:tr>
+            </a:tbl>
+          </a:graphicData>
+        </a:graphic>
+      </p:graphicFrame>
       <p:sp>
         <p:nvSpPr>
           <p:cNvPr id="4" name="投影片編號版面配置區 3">
             <a:extLst>
               <a:ext uri="{FF2B5EF4-FFF2-40B4-BE49-F238E27FC236}">
-                <a16:creationId xmlns:a16="http://schemas.microsoft.com/office/drawing/2014/main" id="{4CFAC20D-548F-0B18-3404-4B587723CA47}"/>
+                <a16:creationId xmlns:a16="http://schemas.microsoft.com/office/drawing/2014/main" id="{42C243E2-5DC2-38F5-A438-297AF800B161}"/>
               </a:ext>
             </a:extLst>
           </p:cNvPr>
@@ -13131,46 +13184,174 @@
           </a:p>
         </p:txBody>
       </p:sp>
-      <p:pic>
-        <p:nvPicPr>
-          <p:cNvPr id="8" name="圖片 7">
-            <a:extLst>
-              <a:ext uri="{FF2B5EF4-FFF2-40B4-BE49-F238E27FC236}">
-                <a16:creationId xmlns:a16="http://schemas.microsoft.com/office/drawing/2014/main" id="{E7A654AB-BF70-27CC-C5E2-FE5E69D2882D}"/>
-              </a:ext>
-            </a:extLst>
-          </p:cNvPr>
-          <p:cNvPicPr>
-            <a:picLocks noChangeAspect="1"/>
-          </p:cNvPicPr>
+      <p:sp>
+        <p:nvSpPr>
+          <p:cNvPr id="6" name="文字方塊 5">
+            <a:extLst>
+              <a:ext uri="{FF2B5EF4-FFF2-40B4-BE49-F238E27FC236}">
+                <a16:creationId xmlns:a16="http://schemas.microsoft.com/office/drawing/2014/main" id="{36AE77AE-BA37-A757-6C8C-20502AD02B70}"/>
+              </a:ext>
+            </a:extLst>
+          </p:cNvPr>
+          <p:cNvSpPr txBox="1"/>
           <p:nvPr/>
-        </p:nvPicPr>
-        <p:blipFill>
-          <a:blip r:embed="rId2">
-            <a:extLst>
-              <a:ext uri="{28A0092B-C50C-407E-A947-70E740481C1C}">
-                <a14:useLocalDpi xmlns:a14="http://schemas.microsoft.com/office/drawing/2010/main" val="0"/>
-              </a:ext>
-            </a:extLst>
-          </a:blip>
-          <a:stretch>
-            <a:fillRect/>
-          </a:stretch>
-        </p:blipFill>
+        </p:nvSpPr>
         <p:spPr>
           <a:xfrm>
-            <a:off x="2368362" y="3781274"/>
-            <a:ext cx="7302875" cy="2940201"/>
+            <a:off x="914400" y="5661878"/>
+            <a:ext cx="8164286" cy="830997"/>
           </a:xfrm>
           <a:prstGeom prst="rect">
             <a:avLst/>
           </a:prstGeom>
+          <a:noFill/>
         </p:spPr>
-      </p:pic>
+        <p:txBody>
+          <a:bodyPr wrap="square" rtlCol="0">
+            <a:spAutoFit/>
+          </a:bodyPr>
+          <a:lstStyle/>
+          <a:p>
+            <a:r>
+              <a:rPr lang="zh-TW" altLang="en-US" sz="2400" dirty="0">
+                <a:latin typeface="微軟正黑體" panose="020B0604030504040204" pitchFamily="34" charset="-120"/>
+                <a:ea typeface="微軟正黑體" panose="020B0604030504040204" pitchFamily="34" charset="-120"/>
+              </a:rPr>
+              <a:t>切太細 → 降低 </a:t>
+            </a:r>
+            <a:r>
+              <a:rPr lang="en-US" altLang="zh-TW" sz="2400" dirty="0" err="1">
+                <a:latin typeface="微軟正黑體" panose="020B0604030504040204" pitchFamily="34" charset="-120"/>
+                <a:ea typeface="微軟正黑體" panose="020B0604030504040204" pitchFamily="34" charset="-120"/>
+              </a:rPr>
+              <a:t>min_cluster_size</a:t>
+            </a:r>
+            <a:r>
+              <a:rPr lang="zh-TW" altLang="en-US" sz="2400" dirty="0">
+                <a:latin typeface="微軟正黑體" panose="020B0604030504040204" pitchFamily="34" charset="-120"/>
+                <a:ea typeface="微軟正黑體" panose="020B0604030504040204" pitchFamily="34" charset="-120"/>
+              </a:rPr>
+              <a:t>，或改用 </a:t>
+            </a:r>
+            <a:r>
+              <a:rPr lang="en-US" altLang="zh-TW" sz="2400" dirty="0">
+                <a:latin typeface="微軟正黑體" panose="020B0604030504040204" pitchFamily="34" charset="-120"/>
+                <a:ea typeface="微軟正黑體" panose="020B0604030504040204" pitchFamily="34" charset="-120"/>
+              </a:rPr>
+              <a:t>DBSCAN</a:t>
+            </a:r>
+          </a:p>
+          <a:p>
+            <a:r>
+              <a:rPr lang="zh-TW" altLang="en-US" sz="2400" dirty="0">
+                <a:latin typeface="微軟正黑體" panose="020B0604030504040204" pitchFamily="34" charset="-120"/>
+                <a:ea typeface="微軟正黑體" panose="020B0604030504040204" pitchFamily="34" charset="-120"/>
+              </a:rPr>
+              <a:t>完全不切 → 降低 </a:t>
+            </a:r>
+            <a:r>
+              <a:rPr lang="en-US" altLang="zh-TW" sz="2400" dirty="0" err="1">
+                <a:latin typeface="微軟正黑體" panose="020B0604030504040204" pitchFamily="34" charset="-120"/>
+                <a:ea typeface="微軟正黑體" panose="020B0604030504040204" pitchFamily="34" charset="-120"/>
+              </a:rPr>
+              <a:t>min_samples</a:t>
+            </a:r>
+            <a:r>
+              <a:rPr lang="zh-TW" altLang="en-US" sz="2400" dirty="0">
+                <a:latin typeface="微軟正黑體" panose="020B0604030504040204" pitchFamily="34" charset="-120"/>
+                <a:ea typeface="微軟正黑體" panose="020B0604030504040204" pitchFamily="34" charset="-120"/>
+              </a:rPr>
+              <a:t>，或改用</a:t>
+            </a:r>
+            <a:r>
+              <a:rPr lang="en-US" altLang="zh-TW" sz="2400" dirty="0">
+                <a:latin typeface="微軟正黑體" panose="020B0604030504040204" pitchFamily="34" charset="-120"/>
+                <a:ea typeface="微軟正黑體" panose="020B0604030504040204" pitchFamily="34" charset="-120"/>
+              </a:rPr>
+              <a:t>DBSCAN</a:t>
+            </a:r>
+            <a:endParaRPr lang="zh-TW" altLang="en-US" sz="2400" dirty="0">
+              <a:latin typeface="微軟正黑體" panose="020B0604030504040204" pitchFamily="34" charset="-120"/>
+              <a:ea typeface="微軟正黑體" panose="020B0604030504040204" pitchFamily="34" charset="-120"/>
+            </a:endParaRPr>
+          </a:p>
+        </p:txBody>
+      </p:sp>
+      <p:sp>
+        <p:nvSpPr>
+          <p:cNvPr id="8" name="文字方塊 7">
+            <a:extLst>
+              <a:ext uri="{FF2B5EF4-FFF2-40B4-BE49-F238E27FC236}">
+                <a16:creationId xmlns:a16="http://schemas.microsoft.com/office/drawing/2014/main" id="{AA01B326-FD01-A276-753B-DFB1A81C5DF8}"/>
+              </a:ext>
+            </a:extLst>
+          </p:cNvPr>
+          <p:cNvSpPr txBox="1"/>
+          <p:nvPr/>
+        </p:nvSpPr>
+        <p:spPr>
+          <a:xfrm>
+            <a:off x="838199" y="1546296"/>
+            <a:ext cx="10254343" cy="2000548"/>
+          </a:xfrm>
+          <a:prstGeom prst="rect">
+            <a:avLst/>
+          </a:prstGeom>
+          <a:noFill/>
+        </p:spPr>
+        <p:txBody>
+          <a:bodyPr wrap="square" rtlCol="0">
+            <a:spAutoFit/>
+          </a:bodyPr>
+          <a:lstStyle/>
+          <a:p>
+            <a:r>
+              <a:rPr lang="zh-TW" altLang="en-US" sz="2400" dirty="0">
+                <a:latin typeface="微軟正黑體" panose="020B0604030504040204" pitchFamily="34" charset="-120"/>
+                <a:ea typeface="微軟正黑體" panose="020B0604030504040204" pitchFamily="34" charset="-120"/>
+              </a:rPr>
+              <a:t>關鍵在於：</a:t>
+            </a:r>
+            <a:r>
+              <a:rPr lang="en-US" altLang="zh-TW" sz="2400" dirty="0">
+                <a:latin typeface="微軟正黑體" panose="020B0604030504040204" pitchFamily="34" charset="-120"/>
+                <a:ea typeface="微軟正黑體" panose="020B0604030504040204" pitchFamily="34" charset="-120"/>
+              </a:rPr>
+              <a:t>HDBSCAN</a:t>
+            </a:r>
+            <a:r>
+              <a:rPr lang="zh-TW" altLang="en-US" sz="2400" dirty="0">
+                <a:latin typeface="微軟正黑體" panose="020B0604030504040204" pitchFamily="34" charset="-120"/>
+                <a:ea typeface="微軟正黑體" panose="020B0604030504040204" pitchFamily="34" charset="-120"/>
+              </a:rPr>
+              <a:t>「不是只跑一次分群」，而是建一棵分群層級樹把，所有可能的分群方式建成一棵樹（密度樹），然後再從中「選擇一層」作為最終輸出。</a:t>
+            </a:r>
+            <a:endParaRPr lang="en-US" altLang="zh-TW" sz="2400" dirty="0">
+              <a:latin typeface="微軟正黑體" panose="020B0604030504040204" pitchFamily="34" charset="-120"/>
+              <a:ea typeface="微軟正黑體" panose="020B0604030504040204" pitchFamily="34" charset="-120"/>
+            </a:endParaRPr>
+          </a:p>
+          <a:p>
+            <a:endParaRPr lang="en-US" altLang="zh-TW" sz="2400" dirty="0">
+              <a:latin typeface="微軟正黑體" panose="020B0604030504040204" pitchFamily="34" charset="-120"/>
+              <a:ea typeface="微軟正黑體" panose="020B0604030504040204" pitchFamily="34" charset="-120"/>
+            </a:endParaRPr>
+          </a:p>
+          <a:p>
+            <a:r>
+              <a:rPr lang="zh-TW" altLang="en-US" sz="2800" b="1" dirty="0">
+                <a:latin typeface="微軟正黑體" panose="020B0604030504040204" pitchFamily="34" charset="-120"/>
+                <a:ea typeface="微軟正黑體" panose="020B0604030504040204" pitchFamily="34" charset="-120"/>
+              </a:rPr>
+              <a:t>極端情況：</a:t>
+            </a:r>
+          </a:p>
+        </p:txBody>
+      </p:sp>
     </p:spTree>
     <p:extLst>
       <p:ext uri="{BB962C8B-B14F-4D97-AF65-F5344CB8AC3E}">
-        <p14:creationId xmlns:p14="http://schemas.microsoft.com/office/powerpoint/2010/main" val="806534664"/>
+        <p14:creationId xmlns:p14="http://schemas.microsoft.com/office/powerpoint/2010/main" val="1480050310"/>
       </p:ext>
     </p:extLst>
   </p:cSld>
@@ -13202,7 +13383,7 @@
           <p:cNvPr id="2" name="標題 1">
             <a:extLst>
               <a:ext uri="{FF2B5EF4-FFF2-40B4-BE49-F238E27FC236}">
-                <a16:creationId xmlns:a16="http://schemas.microsoft.com/office/drawing/2014/main" id="{199D0CE8-E858-4B55-8D07-9D7F11B989C6}"/>
+                <a16:creationId xmlns:a16="http://schemas.microsoft.com/office/drawing/2014/main" id="{6785F855-6EA2-9B30-E21A-68B6AC088284}"/>
               </a:ext>
             </a:extLst>
           </p:cNvPr>
@@ -13210,7 +13391,7 @@
             <a:spLocks noGrp="1"/>
           </p:cNvSpPr>
           <p:nvPr>
-            <p:ph type="ctrTitle"/>
+            <p:ph type="title"/>
           </p:nvPr>
         </p:nvSpPr>
         <p:spPr/>
@@ -13219,22 +13400,580 @@
           <a:lstStyle/>
           <a:p>
             <a:r>
+              <a:rPr lang="en-US" altLang="zh-TW" dirty="0">
+                <a:latin typeface="微軟正黑體" panose="020B0604030504040204" pitchFamily="34" charset="-120"/>
+                <a:ea typeface="微軟正黑體" panose="020B0604030504040204" pitchFamily="34" charset="-120"/>
+              </a:rPr>
+              <a:t>HDBSCAN vs DBSCAN </a:t>
+            </a:r>
+            <a:r>
               <a:rPr lang="zh-TW" altLang="en-US" dirty="0">
                 <a:latin typeface="微軟正黑體" panose="020B0604030504040204" pitchFamily="34" charset="-120"/>
                 <a:ea typeface="微軟正黑體" panose="020B0604030504040204" pitchFamily="34" charset="-120"/>
               </a:rPr>
-              <a:t>匈牙利算法</a:t>
-            </a:r>
-            <a:endParaRPr lang="zh-TW" altLang="en-US" dirty="0"/>
+              <a:t>核心差異</a:t>
+            </a:r>
           </a:p>
         </p:txBody>
       </p:sp>
+      <p:graphicFrame>
+        <p:nvGraphicFramePr>
+          <p:cNvPr id="7" name="內容版面配置區 6">
+            <a:extLst>
+              <a:ext uri="{FF2B5EF4-FFF2-40B4-BE49-F238E27FC236}">
+                <a16:creationId xmlns:a16="http://schemas.microsoft.com/office/drawing/2014/main" id="{5DA3E903-899F-61A4-37D9-02D8424A8248}"/>
+              </a:ext>
+            </a:extLst>
+          </p:cNvPr>
+          <p:cNvGraphicFramePr>
+            <a:graphicFrameLocks noGrp="1"/>
+          </p:cNvGraphicFramePr>
+          <p:nvPr>
+            <p:ph idx="1"/>
+            <p:extLst>
+              <p:ext uri="{D42A27DB-BD31-4B8C-83A1-F6EECF244321}">
+                <p14:modId xmlns:p14="http://schemas.microsoft.com/office/powerpoint/2010/main" val="2526815393"/>
+              </p:ext>
+            </p:extLst>
+          </p:nvPr>
+        </p:nvGraphicFramePr>
+        <p:xfrm>
+          <a:off x="419100" y="1803853"/>
+          <a:ext cx="11353800" cy="3474720"/>
+        </p:xfrm>
+        <a:graphic>
+          <a:graphicData uri="http://schemas.openxmlformats.org/drawingml/2006/table">
+            <a:tbl>
+              <a:tblPr firstRow="1" bandRow="1">
+                <a:tableStyleId>{5C22544A-7EE6-4342-B048-85BDC9FD1C3A}</a:tableStyleId>
+              </a:tblPr>
+              <a:tblGrid>
+                <a:gridCol w="2781300">
+                  <a:extLst>
+                    <a:ext uri="{9D8B030D-6E8A-4147-A177-3AD203B41FA5}">
+                      <a16:colId xmlns:a16="http://schemas.microsoft.com/office/drawing/2014/main" val="3545479795"/>
+                    </a:ext>
+                  </a:extLst>
+                </a:gridCol>
+                <a:gridCol w="3730770">
+                  <a:extLst>
+                    <a:ext uri="{9D8B030D-6E8A-4147-A177-3AD203B41FA5}">
+                      <a16:colId xmlns:a16="http://schemas.microsoft.com/office/drawing/2014/main" val="971601913"/>
+                    </a:ext>
+                  </a:extLst>
+                </a:gridCol>
+                <a:gridCol w="4841730">
+                  <a:extLst>
+                    <a:ext uri="{9D8B030D-6E8A-4147-A177-3AD203B41FA5}">
+                      <a16:colId xmlns:a16="http://schemas.microsoft.com/office/drawing/2014/main" val="1318668529"/>
+                    </a:ext>
+                  </a:extLst>
+                </a:gridCol>
+              </a:tblGrid>
+              <a:tr h="370840">
+                <a:tc>
+                  <a:txBody>
+                    <a:bodyPr/>
+                    <a:lstStyle/>
+                    <a:p>
+                      <a:r>
+                        <a:rPr lang="zh-TW" altLang="en-US" sz="2400" dirty="0">
+                          <a:latin typeface="微軟正黑體" panose="020B0604030504040204" pitchFamily="34" charset="-120"/>
+                          <a:ea typeface="微軟正黑體" panose="020B0604030504040204" pitchFamily="34" charset="-120"/>
+                        </a:rPr>
+                        <a:t>項目</a:t>
+                      </a:r>
+                    </a:p>
+                  </a:txBody>
+                  <a:tcPr/>
+                </a:tc>
+                <a:tc>
+                  <a:txBody>
+                    <a:bodyPr/>
+                    <a:lstStyle/>
+                    <a:p>
+                      <a:r>
+                        <a:rPr lang="en-US" altLang="zh-TW" sz="2400" dirty="0">
+                          <a:latin typeface="微軟正黑體" panose="020B0604030504040204" pitchFamily="34" charset="-120"/>
+                          <a:ea typeface="微軟正黑體" panose="020B0604030504040204" pitchFamily="34" charset="-120"/>
+                        </a:rPr>
+                        <a:t>DBSCAN</a:t>
+                      </a:r>
+                      <a:endParaRPr lang="zh-TW" altLang="en-US" sz="2400" dirty="0">
+                        <a:latin typeface="微軟正黑體" panose="020B0604030504040204" pitchFamily="34" charset="-120"/>
+                        <a:ea typeface="微軟正黑體" panose="020B0604030504040204" pitchFamily="34" charset="-120"/>
+                      </a:endParaRPr>
+                    </a:p>
+                  </a:txBody>
+                  <a:tcPr/>
+                </a:tc>
+                <a:tc>
+                  <a:txBody>
+                    <a:bodyPr/>
+                    <a:lstStyle/>
+                    <a:p>
+                      <a:r>
+                        <a:rPr lang="en-US" altLang="zh-TW" sz="2400" dirty="0">
+                          <a:latin typeface="微軟正黑體" panose="020B0604030504040204" pitchFamily="34" charset="-120"/>
+                          <a:ea typeface="微軟正黑體" panose="020B0604030504040204" pitchFamily="34" charset="-120"/>
+                        </a:rPr>
+                        <a:t>HDBSCAN</a:t>
+                      </a:r>
+                      <a:endParaRPr lang="zh-TW" altLang="en-US" sz="2400" dirty="0">
+                        <a:latin typeface="微軟正黑體" panose="020B0604030504040204" pitchFamily="34" charset="-120"/>
+                        <a:ea typeface="微軟正黑體" panose="020B0604030504040204" pitchFamily="34" charset="-120"/>
+                      </a:endParaRPr>
+                    </a:p>
+                  </a:txBody>
+                  <a:tcPr/>
+                </a:tc>
+                <a:extLst>
+                  <a:ext uri="{0D108BD9-81ED-4DB2-BD59-A6C34878D82A}">
+                    <a16:rowId xmlns:a16="http://schemas.microsoft.com/office/drawing/2014/main" val="252871193"/>
+                  </a:ext>
+                </a:extLst>
+              </a:tr>
+              <a:tr h="370840">
+                <a:tc>
+                  <a:txBody>
+                    <a:bodyPr/>
+                    <a:lstStyle/>
+                    <a:p>
+                      <a:r>
+                        <a:rPr lang="zh-TW" altLang="en-US" sz="2400" dirty="0">
+                          <a:latin typeface="微軟正黑體" panose="020B0604030504040204" pitchFamily="34" charset="-120"/>
+                          <a:ea typeface="微軟正黑體" panose="020B0604030504040204" pitchFamily="34" charset="-120"/>
+                        </a:rPr>
+                        <a:t>關鍵參數</a:t>
+                      </a:r>
+                    </a:p>
+                  </a:txBody>
+                  <a:tcPr/>
+                </a:tc>
+                <a:tc>
+                  <a:txBody>
+                    <a:bodyPr/>
+                    <a:lstStyle/>
+                    <a:p>
+                      <a:r>
+                        <a:rPr lang="en-US" altLang="zh-TW" sz="2400" dirty="0">
+                          <a:latin typeface="微軟正黑體" panose="020B0604030504040204" pitchFamily="34" charset="-120"/>
+                          <a:ea typeface="微軟正黑體" panose="020B0604030504040204" pitchFamily="34" charset="-120"/>
+                        </a:rPr>
+                        <a:t>eps(</a:t>
+                      </a:r>
+                      <a:r>
+                        <a:rPr lang="zh-TW" altLang="en-US" sz="2400" dirty="0">
+                          <a:latin typeface="微軟正黑體" panose="020B0604030504040204" pitchFamily="34" charset="-120"/>
+                          <a:ea typeface="微軟正黑體" panose="020B0604030504040204" pitchFamily="34" charset="-120"/>
+                        </a:rPr>
+                        <a:t>半徑</a:t>
+                      </a:r>
+                      <a:r>
+                        <a:rPr lang="en-US" altLang="zh-TW" sz="2400" dirty="0">
+                          <a:latin typeface="微軟正黑體" panose="020B0604030504040204" pitchFamily="34" charset="-120"/>
+                          <a:ea typeface="微軟正黑體" panose="020B0604030504040204" pitchFamily="34" charset="-120"/>
+                        </a:rPr>
+                        <a:t>)</a:t>
+                      </a:r>
+                    </a:p>
+                    <a:p>
+                      <a:r>
+                        <a:rPr lang="en-US" altLang="zh-TW" sz="2400" dirty="0" err="1">
+                          <a:latin typeface="微軟正黑體" panose="020B0604030504040204" pitchFamily="34" charset="-120"/>
+                          <a:ea typeface="微軟正黑體" panose="020B0604030504040204" pitchFamily="34" charset="-120"/>
+                        </a:rPr>
+                        <a:t>min_samples</a:t>
+                      </a:r>
+                      <a:endParaRPr lang="en-US" altLang="zh-TW" sz="2400" dirty="0">
+                        <a:latin typeface="微軟正黑體" panose="020B0604030504040204" pitchFamily="34" charset="-120"/>
+                        <a:ea typeface="微軟正黑體" panose="020B0604030504040204" pitchFamily="34" charset="-120"/>
+                      </a:endParaRPr>
+                    </a:p>
+                    <a:p>
+                      <a:r>
+                        <a:rPr lang="en-US" altLang="zh-TW" sz="2400" dirty="0">
+                          <a:latin typeface="微軟正黑體" panose="020B0604030504040204" pitchFamily="34" charset="-120"/>
+                          <a:ea typeface="微軟正黑體" panose="020B0604030504040204" pitchFamily="34" charset="-120"/>
+                        </a:rPr>
+                        <a:t>(</a:t>
+                      </a:r>
+                      <a:r>
+                        <a:rPr lang="zh-TW" altLang="en-US" sz="2400" dirty="0">
+                          <a:latin typeface="微軟正黑體" panose="020B0604030504040204" pitchFamily="34" charset="-120"/>
+                          <a:ea typeface="微軟正黑體" panose="020B0604030504040204" pitchFamily="34" charset="-120"/>
+                        </a:rPr>
+                        <a:t>判斷核心點的標準</a:t>
+                      </a:r>
+                      <a:r>
+                        <a:rPr lang="en-US" altLang="zh-TW" sz="2400" dirty="0">
+                          <a:latin typeface="微軟正黑體" panose="020B0604030504040204" pitchFamily="34" charset="-120"/>
+                          <a:ea typeface="微軟正黑體" panose="020B0604030504040204" pitchFamily="34" charset="-120"/>
+                        </a:rPr>
+                        <a:t>) </a:t>
+                      </a:r>
+                      <a:endParaRPr lang="zh-TW" altLang="en-US" sz="2400" dirty="0">
+                        <a:latin typeface="微軟正黑體" panose="020B0604030504040204" pitchFamily="34" charset="-120"/>
+                        <a:ea typeface="微軟正黑體" panose="020B0604030504040204" pitchFamily="34" charset="-120"/>
+                      </a:endParaRPr>
+                    </a:p>
+                  </a:txBody>
+                  <a:tcPr/>
+                </a:tc>
+                <a:tc>
+                  <a:txBody>
+                    <a:bodyPr/>
+                    <a:lstStyle/>
+                    <a:p>
+                      <a:r>
+                        <a:rPr lang="en-US" altLang="zh-TW" sz="2400" dirty="0" err="1">
+                          <a:latin typeface="微軟正黑體" panose="020B0604030504040204" pitchFamily="34" charset="-120"/>
+                          <a:ea typeface="微軟正黑體" panose="020B0604030504040204" pitchFamily="34" charset="-120"/>
+                        </a:rPr>
+                        <a:t>min_cluster_size</a:t>
+                      </a:r>
+                      <a:r>
+                        <a:rPr lang="en-US" altLang="zh-TW" sz="2400" dirty="0">
+                          <a:latin typeface="微軟正黑體" panose="020B0604030504040204" pitchFamily="34" charset="-120"/>
+                          <a:ea typeface="微軟正黑體" panose="020B0604030504040204" pitchFamily="34" charset="-120"/>
+                        </a:rPr>
+                        <a:t>(</a:t>
+                      </a:r>
+                      <a:r>
+                        <a:rPr lang="zh-TW" altLang="en-US" sz="2400" dirty="0">
+                          <a:latin typeface="微軟正黑體" panose="020B0604030504040204" pitchFamily="34" charset="-120"/>
+                          <a:ea typeface="微軟正黑體" panose="020B0604030504040204" pitchFamily="34" charset="-120"/>
+                        </a:rPr>
+                        <a:t>群集的最小大小</a:t>
+                      </a:r>
+                      <a:r>
+                        <a:rPr lang="en-US" altLang="zh-TW" sz="2400" dirty="0">
+                          <a:latin typeface="微軟正黑體" panose="020B0604030504040204" pitchFamily="34" charset="-120"/>
+                          <a:ea typeface="微軟正黑體" panose="020B0604030504040204" pitchFamily="34" charset="-120"/>
+                        </a:rPr>
+                        <a:t>)</a:t>
+                      </a:r>
+                    </a:p>
+                    <a:p>
+                      <a:r>
+                        <a:rPr lang="en-US" altLang="zh-TW" sz="2400" dirty="0" err="1">
+                          <a:latin typeface="微軟正黑體" panose="020B0604030504040204" pitchFamily="34" charset="-120"/>
+                          <a:ea typeface="微軟正黑體" panose="020B0604030504040204" pitchFamily="34" charset="-120"/>
+                        </a:rPr>
+                        <a:t>min_samples</a:t>
+                      </a:r>
+                      <a:r>
+                        <a:rPr lang="en-US" altLang="zh-TW" sz="2400" dirty="0">
+                          <a:latin typeface="微軟正黑體" panose="020B0604030504040204" pitchFamily="34" charset="-120"/>
+                          <a:ea typeface="微軟正黑體" panose="020B0604030504040204" pitchFamily="34" charset="-120"/>
+                        </a:rPr>
+                        <a:t>(</a:t>
+                      </a:r>
+                      <a:r>
+                        <a:rPr lang="zh-TW" altLang="en-US" sz="2400" dirty="0">
+                          <a:latin typeface="微軟正黑體" panose="020B0604030504040204" pitchFamily="34" charset="-120"/>
+                          <a:ea typeface="微軟正黑體" panose="020B0604030504040204" pitchFamily="34" charset="-120"/>
+                        </a:rPr>
+                        <a:t>判斷核心點的標準</a:t>
+                      </a:r>
+                      <a:r>
+                        <a:rPr lang="en-US" altLang="zh-TW" sz="2400" dirty="0">
+                          <a:latin typeface="微軟正黑體" panose="020B0604030504040204" pitchFamily="34" charset="-120"/>
+                          <a:ea typeface="微軟正黑體" panose="020B0604030504040204" pitchFamily="34" charset="-120"/>
+                        </a:rPr>
+                        <a:t>) </a:t>
+                      </a:r>
+                      <a:endParaRPr lang="zh-TW" altLang="en-US" sz="2400" dirty="0">
+                        <a:latin typeface="微軟正黑體" panose="020B0604030504040204" pitchFamily="34" charset="-120"/>
+                        <a:ea typeface="微軟正黑體" panose="020B0604030504040204" pitchFamily="34" charset="-120"/>
+                      </a:endParaRPr>
+                    </a:p>
+                  </a:txBody>
+                  <a:tcPr/>
+                </a:tc>
+                <a:extLst>
+                  <a:ext uri="{0D108BD9-81ED-4DB2-BD59-A6C34878D82A}">
+                    <a16:rowId xmlns:a16="http://schemas.microsoft.com/office/drawing/2014/main" val="1119604427"/>
+                  </a:ext>
+                </a:extLst>
+              </a:tr>
+              <a:tr h="370840">
+                <a:tc>
+                  <a:txBody>
+                    <a:bodyPr/>
+                    <a:lstStyle/>
+                    <a:p>
+                      <a:r>
+                        <a:rPr lang="zh-TW" altLang="en-US" sz="2400" dirty="0">
+                          <a:latin typeface="微軟正黑體" panose="020B0604030504040204" pitchFamily="34" charset="-120"/>
+                          <a:ea typeface="微軟正黑體" panose="020B0604030504040204" pitchFamily="34" charset="-120"/>
+                        </a:rPr>
+                        <a:t>適用場景</a:t>
+                      </a:r>
+                      <a:endParaRPr lang="en-US" altLang="zh-TW" sz="2400" dirty="0">
+                        <a:latin typeface="微軟正黑體" panose="020B0604030504040204" pitchFamily="34" charset="-120"/>
+                        <a:ea typeface="微軟正黑體" panose="020B0604030504040204" pitchFamily="34" charset="-120"/>
+                      </a:endParaRPr>
+                    </a:p>
+                  </a:txBody>
+                  <a:tcPr/>
+                </a:tc>
+                <a:tc>
+                  <a:txBody>
+                    <a:bodyPr/>
+                    <a:lstStyle/>
+                    <a:p>
+                      <a:r>
+                        <a:rPr lang="zh-TW" altLang="en-US" sz="2400" dirty="0">
+                          <a:latin typeface="微軟正黑體" panose="020B0604030504040204" pitchFamily="34" charset="-120"/>
+                          <a:ea typeface="微軟正黑體" panose="020B0604030504040204" pitchFamily="34" charset="-120"/>
+                        </a:rPr>
+                        <a:t>分布密集</a:t>
+                      </a:r>
+                    </a:p>
+                  </a:txBody>
+                  <a:tcPr/>
+                </a:tc>
+                <a:tc>
+                  <a:txBody>
+                    <a:bodyPr/>
+                    <a:lstStyle/>
+                    <a:p>
+                      <a:r>
+                        <a:rPr lang="zh-TW" altLang="en-US" sz="2400" dirty="0">
+                          <a:latin typeface="微軟正黑體" panose="020B0604030504040204" pitchFamily="34" charset="-120"/>
+                          <a:ea typeface="微軟正黑體" panose="020B0604030504040204" pitchFamily="34" charset="-120"/>
+                        </a:rPr>
+                        <a:t>密度變化大</a:t>
+                      </a:r>
+                    </a:p>
+                  </a:txBody>
+                  <a:tcPr/>
+                </a:tc>
+                <a:extLst>
+                  <a:ext uri="{0D108BD9-81ED-4DB2-BD59-A6C34878D82A}">
+                    <a16:rowId xmlns:a16="http://schemas.microsoft.com/office/drawing/2014/main" val="2890282388"/>
+                  </a:ext>
+                </a:extLst>
+              </a:tr>
+              <a:tr h="370840">
+                <a:tc>
+                  <a:txBody>
+                    <a:bodyPr/>
+                    <a:lstStyle/>
+                    <a:p>
+                      <a:r>
+                        <a:rPr lang="zh-TW" altLang="en-US" sz="2400" dirty="0">
+                          <a:latin typeface="微軟正黑體" panose="020B0604030504040204" pitchFamily="34" charset="-120"/>
+                          <a:ea typeface="微軟正黑體" panose="020B0604030504040204" pitchFamily="34" charset="-120"/>
+                        </a:rPr>
+                        <a:t>是否支持層級分群</a:t>
+                      </a:r>
+                      <a:endParaRPr lang="en-US" altLang="zh-TW" sz="2400" dirty="0">
+                        <a:latin typeface="微軟正黑體" panose="020B0604030504040204" pitchFamily="34" charset="-120"/>
+                        <a:ea typeface="微軟正黑體" panose="020B0604030504040204" pitchFamily="34" charset="-120"/>
+                      </a:endParaRPr>
+                    </a:p>
+                  </a:txBody>
+                  <a:tcPr/>
+                </a:tc>
+                <a:tc>
+                  <a:txBody>
+                    <a:bodyPr/>
+                    <a:lstStyle/>
+                    <a:p>
+                      <a:r>
+                        <a:rPr lang="zh-TW" altLang="en-US" sz="2400" dirty="0">
+                          <a:latin typeface="微軟正黑體" panose="020B0604030504040204" pitchFamily="34" charset="-120"/>
+                          <a:ea typeface="微軟正黑體" panose="020B0604030504040204" pitchFamily="34" charset="-120"/>
+                        </a:rPr>
+                        <a:t>否（固定密度）</a:t>
+                      </a:r>
+                    </a:p>
+                  </a:txBody>
+                  <a:tcPr/>
+                </a:tc>
+                <a:tc>
+                  <a:txBody>
+                    <a:bodyPr/>
+                    <a:lstStyle/>
+                    <a:p>
+                      <a:r>
+                        <a:rPr lang="zh-TW" altLang="en-US" sz="2400" dirty="0">
+                          <a:latin typeface="微軟正黑體" panose="020B0604030504040204" pitchFamily="34" charset="-120"/>
+                          <a:ea typeface="微軟正黑體" panose="020B0604030504040204" pitchFamily="34" charset="-120"/>
+                        </a:rPr>
+                        <a:t>是</a:t>
+                      </a:r>
+                      <a:r>
+                        <a:rPr lang="en-US" altLang="zh-TW" sz="2400" dirty="0">
+                          <a:latin typeface="微軟正黑體" panose="020B0604030504040204" pitchFamily="34" charset="-120"/>
+                          <a:ea typeface="微軟正黑體" panose="020B0604030504040204" pitchFamily="34" charset="-120"/>
+                        </a:rPr>
+                        <a:t>(</a:t>
+                      </a:r>
+                      <a:r>
+                        <a:rPr lang="zh-TW" altLang="en-US" sz="2400" dirty="0">
+                          <a:latin typeface="微軟正黑體" panose="020B0604030504040204" pitchFamily="34" charset="-120"/>
+                          <a:ea typeface="微軟正黑體" panose="020B0604030504040204" pitchFamily="34" charset="-120"/>
+                        </a:rPr>
+                        <a:t>強項</a:t>
+                      </a:r>
+                      <a:r>
+                        <a:rPr lang="en-US" altLang="zh-TW" sz="2400" dirty="0">
+                          <a:latin typeface="微軟正黑體" panose="020B0604030504040204" pitchFamily="34" charset="-120"/>
+                          <a:ea typeface="微軟正黑體" panose="020B0604030504040204" pitchFamily="34" charset="-120"/>
+                        </a:rPr>
+                        <a:t>)</a:t>
+                      </a:r>
+                      <a:endParaRPr lang="zh-TW" altLang="en-US" sz="2400" dirty="0">
+                        <a:latin typeface="微軟正黑體" panose="020B0604030504040204" pitchFamily="34" charset="-120"/>
+                        <a:ea typeface="微軟正黑體" panose="020B0604030504040204" pitchFamily="34" charset="-120"/>
+                      </a:endParaRPr>
+                    </a:p>
+                  </a:txBody>
+                  <a:tcPr/>
+                </a:tc>
+                <a:extLst>
+                  <a:ext uri="{0D108BD9-81ED-4DB2-BD59-A6C34878D82A}">
+                    <a16:rowId xmlns:a16="http://schemas.microsoft.com/office/drawing/2014/main" val="2743526044"/>
+                  </a:ext>
+                </a:extLst>
+              </a:tr>
+              <a:tr h="0">
+                <a:tc>
+                  <a:txBody>
+                    <a:bodyPr/>
+                    <a:lstStyle/>
+                    <a:p>
+                      <a:r>
+                        <a:rPr lang="zh-TW" altLang="en-US" sz="2400" dirty="0">
+                          <a:latin typeface="微軟正黑體" panose="020B0604030504040204" pitchFamily="34" charset="-120"/>
+                          <a:ea typeface="微軟正黑體" panose="020B0604030504040204" pitchFamily="34" charset="-120"/>
+                        </a:rPr>
+                        <a:t>容錯雜訊能力</a:t>
+                      </a:r>
+                    </a:p>
+                  </a:txBody>
+                  <a:tcPr/>
+                </a:tc>
+                <a:tc>
+                  <a:txBody>
+                    <a:bodyPr/>
+                    <a:lstStyle/>
+                    <a:p>
+                      <a:r>
+                        <a:rPr lang="zh-TW" altLang="en-US" sz="2400" dirty="0">
+                          <a:latin typeface="微軟正黑體" panose="020B0604030504040204" pitchFamily="34" charset="-120"/>
+                          <a:ea typeface="微軟正黑體" panose="020B0604030504040204" pitchFamily="34" charset="-120"/>
+                        </a:rPr>
+                        <a:t>低</a:t>
+                      </a:r>
+                    </a:p>
+                  </a:txBody>
+                  <a:tcPr/>
+                </a:tc>
+                <a:tc>
+                  <a:txBody>
+                    <a:bodyPr/>
+                    <a:lstStyle/>
+                    <a:p>
+                      <a:r>
+                        <a:rPr lang="zh-TW" altLang="en-US" sz="2400" dirty="0">
+                          <a:latin typeface="微軟正黑體" panose="020B0604030504040204" pitchFamily="34" charset="-120"/>
+                          <a:ea typeface="微軟正黑體" panose="020B0604030504040204" pitchFamily="34" charset="-120"/>
+                        </a:rPr>
+                        <a:t>高（會標記</a:t>
+                      </a:r>
+                      <a:r>
+                        <a:rPr lang="en-US" altLang="zh-TW" sz="2400" dirty="0">
+                          <a:latin typeface="微軟正黑體" panose="020B0604030504040204" pitchFamily="34" charset="-120"/>
+                          <a:ea typeface="微軟正黑體" panose="020B0604030504040204" pitchFamily="34" charset="-120"/>
+                        </a:rPr>
+                        <a:t>outliers</a:t>
+                      </a:r>
+                      <a:r>
+                        <a:rPr lang="zh-TW" altLang="en-US" sz="2400" dirty="0">
+                          <a:latin typeface="微軟正黑體" panose="020B0604030504040204" pitchFamily="34" charset="-120"/>
+                          <a:ea typeface="微軟正黑體" panose="020B0604030504040204" pitchFamily="34" charset="-120"/>
+                        </a:rPr>
+                        <a:t>）</a:t>
+                      </a:r>
+                    </a:p>
+                  </a:txBody>
+                  <a:tcPr/>
+                </a:tc>
+                <a:extLst>
+                  <a:ext uri="{0D108BD9-81ED-4DB2-BD59-A6C34878D82A}">
+                    <a16:rowId xmlns:a16="http://schemas.microsoft.com/office/drawing/2014/main" val="101669768"/>
+                  </a:ext>
+                </a:extLst>
+              </a:tr>
+              <a:tr h="0">
+                <a:tc>
+                  <a:txBody>
+                    <a:bodyPr/>
+                    <a:lstStyle/>
+                    <a:p>
+                      <a:r>
+                        <a:rPr lang="zh-TW" altLang="en-US" sz="2400" dirty="0">
+                          <a:latin typeface="微軟正黑體" panose="020B0604030504040204" pitchFamily="34" charset="-120"/>
+                          <a:ea typeface="微軟正黑體" panose="020B0604030504040204" pitchFamily="34" charset="-120"/>
+                        </a:rPr>
+                        <a:t>適合即時處理</a:t>
+                      </a:r>
+                    </a:p>
+                  </a:txBody>
+                  <a:tcPr/>
+                </a:tc>
+                <a:tc>
+                  <a:txBody>
+                    <a:bodyPr/>
+                    <a:lstStyle/>
+                    <a:p>
+                      <a:r>
+                        <a:rPr lang="zh-TW" altLang="en-US" sz="2400" dirty="0">
+                          <a:latin typeface="微軟正黑體" panose="020B0604030504040204" pitchFamily="34" charset="-120"/>
+                          <a:ea typeface="微軟正黑體" panose="020B0604030504040204" pitchFamily="34" charset="-120"/>
+                        </a:rPr>
+                        <a:t>較快</a:t>
+                      </a:r>
+                    </a:p>
+                  </a:txBody>
+                  <a:tcPr/>
+                </a:tc>
+                <a:tc>
+                  <a:txBody>
+                    <a:bodyPr/>
+                    <a:lstStyle/>
+                    <a:p>
+                      <a:r>
+                        <a:rPr lang="zh-TW" altLang="en-US" sz="2400" dirty="0">
+                          <a:latin typeface="微軟正黑體" panose="020B0604030504040204" pitchFamily="34" charset="-120"/>
+                          <a:ea typeface="微軟正黑體" panose="020B0604030504040204" pitchFamily="34" charset="-120"/>
+                        </a:rPr>
+                        <a:t>偏慢，適合離線分析</a:t>
+                      </a:r>
+                    </a:p>
+                  </a:txBody>
+                  <a:tcPr/>
+                </a:tc>
+                <a:extLst>
+                  <a:ext uri="{0D108BD9-81ED-4DB2-BD59-A6C34878D82A}">
+                    <a16:rowId xmlns:a16="http://schemas.microsoft.com/office/drawing/2014/main" val="2241903163"/>
+                  </a:ext>
+                </a:extLst>
+              </a:tr>
+            </a:tbl>
+          </a:graphicData>
+        </a:graphic>
+      </p:graphicFrame>
       <p:sp>
         <p:nvSpPr>
           <p:cNvPr id="4" name="投影片編號版面配置區 3">
             <a:extLst>
               <a:ext uri="{FF2B5EF4-FFF2-40B4-BE49-F238E27FC236}">
-                <a16:creationId xmlns:a16="http://schemas.microsoft.com/office/drawing/2014/main" id="{816A9AE2-143A-4462-98E7-88E3B84B6576}"/>
+                <a16:creationId xmlns:a16="http://schemas.microsoft.com/office/drawing/2014/main" id="{AA6B541C-8615-719E-FC51-BFCCBCAFF94A}"/>
               </a:ext>
             </a:extLst>
           </p:cNvPr>
@@ -13251,29 +13990,18 @@
           <a:lstStyle/>
           <a:p>
             <a:fld id="{8E39447E-DB70-4483-8A6C-6AFEA1EAB15C}" type="slidenum">
-              <a:rPr lang="zh-TW" altLang="en-US" sz="2000" smtClean="0">
-                <a:solidFill>
-                  <a:schemeClr val="tx1"/>
-                </a:solidFill>
-                <a:latin typeface="微軟正黑體" panose="020B0604030504040204" pitchFamily="34" charset="-120"/>
-                <a:ea typeface="微軟正黑體" panose="020B0604030504040204" pitchFamily="34" charset="-120"/>
-              </a:rPr>
+              <a:rPr lang="zh-TW" altLang="en-US" smtClean="0"/>
+              <a:pPr/>
               <a:t>9</a:t>
             </a:fld>
-            <a:endParaRPr lang="zh-TW" altLang="en-US" sz="2000">
-              <a:solidFill>
-                <a:schemeClr val="tx1"/>
-              </a:solidFill>
-              <a:latin typeface="微軟正黑體" panose="020B0604030504040204" pitchFamily="34" charset="-120"/>
-              <a:ea typeface="微軟正黑體" panose="020B0604030504040204" pitchFamily="34" charset="-120"/>
-            </a:endParaRPr>
+            <a:endParaRPr lang="zh-TW" altLang="en-US" dirty="0"/>
           </a:p>
         </p:txBody>
       </p:sp>
     </p:spTree>
     <p:extLst>
       <p:ext uri="{BB962C8B-B14F-4D97-AF65-F5344CB8AC3E}">
-        <p14:creationId xmlns:p14="http://schemas.microsoft.com/office/powerpoint/2010/main" val="4151889795"/>
+        <p14:creationId xmlns:p14="http://schemas.microsoft.com/office/powerpoint/2010/main" val="1846977144"/>
       </p:ext>
     </p:extLst>
   </p:cSld>
